--- a/Presentation/Presentation_Capteurs_BMP280.pptx
+++ b/Presentation/Presentation_Capteurs_BMP280.pptx
@@ -4,6 +4,9 @@
   <p:sldMasterIdLst>
     <p:sldMasterId id="2147483648" r:id="rId1"/>
   </p:sldMasterIdLst>
+  <p:notesMasterIdLst>
+    <p:notesMasterId r:id="rId19"/>
+  </p:notesMasterIdLst>
   <p:sldIdLst>
     <p:sldId id="256" r:id="rId2"/>
     <p:sldId id="260" r:id="rId3"/>
@@ -13,8 +16,15 @@
     <p:sldId id="263" r:id="rId7"/>
     <p:sldId id="265" r:id="rId8"/>
     <p:sldId id="266" r:id="rId9"/>
-    <p:sldId id="267" r:id="rId10"/>
+    <p:sldId id="282" r:id="rId10"/>
     <p:sldId id="268" r:id="rId11"/>
+    <p:sldId id="274" r:id="rId12"/>
+    <p:sldId id="279" r:id="rId13"/>
+    <p:sldId id="278" r:id="rId14"/>
+    <p:sldId id="280" r:id="rId15"/>
+    <p:sldId id="281" r:id="rId16"/>
+    <p:sldId id="269" r:id="rId17"/>
+    <p:sldId id="273" r:id="rId18"/>
   </p:sldIdLst>
   <p:sldSz cx="12192000" cy="6858000"/>
   <p:notesSz cx="6858000" cy="9144000"/>
@@ -113,7 +123,362 @@
       </a:defRPr>
     </a:lvl9pPr>
   </p:defaultTextStyle>
+  <p:extLst>
+    <p:ext uri="{EFAFB233-063F-42B5-8137-9DF3F51BA10A}">
+      <p15:sldGuideLst xmlns:p15="http://schemas.microsoft.com/office/powerpoint/2012/main"/>
+    </p:ext>
+  </p:extLst>
 </p:presentation>
+</file>
+
+<file path=ppt/notesMasters/notesMaster1.xml><?xml version="1.0" encoding="utf-8"?>
+<p:notesMaster xmlns:a="http://schemas.openxmlformats.org/drawingml/2006/main" xmlns:r="http://schemas.openxmlformats.org/officeDocument/2006/relationships" xmlns:p="http://schemas.openxmlformats.org/presentationml/2006/main">
+  <p:cSld>
+    <p:bg>
+      <p:bgRef idx="1001">
+        <a:schemeClr val="bg1"/>
+      </p:bgRef>
+    </p:bg>
+    <p:spTree>
+      <p:nvGrpSpPr>
+        <p:cNvPr id="1" name=""/>
+        <p:cNvGrpSpPr/>
+        <p:nvPr/>
+      </p:nvGrpSpPr>
+      <p:grpSpPr>
+        <a:xfrm>
+          <a:off x="0" y="0"/>
+          <a:ext cx="0" cy="0"/>
+          <a:chOff x="0" y="0"/>
+          <a:chExt cx="0" cy="0"/>
+        </a:xfrm>
+      </p:grpSpPr>
+      <p:sp>
+        <p:nvSpPr>
+          <p:cNvPr id="2" name="Header Placeholder 1"/>
+          <p:cNvSpPr>
+            <a:spLocks noGrp="1"/>
+          </p:cNvSpPr>
+          <p:nvPr>
+            <p:ph type="hdr" sz="quarter"/>
+          </p:nvPr>
+        </p:nvSpPr>
+        <p:spPr>
+          <a:xfrm>
+            <a:off x="0" y="0"/>
+            <a:ext cx="2971800" cy="458788"/>
+          </a:xfrm>
+          <a:prstGeom prst="rect">
+            <a:avLst/>
+          </a:prstGeom>
+        </p:spPr>
+        <p:txBody>
+          <a:bodyPr vert="horz" lIns="91440" tIns="45720" rIns="91440" bIns="45720" rtlCol="0"/>
+          <a:lstStyle>
+            <a:lvl1pPr algn="l">
+              <a:defRPr sz="1200"/>
+            </a:lvl1pPr>
+          </a:lstStyle>
+          <a:p>
+            <a:endParaRPr lang="fr-FR"/>
+          </a:p>
+        </p:txBody>
+      </p:sp>
+      <p:sp>
+        <p:nvSpPr>
+          <p:cNvPr id="3" name="Date Placeholder 2"/>
+          <p:cNvSpPr>
+            <a:spLocks noGrp="1"/>
+          </p:cNvSpPr>
+          <p:nvPr>
+            <p:ph type="dt" idx="1"/>
+          </p:nvPr>
+        </p:nvSpPr>
+        <p:spPr>
+          <a:xfrm>
+            <a:off x="3884613" y="0"/>
+            <a:ext cx="2971800" cy="458788"/>
+          </a:xfrm>
+          <a:prstGeom prst="rect">
+            <a:avLst/>
+          </a:prstGeom>
+        </p:spPr>
+        <p:txBody>
+          <a:bodyPr vert="horz" lIns="91440" tIns="45720" rIns="91440" bIns="45720" rtlCol="0"/>
+          <a:lstStyle>
+            <a:lvl1pPr algn="r">
+              <a:defRPr sz="1200"/>
+            </a:lvl1pPr>
+          </a:lstStyle>
+          <a:p>
+            <a:fld id="{1219A645-C971-4747-A2EF-93C586456C04}" type="datetimeFigureOut">
+              <a:rPr lang="fr-FR" smtClean="0"/>
+              <a:t>25/03/2020</a:t>
+            </a:fld>
+            <a:endParaRPr lang="fr-FR"/>
+          </a:p>
+        </p:txBody>
+      </p:sp>
+      <p:sp>
+        <p:nvSpPr>
+          <p:cNvPr id="4" name="Slide Image Placeholder 3"/>
+          <p:cNvSpPr>
+            <a:spLocks noGrp="1" noRot="1" noChangeAspect="1"/>
+          </p:cNvSpPr>
+          <p:nvPr>
+            <p:ph type="sldImg" idx="2"/>
+          </p:nvPr>
+        </p:nvSpPr>
+        <p:spPr>
+          <a:xfrm>
+            <a:off x="685800" y="1143000"/>
+            <a:ext cx="5486400" cy="3086100"/>
+          </a:xfrm>
+          <a:prstGeom prst="rect">
+            <a:avLst/>
+          </a:prstGeom>
+          <a:noFill/>
+          <a:ln w="12700">
+            <a:solidFill>
+              <a:prstClr val="black"/>
+            </a:solidFill>
+          </a:ln>
+        </p:spPr>
+        <p:txBody>
+          <a:bodyPr vert="horz" lIns="91440" tIns="45720" rIns="91440" bIns="45720" rtlCol="0" anchor="ctr"/>
+          <a:lstStyle/>
+          <a:p>
+            <a:endParaRPr lang="fr-FR"/>
+          </a:p>
+        </p:txBody>
+      </p:sp>
+      <p:sp>
+        <p:nvSpPr>
+          <p:cNvPr id="5" name="Notes Placeholder 4"/>
+          <p:cNvSpPr>
+            <a:spLocks noGrp="1"/>
+          </p:cNvSpPr>
+          <p:nvPr>
+            <p:ph type="body" sz="quarter" idx="3"/>
+          </p:nvPr>
+        </p:nvSpPr>
+        <p:spPr>
+          <a:xfrm>
+            <a:off x="685800" y="4400550"/>
+            <a:ext cx="5486400" cy="3600450"/>
+          </a:xfrm>
+          <a:prstGeom prst="rect">
+            <a:avLst/>
+          </a:prstGeom>
+        </p:spPr>
+        <p:txBody>
+          <a:bodyPr vert="horz" lIns="91440" tIns="45720" rIns="91440" bIns="45720" rtlCol="0"/>
+          <a:lstStyle/>
+          <a:p>
+            <a:pPr lvl="0"/>
+            <a:r>
+              <a:rPr lang="en-US"/>
+              <a:t>Click to edit Master text styles</a:t>
+            </a:r>
+          </a:p>
+          <a:p>
+            <a:pPr lvl="1"/>
+            <a:r>
+              <a:rPr lang="en-US"/>
+              <a:t>Second level</a:t>
+            </a:r>
+          </a:p>
+          <a:p>
+            <a:pPr lvl="2"/>
+            <a:r>
+              <a:rPr lang="en-US"/>
+              <a:t>Third level</a:t>
+            </a:r>
+          </a:p>
+          <a:p>
+            <a:pPr lvl="3"/>
+            <a:r>
+              <a:rPr lang="en-US"/>
+              <a:t>Fourth level</a:t>
+            </a:r>
+          </a:p>
+          <a:p>
+            <a:pPr lvl="4"/>
+            <a:r>
+              <a:rPr lang="en-US"/>
+              <a:t>Fifth level</a:t>
+            </a:r>
+            <a:endParaRPr lang="fr-FR"/>
+          </a:p>
+        </p:txBody>
+      </p:sp>
+      <p:sp>
+        <p:nvSpPr>
+          <p:cNvPr id="6" name="Footer Placeholder 5"/>
+          <p:cNvSpPr>
+            <a:spLocks noGrp="1"/>
+          </p:cNvSpPr>
+          <p:nvPr>
+            <p:ph type="ftr" sz="quarter" idx="4"/>
+          </p:nvPr>
+        </p:nvSpPr>
+        <p:spPr>
+          <a:xfrm>
+            <a:off x="0" y="8685213"/>
+            <a:ext cx="2971800" cy="458787"/>
+          </a:xfrm>
+          <a:prstGeom prst="rect">
+            <a:avLst/>
+          </a:prstGeom>
+        </p:spPr>
+        <p:txBody>
+          <a:bodyPr vert="horz" lIns="91440" tIns="45720" rIns="91440" bIns="45720" rtlCol="0" anchor="b"/>
+          <a:lstStyle>
+            <a:lvl1pPr algn="l">
+              <a:defRPr sz="1200"/>
+            </a:lvl1pPr>
+          </a:lstStyle>
+          <a:p>
+            <a:endParaRPr lang="fr-FR"/>
+          </a:p>
+        </p:txBody>
+      </p:sp>
+      <p:sp>
+        <p:nvSpPr>
+          <p:cNvPr id="7" name="Slide Number Placeholder 6"/>
+          <p:cNvSpPr>
+            <a:spLocks noGrp="1"/>
+          </p:cNvSpPr>
+          <p:nvPr>
+            <p:ph type="sldNum" sz="quarter" idx="5"/>
+          </p:nvPr>
+        </p:nvSpPr>
+        <p:spPr>
+          <a:xfrm>
+            <a:off x="3884613" y="8685213"/>
+            <a:ext cx="2971800" cy="458787"/>
+          </a:xfrm>
+          <a:prstGeom prst="rect">
+            <a:avLst/>
+          </a:prstGeom>
+        </p:spPr>
+        <p:txBody>
+          <a:bodyPr vert="horz" lIns="91440" tIns="45720" rIns="91440" bIns="45720" rtlCol="0" anchor="b"/>
+          <a:lstStyle>
+            <a:lvl1pPr algn="r">
+              <a:defRPr sz="1200"/>
+            </a:lvl1pPr>
+          </a:lstStyle>
+          <a:p>
+            <a:fld id="{F1A15028-26A5-4556-AB24-7A5DAB8C54C6}" type="slidenum">
+              <a:rPr lang="fr-FR" smtClean="0"/>
+              <a:t>‹#›</a:t>
+            </a:fld>
+            <a:endParaRPr lang="fr-FR"/>
+          </a:p>
+        </p:txBody>
+      </p:sp>
+    </p:spTree>
+    <p:extLst>
+      <p:ext uri="{BB962C8B-B14F-4D97-AF65-F5344CB8AC3E}">
+        <p14:creationId xmlns:p14="http://schemas.microsoft.com/office/powerpoint/2010/main" val="3818378272"/>
+      </p:ext>
+    </p:extLst>
+  </p:cSld>
+  <p:clrMap bg1="lt1" tx1="dk1" bg2="lt2" tx2="dk2" accent1="accent1" accent2="accent2" accent3="accent3" accent4="accent4" accent5="accent5" accent6="accent6" hlink="hlink" folHlink="folHlink"/>
+  <p:notesStyle>
+    <a:lvl1pPr marL="0" algn="l" defTabSz="914400" rtl="0" eaLnBrk="1" latinLnBrk="0" hangingPunct="1">
+      <a:defRPr sz="1200" kern="1200">
+        <a:solidFill>
+          <a:schemeClr val="tx1"/>
+        </a:solidFill>
+        <a:latin typeface="+mn-lt"/>
+        <a:ea typeface="+mn-ea"/>
+        <a:cs typeface="+mn-cs"/>
+      </a:defRPr>
+    </a:lvl1pPr>
+    <a:lvl2pPr marL="457200" algn="l" defTabSz="914400" rtl="0" eaLnBrk="1" latinLnBrk="0" hangingPunct="1">
+      <a:defRPr sz="1200" kern="1200">
+        <a:solidFill>
+          <a:schemeClr val="tx1"/>
+        </a:solidFill>
+        <a:latin typeface="+mn-lt"/>
+        <a:ea typeface="+mn-ea"/>
+        <a:cs typeface="+mn-cs"/>
+      </a:defRPr>
+    </a:lvl2pPr>
+    <a:lvl3pPr marL="914400" algn="l" defTabSz="914400" rtl="0" eaLnBrk="1" latinLnBrk="0" hangingPunct="1">
+      <a:defRPr sz="1200" kern="1200">
+        <a:solidFill>
+          <a:schemeClr val="tx1"/>
+        </a:solidFill>
+        <a:latin typeface="+mn-lt"/>
+        <a:ea typeface="+mn-ea"/>
+        <a:cs typeface="+mn-cs"/>
+      </a:defRPr>
+    </a:lvl3pPr>
+    <a:lvl4pPr marL="1371600" algn="l" defTabSz="914400" rtl="0" eaLnBrk="1" latinLnBrk="0" hangingPunct="1">
+      <a:defRPr sz="1200" kern="1200">
+        <a:solidFill>
+          <a:schemeClr val="tx1"/>
+        </a:solidFill>
+        <a:latin typeface="+mn-lt"/>
+        <a:ea typeface="+mn-ea"/>
+        <a:cs typeface="+mn-cs"/>
+      </a:defRPr>
+    </a:lvl4pPr>
+    <a:lvl5pPr marL="1828800" algn="l" defTabSz="914400" rtl="0" eaLnBrk="1" latinLnBrk="0" hangingPunct="1">
+      <a:defRPr sz="1200" kern="1200">
+        <a:solidFill>
+          <a:schemeClr val="tx1"/>
+        </a:solidFill>
+        <a:latin typeface="+mn-lt"/>
+        <a:ea typeface="+mn-ea"/>
+        <a:cs typeface="+mn-cs"/>
+      </a:defRPr>
+    </a:lvl5pPr>
+    <a:lvl6pPr marL="2286000" algn="l" defTabSz="914400" rtl="0" eaLnBrk="1" latinLnBrk="0" hangingPunct="1">
+      <a:defRPr sz="1200" kern="1200">
+        <a:solidFill>
+          <a:schemeClr val="tx1"/>
+        </a:solidFill>
+        <a:latin typeface="+mn-lt"/>
+        <a:ea typeface="+mn-ea"/>
+        <a:cs typeface="+mn-cs"/>
+      </a:defRPr>
+    </a:lvl6pPr>
+    <a:lvl7pPr marL="2743200" algn="l" defTabSz="914400" rtl="0" eaLnBrk="1" latinLnBrk="0" hangingPunct="1">
+      <a:defRPr sz="1200" kern="1200">
+        <a:solidFill>
+          <a:schemeClr val="tx1"/>
+        </a:solidFill>
+        <a:latin typeface="+mn-lt"/>
+        <a:ea typeface="+mn-ea"/>
+        <a:cs typeface="+mn-cs"/>
+      </a:defRPr>
+    </a:lvl7pPr>
+    <a:lvl8pPr marL="3200400" algn="l" defTabSz="914400" rtl="0" eaLnBrk="1" latinLnBrk="0" hangingPunct="1">
+      <a:defRPr sz="1200" kern="1200">
+        <a:solidFill>
+          <a:schemeClr val="tx1"/>
+        </a:solidFill>
+        <a:latin typeface="+mn-lt"/>
+        <a:ea typeface="+mn-ea"/>
+        <a:cs typeface="+mn-cs"/>
+      </a:defRPr>
+    </a:lvl8pPr>
+    <a:lvl9pPr marL="3657600" algn="l" defTabSz="914400" rtl="0" eaLnBrk="1" latinLnBrk="0" hangingPunct="1">
+      <a:defRPr sz="1200" kern="1200">
+        <a:solidFill>
+          <a:schemeClr val="tx1"/>
+        </a:solidFill>
+        <a:latin typeface="+mn-lt"/>
+        <a:ea typeface="+mn-ea"/>
+        <a:cs typeface="+mn-cs"/>
+      </a:defRPr>
+    </a:lvl9pPr>
+  </p:notesStyle>
+</p:notesMaster>
 </file>
 
 <file path=ppt/slideLayouts/slideLayout1.xml><?xml version="1.0" encoding="utf-8"?>
@@ -261,9 +626,9 @@
           <a:bodyPr/>
           <a:lstStyle/>
           <a:p>
-            <a:fld id="{E93D11ED-5BCA-4073-AE8B-8BF6235CF402}" type="datetimeFigureOut">
+            <a:fld id="{7B99F690-3B51-4FDB-B1F1-5FF808B666D3}" type="datetime1">
               <a:rPr lang="fr-FR" smtClean="0"/>
-              <a:t>24/03/2020</a:t>
+              <a:t>25/03/2020</a:t>
             </a:fld>
             <a:endParaRPr lang="fr-FR"/>
           </a:p>
@@ -317,7 +682,7 @@
           <a:p>
             <a:fld id="{43B0AB4A-0575-400B-9EA0-B9BBCBE45FA9}" type="slidenum">
               <a:rPr lang="fr-FR" smtClean="0"/>
-              <a:t>‹N°›</a:t>
+              <a:t>‹#›</a:t>
             </a:fld>
             <a:endParaRPr lang="fr-FR"/>
           </a:p>
@@ -459,9 +824,9 @@
           <a:bodyPr/>
           <a:lstStyle/>
           <a:p>
-            <a:fld id="{E93D11ED-5BCA-4073-AE8B-8BF6235CF402}" type="datetimeFigureOut">
+            <a:fld id="{54AD6DD8-55CB-49B2-8FAD-315734BFA61F}" type="datetime1">
               <a:rPr lang="fr-FR" smtClean="0"/>
-              <a:t>24/03/2020</a:t>
+              <a:t>25/03/2020</a:t>
             </a:fld>
             <a:endParaRPr lang="fr-FR"/>
           </a:p>
@@ -515,7 +880,7 @@
           <a:p>
             <a:fld id="{43B0AB4A-0575-400B-9EA0-B9BBCBE45FA9}" type="slidenum">
               <a:rPr lang="fr-FR" smtClean="0"/>
-              <a:t>‹N°›</a:t>
+              <a:t>‹#›</a:t>
             </a:fld>
             <a:endParaRPr lang="fr-FR"/>
           </a:p>
@@ -667,9 +1032,9 @@
           <a:bodyPr/>
           <a:lstStyle/>
           <a:p>
-            <a:fld id="{E93D11ED-5BCA-4073-AE8B-8BF6235CF402}" type="datetimeFigureOut">
+            <a:fld id="{99557A5C-696A-4594-AB5D-527830BBAFEF}" type="datetime1">
               <a:rPr lang="fr-FR" smtClean="0"/>
-              <a:t>24/03/2020</a:t>
+              <a:t>25/03/2020</a:t>
             </a:fld>
             <a:endParaRPr lang="fr-FR"/>
           </a:p>
@@ -723,7 +1088,7 @@
           <a:p>
             <a:fld id="{43B0AB4A-0575-400B-9EA0-B9BBCBE45FA9}" type="slidenum">
               <a:rPr lang="fr-FR" smtClean="0"/>
-              <a:t>‹N°›</a:t>
+              <a:t>‹#›</a:t>
             </a:fld>
             <a:endParaRPr lang="fr-FR"/>
           </a:p>
@@ -865,9 +1230,9 @@
           <a:bodyPr/>
           <a:lstStyle/>
           <a:p>
-            <a:fld id="{E93D11ED-5BCA-4073-AE8B-8BF6235CF402}" type="datetimeFigureOut">
+            <a:fld id="{558AE91D-F9B0-4506-A6EB-8E84BD0F9DD6}" type="datetime1">
               <a:rPr lang="fr-FR" smtClean="0"/>
-              <a:t>24/03/2020</a:t>
+              <a:t>25/03/2020</a:t>
             </a:fld>
             <a:endParaRPr lang="fr-FR"/>
           </a:p>
@@ -921,7 +1286,7 @@
           <a:p>
             <a:fld id="{43B0AB4A-0575-400B-9EA0-B9BBCBE45FA9}" type="slidenum">
               <a:rPr lang="fr-FR" smtClean="0"/>
-              <a:t>‹N°›</a:t>
+              <a:t>‹#›</a:t>
             </a:fld>
             <a:endParaRPr lang="fr-FR"/>
           </a:p>
@@ -1140,9 +1505,9 @@
           <a:bodyPr/>
           <a:lstStyle/>
           <a:p>
-            <a:fld id="{E93D11ED-5BCA-4073-AE8B-8BF6235CF402}" type="datetimeFigureOut">
+            <a:fld id="{7D238502-27E8-49E6-9948-E745D3D4FFE6}" type="datetime1">
               <a:rPr lang="fr-FR" smtClean="0"/>
-              <a:t>24/03/2020</a:t>
+              <a:t>25/03/2020</a:t>
             </a:fld>
             <a:endParaRPr lang="fr-FR"/>
           </a:p>
@@ -1196,7 +1561,7 @@
           <a:p>
             <a:fld id="{43B0AB4A-0575-400B-9EA0-B9BBCBE45FA9}" type="slidenum">
               <a:rPr lang="fr-FR" smtClean="0"/>
-              <a:t>‹N°›</a:t>
+              <a:t>‹#›</a:t>
             </a:fld>
             <a:endParaRPr lang="fr-FR"/>
           </a:p>
@@ -1405,9 +1770,9 @@
           <a:bodyPr/>
           <a:lstStyle/>
           <a:p>
-            <a:fld id="{E93D11ED-5BCA-4073-AE8B-8BF6235CF402}" type="datetimeFigureOut">
+            <a:fld id="{AA71EA2D-76F1-4790-B593-CBA766D6066D}" type="datetime1">
               <a:rPr lang="fr-FR" smtClean="0"/>
-              <a:t>24/03/2020</a:t>
+              <a:t>25/03/2020</a:t>
             </a:fld>
             <a:endParaRPr lang="fr-FR"/>
           </a:p>
@@ -1461,7 +1826,7 @@
           <a:p>
             <a:fld id="{43B0AB4A-0575-400B-9EA0-B9BBCBE45FA9}" type="slidenum">
               <a:rPr lang="fr-FR" smtClean="0"/>
-              <a:t>‹N°›</a:t>
+              <a:t>‹#›</a:t>
             </a:fld>
             <a:endParaRPr lang="fr-FR"/>
           </a:p>
@@ -1817,9 +2182,9 @@
           <a:bodyPr/>
           <a:lstStyle/>
           <a:p>
-            <a:fld id="{E93D11ED-5BCA-4073-AE8B-8BF6235CF402}" type="datetimeFigureOut">
+            <a:fld id="{2390D14E-3C58-43B3-A172-1352AD4F2F0B}" type="datetime1">
               <a:rPr lang="fr-FR" smtClean="0"/>
-              <a:t>24/03/2020</a:t>
+              <a:t>25/03/2020</a:t>
             </a:fld>
             <a:endParaRPr lang="fr-FR"/>
           </a:p>
@@ -1873,7 +2238,7 @@
           <a:p>
             <a:fld id="{43B0AB4A-0575-400B-9EA0-B9BBCBE45FA9}" type="slidenum">
               <a:rPr lang="fr-FR" smtClean="0"/>
-              <a:t>‹N°›</a:t>
+              <a:t>‹#›</a:t>
             </a:fld>
             <a:endParaRPr lang="fr-FR"/>
           </a:p>
@@ -1958,9 +2323,9 @@
           <a:bodyPr/>
           <a:lstStyle/>
           <a:p>
-            <a:fld id="{E93D11ED-5BCA-4073-AE8B-8BF6235CF402}" type="datetimeFigureOut">
+            <a:fld id="{E2AACFA8-C447-459E-9EDB-234E1845BBB0}" type="datetime1">
               <a:rPr lang="fr-FR" smtClean="0"/>
-              <a:t>24/03/2020</a:t>
+              <a:t>25/03/2020</a:t>
             </a:fld>
             <a:endParaRPr lang="fr-FR"/>
           </a:p>
@@ -2014,7 +2379,7 @@
           <a:p>
             <a:fld id="{43B0AB4A-0575-400B-9EA0-B9BBCBE45FA9}" type="slidenum">
               <a:rPr lang="fr-FR" smtClean="0"/>
-              <a:t>‹N°›</a:t>
+              <a:t>‹#›</a:t>
             </a:fld>
             <a:endParaRPr lang="fr-FR"/>
           </a:p>
@@ -2071,9 +2436,9 @@
           <a:bodyPr/>
           <a:lstStyle/>
           <a:p>
-            <a:fld id="{E93D11ED-5BCA-4073-AE8B-8BF6235CF402}" type="datetimeFigureOut">
+            <a:fld id="{D9107974-8D3A-433F-949D-84646BA891C6}" type="datetime1">
               <a:rPr lang="fr-FR" smtClean="0"/>
-              <a:t>24/03/2020</a:t>
+              <a:t>25/03/2020</a:t>
             </a:fld>
             <a:endParaRPr lang="fr-FR"/>
           </a:p>
@@ -2127,7 +2492,7 @@
           <a:p>
             <a:fld id="{43B0AB4A-0575-400B-9EA0-B9BBCBE45FA9}" type="slidenum">
               <a:rPr lang="fr-FR" smtClean="0"/>
-              <a:t>‹N°›</a:t>
+              <a:t>‹#›</a:t>
             </a:fld>
             <a:endParaRPr lang="fr-FR"/>
           </a:p>
@@ -2382,9 +2747,9 @@
           <a:bodyPr/>
           <a:lstStyle/>
           <a:p>
-            <a:fld id="{E93D11ED-5BCA-4073-AE8B-8BF6235CF402}" type="datetimeFigureOut">
+            <a:fld id="{40AE79BF-AC43-4491-ABC6-D4F785D2523D}" type="datetime1">
               <a:rPr lang="fr-FR" smtClean="0"/>
-              <a:t>24/03/2020</a:t>
+              <a:t>25/03/2020</a:t>
             </a:fld>
             <a:endParaRPr lang="fr-FR"/>
           </a:p>
@@ -2438,7 +2803,7 @@
           <a:p>
             <a:fld id="{43B0AB4A-0575-400B-9EA0-B9BBCBE45FA9}" type="slidenum">
               <a:rPr lang="fr-FR" smtClean="0"/>
-              <a:t>‹N°›</a:t>
+              <a:t>‹#›</a:t>
             </a:fld>
             <a:endParaRPr lang="fr-FR"/>
           </a:p>
@@ -2670,9 +3035,9 @@
           <a:bodyPr/>
           <a:lstStyle/>
           <a:p>
-            <a:fld id="{E93D11ED-5BCA-4073-AE8B-8BF6235CF402}" type="datetimeFigureOut">
+            <a:fld id="{7F89F401-4F47-48FB-9AE3-EA7E5DAEAA1A}" type="datetime1">
               <a:rPr lang="fr-FR" smtClean="0"/>
-              <a:t>24/03/2020</a:t>
+              <a:t>25/03/2020</a:t>
             </a:fld>
             <a:endParaRPr lang="fr-FR"/>
           </a:p>
@@ -2726,7 +3091,7 @@
           <a:p>
             <a:fld id="{43B0AB4A-0575-400B-9EA0-B9BBCBE45FA9}" type="slidenum">
               <a:rPr lang="fr-FR" smtClean="0"/>
-              <a:t>‹N°›</a:t>
+              <a:t>‹#›</a:t>
             </a:fld>
             <a:endParaRPr lang="fr-FR"/>
           </a:p>
@@ -2911,9 +3276,9 @@
             </a:lvl1pPr>
           </a:lstStyle>
           <a:p>
-            <a:fld id="{E93D11ED-5BCA-4073-AE8B-8BF6235CF402}" type="datetimeFigureOut">
+            <a:fld id="{9BB9C24C-7F1B-4D18-BE4E-9F6D0D8F4D96}" type="datetime1">
               <a:rPr lang="fr-FR" smtClean="0"/>
-              <a:t>24/03/2020</a:t>
+              <a:t>25/03/2020</a:t>
             </a:fld>
             <a:endParaRPr lang="fr-FR"/>
           </a:p>
@@ -3003,7 +3368,7 @@
           <a:p>
             <a:fld id="{43B0AB4A-0575-400B-9EA0-B9BBCBE45FA9}" type="slidenum">
               <a:rPr lang="fr-FR" smtClean="0"/>
-              <a:t>‹N°›</a:t>
+              <a:t>‹#›</a:t>
             </a:fld>
             <a:endParaRPr lang="fr-FR"/>
           </a:p>
@@ -3030,6 +3395,7 @@
     <p:sldLayoutId id="2147483658" r:id="rId10"/>
     <p:sldLayoutId id="2147483659" r:id="rId11"/>
   </p:sldLayoutIdLst>
+  <p:hf hdr="0" ftr="0" dt="0"/>
   <p:txStyles>
     <p:titleStyle>
       <a:lvl1pPr algn="l" defTabSz="914400" rtl="0" eaLnBrk="1" latinLnBrk="0" hangingPunct="1">
@@ -3355,7 +3721,7 @@
           <a:p>
             <a:r>
               <a:rPr lang="fr-FR" sz="7200" dirty="0"/>
-              <a:t>PHY 4103: Capteurs</a:t>
+              <a:t>PHY 4103 : Capteurs</a:t>
             </a:r>
           </a:p>
         </p:txBody>
@@ -3387,6 +3753,52 @@
               <a:rPr lang="fr-FR" sz="2800" dirty="0"/>
               <a:t>Nimesh TAHALOOA &amp; Ahmed TSOROEV</a:t>
             </a:r>
+          </a:p>
+          <a:p>
+            <a:endParaRPr lang="fr-FR" sz="2800" dirty="0"/>
+          </a:p>
+          <a:p>
+            <a:r>
+              <a:rPr lang="fr-FR" sz="2800" dirty="0"/>
+              <a:t>Coordinatrice : </a:t>
+            </a:r>
+            <a:r>
+              <a:rPr lang="fr-FR" sz="2800" dirty="0" err="1"/>
+              <a:t>Nesma</a:t>
+            </a:r>
+            <a:r>
+              <a:rPr lang="fr-FR" sz="2800" dirty="0"/>
+              <a:t> HOUMANI</a:t>
+            </a:r>
+          </a:p>
+        </p:txBody>
+      </p:sp>
+      <p:sp>
+        <p:nvSpPr>
+          <p:cNvPr id="4" name="Slide Number Placeholder 3">
+            <a:extLst>
+              <a:ext uri="{FF2B5EF4-FFF2-40B4-BE49-F238E27FC236}">
+                <a16:creationId xmlns:a16="http://schemas.microsoft.com/office/drawing/2014/main" id="{F07DB401-6439-428B-977B-493AC807A4E5}"/>
+              </a:ext>
+            </a:extLst>
+          </p:cNvPr>
+          <p:cNvSpPr>
+            <a:spLocks noGrp="1"/>
+          </p:cNvSpPr>
+          <p:nvPr>
+            <p:ph type="sldNum" sz="quarter" idx="12"/>
+          </p:nvPr>
+        </p:nvSpPr>
+        <p:spPr/>
+        <p:txBody>
+          <a:bodyPr/>
+          <a:lstStyle/>
+          <a:p>
+            <a:fld id="{43B0AB4A-0575-400B-9EA0-B9BBCBE45FA9}" type="slidenum">
+              <a:rPr lang="fr-FR" smtClean="0"/>
+              <a:t>1</a:t>
+            </a:fld>
+            <a:endParaRPr lang="fr-FR"/>
           </a:p>
         </p:txBody>
       </p:sp>
@@ -3731,6 +4143,35 @@
           </a:fontRef>
         </p:style>
       </p:cxnSp>
+      <p:sp>
+        <p:nvSpPr>
+          <p:cNvPr id="3" name="Slide Number Placeholder 2">
+            <a:extLst>
+              <a:ext uri="{FF2B5EF4-FFF2-40B4-BE49-F238E27FC236}">
+                <a16:creationId xmlns:a16="http://schemas.microsoft.com/office/drawing/2014/main" id="{EBC64FA9-859A-45B5-B6A7-1A95E68F73F2}"/>
+              </a:ext>
+            </a:extLst>
+          </p:cNvPr>
+          <p:cNvSpPr>
+            <a:spLocks noGrp="1"/>
+          </p:cNvSpPr>
+          <p:nvPr>
+            <p:ph type="sldNum" sz="quarter" idx="12"/>
+          </p:nvPr>
+        </p:nvSpPr>
+        <p:spPr/>
+        <p:txBody>
+          <a:bodyPr/>
+          <a:lstStyle/>
+          <a:p>
+            <a:fld id="{43B0AB4A-0575-400B-9EA0-B9BBCBE45FA9}" type="slidenum">
+              <a:rPr lang="fr-FR" smtClean="0"/>
+              <a:t>10</a:t>
+            </a:fld>
+            <a:endParaRPr lang="fr-FR"/>
+          </a:p>
+        </p:txBody>
+      </p:sp>
     </p:spTree>
     <p:extLst>
       <p:ext uri="{BB962C8B-B14F-4D97-AF65-F5344CB8AC3E}">
@@ -3744,7 +4185,7 @@
 </p:sld>
 </file>
 
-<file path=ppt/slides/slide2.xml><?xml version="1.0" encoding="utf-8"?>
+<file path=ppt/slides/slide11.xml><?xml version="1.0" encoding="utf-8"?>
 <p:sld xmlns:a="http://schemas.openxmlformats.org/drawingml/2006/main" xmlns:r="http://schemas.openxmlformats.org/officeDocument/2006/relationships" xmlns:p="http://schemas.openxmlformats.org/presentationml/2006/main">
   <p:cSld>
     <p:bg>
@@ -3847,8 +4288,8 @@
         </p:nvSpPr>
         <p:spPr>
           <a:xfrm>
-            <a:off x="589560" y="856180"/>
-            <a:ext cx="4560584" cy="1128068"/>
+            <a:off x="589559" y="856180"/>
+            <a:ext cx="4828417" cy="1128068"/>
           </a:xfrm>
         </p:spPr>
         <p:txBody>
@@ -3858,9 +4299,10 @@
           <a:lstStyle/>
           <a:p>
             <a:r>
-              <a:rPr lang="fr-FR" sz="3700" dirty="0"/>
-              <a:t>Capteur de pression – Baromètre – BMP280</a:t>
-            </a:r>
+              <a:rPr lang="fr-FR" sz="3700"/>
+              <a:t>Magnétomètre – AK09918 par AsahiKASEI</a:t>
+            </a:r>
+            <a:endParaRPr lang="fr-FR" sz="3700" dirty="0"/>
           </a:p>
         </p:txBody>
       </p:sp>
@@ -4114,7 +4556,7 @@
               <a:buAutoNum type="arabicPeriod"/>
             </a:pPr>
             <a:r>
-              <a:rPr lang="fr-FR" dirty="0"/>
+              <a:rPr lang="fr-FR"/>
               <a:t>Utilisation</a:t>
             </a:r>
           </a:p>
@@ -4124,7 +4566,7 @@
               <a:buAutoNum type="arabicPeriod"/>
             </a:pPr>
             <a:r>
-              <a:rPr lang="fr-FR" dirty="0"/>
+              <a:rPr lang="fr-FR"/>
               <a:t>Principe</a:t>
             </a:r>
           </a:p>
@@ -4134,7 +4576,7 @@
               <a:buAutoNum type="arabicPeriod"/>
             </a:pPr>
             <a:r>
-              <a:rPr lang="fr-FR" dirty="0"/>
+              <a:rPr lang="fr-FR"/>
               <a:t>Limites</a:t>
             </a:r>
           </a:p>
@@ -4144,9 +4586,10 @@
               <a:buAutoNum type="arabicPeriod"/>
             </a:pPr>
             <a:r>
-              <a:rPr lang="fr-FR" dirty="0"/>
+              <a:rPr lang="fr-FR"/>
               <a:t>Démo</a:t>
             </a:r>
+            <a:endParaRPr lang="fr-FR" dirty="0"/>
           </a:p>
         </p:txBody>
       </p:sp>
@@ -4285,19 +4728,19 @@
       </p:sp>
       <p:pic>
         <p:nvPicPr>
-          <p:cNvPr id="7" name="Image 6" descr="Une image contenant équipement électronique, circuit&#10;&#10;Description générée automatiquement">
-            <a:extLst>
-              <a:ext uri="{FF2B5EF4-FFF2-40B4-BE49-F238E27FC236}">
-                <a16:creationId xmlns:a16="http://schemas.microsoft.com/office/drawing/2014/main" id="{590AA8F6-DC5F-46D5-ABBD-68FCF030D12E}"/>
+          <p:cNvPr id="1028" name="Picture 4">
+            <a:extLst>
+              <a:ext uri="{FF2B5EF4-FFF2-40B4-BE49-F238E27FC236}">
+                <a16:creationId xmlns:a16="http://schemas.microsoft.com/office/drawing/2014/main" id="{A6CE7712-E8B5-483B-A910-744DD4D5FD45}"/>
               </a:ext>
             </a:extLst>
           </p:cNvPr>
           <p:cNvPicPr>
-            <a:picLocks noChangeAspect="1"/>
+            <a:picLocks noChangeAspect="1" noChangeArrowheads="1"/>
           </p:cNvPicPr>
           <p:nvPr/>
         </p:nvPicPr>
-        <p:blipFill rotWithShape="1">
+        <p:blipFill>
           <a:blip r:embed="rId2">
             <a:extLst>
               <a:ext uri="{28A0092B-C50C-407E-A947-70E740481C1C}">
@@ -4305,120 +4748,99 @@
               </a:ext>
             </a:extLst>
           </a:blip>
-          <a:srcRect l="20747" t="18207" r="24295" b="18050"/>
-          <a:stretch/>
+          <a:srcRect/>
+          <a:stretch>
+            <a:fillRect/>
+          </a:stretch>
         </p:blipFill>
-        <p:spPr>
+        <p:spPr bwMode="auto">
           <a:xfrm>
-            <a:off x="6057853" y="898545"/>
-            <a:ext cx="5386982" cy="4686072"/>
+            <a:off x="6095999" y="735936"/>
+            <a:ext cx="5150144" cy="5150144"/>
           </a:xfrm>
           <a:prstGeom prst="rect">
             <a:avLst/>
           </a:prstGeom>
+          <a:noFill/>
+          <a:extLst>
+            <a:ext uri="{909E8E84-426E-40DD-AFC4-6F175D3DCCD1}">
+              <a14:hiddenFill xmlns:a14="http://schemas.microsoft.com/office/drawing/2010/main">
+                <a:solidFill>
+                  <a:srgbClr val="FFFFFF"/>
+                </a:solidFill>
+              </a14:hiddenFill>
+            </a:ext>
+          </a:extLst>
         </p:spPr>
       </p:pic>
       <p:sp>
         <p:nvSpPr>
-          <p:cNvPr id="13" name="Ellipse 12">
-            <a:extLst>
-              <a:ext uri="{FF2B5EF4-FFF2-40B4-BE49-F238E27FC236}">
-                <a16:creationId xmlns:a16="http://schemas.microsoft.com/office/drawing/2014/main" id="{CAF502F5-3A1F-4B9E-B22D-0D30AB927F44}"/>
-              </a:ext>
-            </a:extLst>
-          </p:cNvPr>
-          <p:cNvSpPr/>
+          <p:cNvPr id="2" name="TextBox 1">
+            <a:extLst>
+              <a:ext uri="{FF2B5EF4-FFF2-40B4-BE49-F238E27FC236}">
+                <a16:creationId xmlns:a16="http://schemas.microsoft.com/office/drawing/2014/main" id="{E865F4B3-D912-4360-8AD6-9F6846BEE027}"/>
+              </a:ext>
+            </a:extLst>
+          </p:cNvPr>
+          <p:cNvSpPr txBox="1"/>
           <p:nvPr/>
         </p:nvSpPr>
         <p:spPr>
           <a:xfrm>
-            <a:off x="7393709" y="3973342"/>
-            <a:ext cx="518474" cy="518474"/>
-          </a:xfrm>
-          <a:prstGeom prst="ellipse">
+            <a:off x="7243432" y="5516748"/>
+            <a:ext cx="2894121" cy="369332"/>
+          </a:xfrm>
+          <a:prstGeom prst="rect">
             <a:avLst/>
           </a:prstGeom>
           <a:noFill/>
-          <a:ln w="57150">
-            <a:solidFill>
-              <a:srgbClr val="FF0000"/>
-            </a:solidFill>
-          </a:ln>
-        </p:spPr>
-        <p:style>
-          <a:lnRef idx="2">
-            <a:schemeClr val="accent1">
-              <a:shade val="50000"/>
-            </a:schemeClr>
-          </a:lnRef>
-          <a:fillRef idx="1">
-            <a:schemeClr val="accent1"/>
-          </a:fillRef>
-          <a:effectRef idx="0">
-            <a:schemeClr val="accent1"/>
-          </a:effectRef>
-          <a:fontRef idx="minor">
-            <a:schemeClr val="lt1"/>
-          </a:fontRef>
-        </p:style>
-        <p:txBody>
-          <a:bodyPr rtlCol="0" anchor="ctr"/>
-          <a:lstStyle/>
-          <a:p>
-            <a:pPr algn="ctr"/>
+        </p:spPr>
+        <p:txBody>
+          <a:bodyPr wrap="square" rtlCol="0">
+            <a:spAutoFit/>
+          </a:bodyPr>
+          <a:lstStyle/>
+          <a:p>
+            <a:r>
+              <a:rPr lang="fr-FR" dirty="0"/>
+              <a:t>0,8 mm x 0,8 mm x 0,5 mm</a:t>
+            </a:r>
+          </a:p>
+        </p:txBody>
+      </p:sp>
+      <p:sp>
+        <p:nvSpPr>
+          <p:cNvPr id="3" name="Slide Number Placeholder 2">
+            <a:extLst>
+              <a:ext uri="{FF2B5EF4-FFF2-40B4-BE49-F238E27FC236}">
+                <a16:creationId xmlns:a16="http://schemas.microsoft.com/office/drawing/2014/main" id="{CAEF4F9C-2A04-4360-9298-B0594BF85F47}"/>
+              </a:ext>
+            </a:extLst>
+          </p:cNvPr>
+          <p:cNvSpPr>
+            <a:spLocks noGrp="1"/>
+          </p:cNvSpPr>
+          <p:nvPr>
+            <p:ph type="sldNum" sz="quarter" idx="12"/>
+          </p:nvPr>
+        </p:nvSpPr>
+        <p:spPr/>
+        <p:txBody>
+          <a:bodyPr/>
+          <a:lstStyle/>
+          <a:p>
+            <a:fld id="{43B0AB4A-0575-400B-9EA0-B9BBCBE45FA9}" type="slidenum">
+              <a:rPr lang="fr-FR" smtClean="0"/>
+              <a:t>11</a:t>
+            </a:fld>
             <a:endParaRPr lang="fr-FR"/>
           </a:p>
         </p:txBody>
       </p:sp>
-      <p:cxnSp>
-        <p:nvCxnSpPr>
-          <p:cNvPr id="8" name="Connecteur droit avec flèche 7">
-            <a:extLst>
-              <a:ext uri="{FF2B5EF4-FFF2-40B4-BE49-F238E27FC236}">
-                <a16:creationId xmlns:a16="http://schemas.microsoft.com/office/drawing/2014/main" id="{15D62D52-E748-4B08-8CA9-FE2A60519319}"/>
-              </a:ext>
-            </a:extLst>
-          </p:cNvPr>
-          <p:cNvCxnSpPr>
-            <a:cxnSpLocks/>
-          </p:cNvCxnSpPr>
-          <p:nvPr/>
-        </p:nvCxnSpPr>
-        <p:spPr>
-          <a:xfrm flipH="1">
-            <a:off x="6381213" y="4444901"/>
-            <a:ext cx="1079731" cy="1168730"/>
-          </a:xfrm>
-          <a:prstGeom prst="straightConnector1">
-            <a:avLst/>
-          </a:prstGeom>
-          <a:ln w="57150">
-            <a:solidFill>
-              <a:srgbClr val="FF0000"/>
-            </a:solidFill>
-            <a:headEnd type="arrow" w="med" len="med"/>
-            <a:tailEnd type="none" w="med" len="med"/>
-          </a:ln>
-        </p:spPr>
-        <p:style>
-          <a:lnRef idx="1">
-            <a:schemeClr val="accent1"/>
-          </a:lnRef>
-          <a:fillRef idx="0">
-            <a:schemeClr val="accent1"/>
-          </a:fillRef>
-          <a:effectRef idx="0">
-            <a:schemeClr val="accent1"/>
-          </a:effectRef>
-          <a:fontRef idx="minor">
-            <a:schemeClr val="tx1"/>
-          </a:fontRef>
-        </p:style>
-      </p:cxnSp>
     </p:spTree>
     <p:extLst>
       <p:ext uri="{BB962C8B-B14F-4D97-AF65-F5344CB8AC3E}">
-        <p14:creationId xmlns:p14="http://schemas.microsoft.com/office/powerpoint/2010/main" val="3783857438"/>
+        <p14:creationId xmlns:p14="http://schemas.microsoft.com/office/powerpoint/2010/main" val="3202274460"/>
       </p:ext>
     </p:extLst>
   </p:cSld>
@@ -4428,7 +4850,3285 @@
 </p:sld>
 </file>
 
-<file path=ppt/slides/slide3.xml><?xml version="1.0" encoding="utf-8"?>
+<file path=ppt/slides/slide12.xml><?xml version="1.0" encoding="utf-8"?>
+<p:sld xmlns:a="http://schemas.openxmlformats.org/drawingml/2006/main" xmlns:r="http://schemas.openxmlformats.org/officeDocument/2006/relationships" xmlns:p="http://schemas.openxmlformats.org/presentationml/2006/main">
+  <p:cSld>
+    <p:bg>
+      <p:bgPr>
+        <a:solidFill>
+          <a:schemeClr val="bg1"/>
+        </a:solidFill>
+        <a:effectLst/>
+      </p:bgPr>
+    </p:bg>
+    <p:spTree>
+      <p:nvGrpSpPr>
+        <p:cNvPr id="1" name=""/>
+        <p:cNvGrpSpPr/>
+        <p:nvPr/>
+      </p:nvGrpSpPr>
+      <p:grpSpPr>
+        <a:xfrm>
+          <a:off x="0" y="0"/>
+          <a:ext cx="0" cy="0"/>
+          <a:chOff x="0" y="0"/>
+          <a:chExt cx="0" cy="0"/>
+        </a:xfrm>
+      </p:grpSpPr>
+      <p:sp useBgFill="1">
+        <p:nvSpPr>
+          <p:cNvPr id="14" name="Rectangle 13">
+            <a:extLst>
+              <a:ext uri="{FF2B5EF4-FFF2-40B4-BE49-F238E27FC236}">
+                <a16:creationId xmlns:a16="http://schemas.microsoft.com/office/drawing/2014/main" id="{2111B97A-2FB0-4625-8C2E-CDCB1AF683A2}"/>
+              </a:ext>
+              <a:ext uri="{C183D7F6-B498-43B3-948B-1728B52AA6E4}">
+                <adec:decorative xmlns:adec="http://schemas.microsoft.com/office/drawing/2017/decorative" val="1"/>
+              </a:ext>
+            </a:extLst>
+          </p:cNvPr>
+          <p:cNvSpPr>
+            <a:spLocks noGrp="1" noRot="1" noChangeAspect="1" noMove="1" noResize="1" noEditPoints="1" noAdjustHandles="1" noChangeArrowheads="1" noChangeShapeType="1" noTextEdit="1"/>
+          </p:cNvSpPr>
+          <p:nvPr>
+            <p:extLst>
+              <p:ext uri="{386F3935-93C4-4BCD-93E2-E3B085C9AB24}">
+                <p16:designElem xmlns:p16="http://schemas.microsoft.com/office/powerpoint/2015/main" val="1"/>
+              </p:ext>
+            </p:extLst>
+          </p:nvPr>
+        </p:nvSpPr>
+        <p:spPr>
+          <a:xfrm>
+            <a:off x="0" y="0"/>
+            <a:ext cx="12191999" cy="6857365"/>
+          </a:xfrm>
+          <a:prstGeom prst="rect">
+            <a:avLst/>
+          </a:prstGeom>
+          <a:ln>
+            <a:noFill/>
+          </a:ln>
+        </p:spPr>
+        <p:style>
+          <a:lnRef idx="2">
+            <a:schemeClr val="accent1">
+              <a:shade val="50000"/>
+            </a:schemeClr>
+          </a:lnRef>
+          <a:fillRef idx="1">
+            <a:schemeClr val="accent1"/>
+          </a:fillRef>
+          <a:effectRef idx="0">
+            <a:schemeClr val="accent1"/>
+          </a:effectRef>
+          <a:fontRef idx="minor">
+            <a:schemeClr val="lt1"/>
+          </a:fontRef>
+        </p:style>
+        <p:txBody>
+          <a:bodyPr rtlCol="0" anchor="ctr"/>
+          <a:lstStyle/>
+          <a:p>
+            <a:pPr marL="0" marR="0" lvl="0" indent="0" algn="ctr" defTabSz="914400" rtl="0" eaLnBrk="1" fontAlgn="auto" latinLnBrk="0" hangingPunct="1">
+              <a:lnSpc>
+                <a:spcPct val="100000"/>
+              </a:lnSpc>
+              <a:spcBef>
+                <a:spcPts val="0"/>
+              </a:spcBef>
+              <a:spcAft>
+                <a:spcPts val="0"/>
+              </a:spcAft>
+              <a:buClrTx/>
+              <a:buSzTx/>
+              <a:buFontTx/>
+              <a:buNone/>
+              <a:tabLst/>
+              <a:defRPr/>
+            </a:pPr>
+            <a:endParaRPr kumimoji="0" lang="en-US" sz="1800" b="0" i="0" u="none" strike="noStrike" kern="1200" cap="none" spc="0" normalizeH="0" baseline="0" noProof="0">
+              <a:ln>
+                <a:noFill/>
+              </a:ln>
+              <a:solidFill>
+                <a:prstClr val="white"/>
+              </a:solidFill>
+              <a:effectLst/>
+              <a:uLnTx/>
+              <a:uFillTx/>
+              <a:latin typeface="Calibri" panose="020F0502020204030204"/>
+              <a:ea typeface="+mn-ea"/>
+              <a:cs typeface="+mn-cs"/>
+            </a:endParaRPr>
+          </a:p>
+        </p:txBody>
+      </p:sp>
+      <p:grpSp>
+        <p:nvGrpSpPr>
+          <p:cNvPr id="16" name="Group 15">
+            <a:extLst>
+              <a:ext uri="{FF2B5EF4-FFF2-40B4-BE49-F238E27FC236}">
+                <a16:creationId xmlns:a16="http://schemas.microsoft.com/office/drawing/2014/main" id="{B83D307E-DF68-43F8-97CE-0AAE950A7129}"/>
+              </a:ext>
+              <a:ext uri="{C183D7F6-B498-43B3-948B-1728B52AA6E4}">
+                <adec:decorative xmlns:adec="http://schemas.microsoft.com/office/drawing/2017/decorative" val="1"/>
+              </a:ext>
+            </a:extLst>
+          </p:cNvPr>
+          <p:cNvGrpSpPr>
+            <a:grpSpLocks noGrp="1" noUngrp="1" noRot="1" noChangeAspect="1" noMove="1" noResize="1"/>
+          </p:cNvGrpSpPr>
+          <p:nvPr>
+            <p:extLst>
+              <p:ext uri="{386F3935-93C4-4BCD-93E2-E3B085C9AB24}">
+                <p16:designElem xmlns:p16="http://schemas.microsoft.com/office/powerpoint/2015/main" val="1"/>
+              </p:ext>
+            </p:extLst>
+          </p:nvPr>
+        </p:nvGrpSpPr>
+        <p:grpSpPr>
+          <a:xfrm>
+            <a:off x="2271255" y="-1"/>
+            <a:ext cx="7649490" cy="5728133"/>
+            <a:chOff x="329184" y="1"/>
+            <a:chExt cx="524256" cy="5728133"/>
+          </a:xfrm>
+        </p:grpSpPr>
+        <p:cxnSp>
+          <p:nvCxnSpPr>
+            <p:cNvPr id="17" name="Straight Connector 16">
+              <a:extLst>
+                <a:ext uri="{FF2B5EF4-FFF2-40B4-BE49-F238E27FC236}">
+                  <a16:creationId xmlns:a16="http://schemas.microsoft.com/office/drawing/2014/main" id="{5546E3D2-37BF-4528-9851-2B2F628234A2}"/>
+                </a:ext>
+                <a:ext uri="{C183D7F6-B498-43B3-948B-1728B52AA6E4}">
+                  <adec:decorative xmlns:adec="http://schemas.microsoft.com/office/drawing/2017/decorative" val="1"/>
+                </a:ext>
+              </a:extLst>
+            </p:cNvPr>
+            <p:cNvCxnSpPr>
+              <a:cxnSpLocks/>
+            </p:cNvCxnSpPr>
+            <p:nvPr>
+              <p:extLst>
+                <p:ext uri="{386F3935-93C4-4BCD-93E2-E3B085C9AB24}">
+                  <p16:designElem xmlns:p16="http://schemas.microsoft.com/office/powerpoint/2015/main" val="1"/>
+                </p:ext>
+              </p:extLst>
+            </p:nvPr>
+          </p:nvCxnSpPr>
+          <p:spPr>
+            <a:xfrm flipH="1">
+              <a:off x="329184" y="5728134"/>
+              <a:ext cx="523824" cy="0"/>
+            </a:xfrm>
+            <a:prstGeom prst="line">
+              <a:avLst/>
+            </a:prstGeom>
+            <a:ln w="152400">
+              <a:solidFill>
+                <a:schemeClr val="accent4"/>
+              </a:solidFill>
+            </a:ln>
+          </p:spPr>
+          <p:style>
+            <a:lnRef idx="1">
+              <a:schemeClr val="accent1"/>
+            </a:lnRef>
+            <a:fillRef idx="0">
+              <a:schemeClr val="accent1"/>
+            </a:fillRef>
+            <a:effectRef idx="0">
+              <a:schemeClr val="accent1"/>
+            </a:effectRef>
+            <a:fontRef idx="minor">
+              <a:schemeClr val="tx1"/>
+            </a:fontRef>
+          </p:style>
+        </p:cxnSp>
+        <p:sp>
+          <p:nvSpPr>
+            <p:cNvPr id="18" name="Rectangle 17">
+              <a:extLst>
+                <a:ext uri="{FF2B5EF4-FFF2-40B4-BE49-F238E27FC236}">
+                  <a16:creationId xmlns:a16="http://schemas.microsoft.com/office/drawing/2014/main" id="{752A0C69-DC4E-4FC0-843C-BAA27B3A5621}"/>
+                </a:ext>
+                <a:ext uri="{C183D7F6-B498-43B3-948B-1728B52AA6E4}">
+                  <adec:decorative xmlns:adec="http://schemas.microsoft.com/office/drawing/2017/decorative" val="1"/>
+                </a:ext>
+              </a:extLst>
+            </p:cNvPr>
+            <p:cNvSpPr/>
+            <p:nvPr>
+              <p:extLst>
+                <p:ext uri="{386F3935-93C4-4BCD-93E2-E3B085C9AB24}">
+                  <p16:designElem xmlns:p16="http://schemas.microsoft.com/office/powerpoint/2015/main" val="1"/>
+                </p:ext>
+              </p:extLst>
+            </p:nvPr>
+          </p:nvSpPr>
+          <p:spPr>
+            <a:xfrm>
+              <a:off x="329184" y="1"/>
+              <a:ext cx="524256" cy="5532119"/>
+            </a:xfrm>
+            <a:prstGeom prst="rect">
+              <a:avLst/>
+            </a:prstGeom>
+            <a:solidFill>
+              <a:schemeClr val="accent4"/>
+            </a:solidFill>
+            <a:ln>
+              <a:noFill/>
+            </a:ln>
+          </p:spPr>
+          <p:style>
+            <a:lnRef idx="2">
+              <a:schemeClr val="accent1">
+                <a:shade val="50000"/>
+              </a:schemeClr>
+            </a:lnRef>
+            <a:fillRef idx="1">
+              <a:schemeClr val="accent1"/>
+            </a:fillRef>
+            <a:effectRef idx="0">
+              <a:schemeClr val="accent1"/>
+            </a:effectRef>
+            <a:fontRef idx="minor">
+              <a:schemeClr val="lt1"/>
+            </a:fontRef>
+          </p:style>
+          <p:txBody>
+            <a:bodyPr rtlCol="0" anchor="ctr"/>
+            <a:lstStyle/>
+            <a:p>
+              <a:pPr marL="0" marR="0" lvl="0" indent="0" algn="ctr" defTabSz="914400" rtl="0" eaLnBrk="1" fontAlgn="auto" latinLnBrk="0" hangingPunct="1">
+                <a:lnSpc>
+                  <a:spcPct val="100000"/>
+                </a:lnSpc>
+                <a:spcBef>
+                  <a:spcPts val="0"/>
+                </a:spcBef>
+                <a:spcAft>
+                  <a:spcPts val="0"/>
+                </a:spcAft>
+                <a:buClrTx/>
+                <a:buSzTx/>
+                <a:buFontTx/>
+                <a:buNone/>
+                <a:tabLst/>
+                <a:defRPr/>
+              </a:pPr>
+              <a:endParaRPr kumimoji="0" lang="en-US" sz="1800" b="0" i="0" u="none" strike="noStrike" kern="1200" cap="none" spc="0" normalizeH="0" baseline="0" noProof="0" dirty="0">
+                <a:ln>
+                  <a:noFill/>
+                </a:ln>
+                <a:solidFill>
+                  <a:prstClr val="white"/>
+                </a:solidFill>
+                <a:effectLst/>
+                <a:uLnTx/>
+                <a:uFillTx/>
+                <a:latin typeface="Calibri" panose="020F0502020204030204"/>
+                <a:ea typeface="+mn-ea"/>
+                <a:cs typeface="+mn-cs"/>
+              </a:endParaRPr>
+            </a:p>
+          </p:txBody>
+        </p:sp>
+      </p:grpSp>
+      <p:sp>
+        <p:nvSpPr>
+          <p:cNvPr id="20" name="Rectangle 19">
+            <a:extLst>
+              <a:ext uri="{FF2B5EF4-FFF2-40B4-BE49-F238E27FC236}">
+                <a16:creationId xmlns:a16="http://schemas.microsoft.com/office/drawing/2014/main" id="{8ED94938-268E-4C0A-A08A-B3980C78BAEB}"/>
+              </a:ext>
+              <a:ext uri="{C183D7F6-B498-43B3-948B-1728B52AA6E4}">
+                <adec:decorative xmlns:adec="http://schemas.microsoft.com/office/drawing/2017/decorative" val="1"/>
+              </a:ext>
+            </a:extLst>
+          </p:cNvPr>
+          <p:cNvSpPr>
+            <a:spLocks noGrp="1" noRot="1" noChangeAspect="1" noMove="1" noResize="1" noEditPoints="1" noAdjustHandles="1" noChangeArrowheads="1" noChangeShapeType="1" noTextEdit="1"/>
+          </p:cNvSpPr>
+          <p:nvPr>
+            <p:extLst>
+              <p:ext uri="{386F3935-93C4-4BCD-93E2-E3B085C9AB24}">
+                <p16:designElem xmlns:p16="http://schemas.microsoft.com/office/powerpoint/2015/main" val="1"/>
+              </p:ext>
+            </p:extLst>
+          </p:nvPr>
+        </p:nvSpPr>
+        <p:spPr>
+          <a:xfrm>
+            <a:off x="596464" y="318045"/>
+            <a:ext cx="10999072" cy="5325139"/>
+          </a:xfrm>
+          <a:prstGeom prst="rect">
+            <a:avLst/>
+          </a:prstGeom>
+          <a:solidFill>
+            <a:schemeClr val="bg1"/>
+          </a:solidFill>
+          <a:ln>
+            <a:noFill/>
+          </a:ln>
+          <a:effectLst>
+            <a:outerShdw blurRad="139700" dist="127000" dir="5400000" algn="t" rotWithShape="0">
+              <a:prstClr val="black">
+                <a:alpha val="15000"/>
+              </a:prstClr>
+            </a:outerShdw>
+          </a:effectLst>
+        </p:spPr>
+        <p:style>
+          <a:lnRef idx="2">
+            <a:schemeClr val="accent1">
+              <a:shade val="50000"/>
+            </a:schemeClr>
+          </a:lnRef>
+          <a:fillRef idx="1">
+            <a:schemeClr val="accent1"/>
+          </a:fillRef>
+          <a:effectRef idx="0">
+            <a:schemeClr val="accent1"/>
+          </a:effectRef>
+          <a:fontRef idx="minor">
+            <a:schemeClr val="lt1"/>
+          </a:fontRef>
+        </p:style>
+        <p:txBody>
+          <a:bodyPr rtlCol="0" anchor="ctr"/>
+          <a:lstStyle/>
+          <a:p>
+            <a:pPr marL="0" marR="0" lvl="0" indent="0" algn="ctr" defTabSz="914400" rtl="0" eaLnBrk="1" fontAlgn="auto" latinLnBrk="0" hangingPunct="1">
+              <a:lnSpc>
+                <a:spcPct val="100000"/>
+              </a:lnSpc>
+              <a:spcBef>
+                <a:spcPts val="0"/>
+              </a:spcBef>
+              <a:spcAft>
+                <a:spcPts val="0"/>
+              </a:spcAft>
+              <a:buClrTx/>
+              <a:buSzTx/>
+              <a:buFontTx/>
+              <a:buNone/>
+              <a:tabLst/>
+              <a:defRPr/>
+            </a:pPr>
+            <a:endParaRPr kumimoji="0" lang="en-US" sz="1800" b="0" i="0" u="none" strike="noStrike" kern="1200" cap="none" spc="0" normalizeH="0" baseline="0" noProof="0">
+              <a:ln>
+                <a:noFill/>
+              </a:ln>
+              <a:solidFill>
+                <a:prstClr val="white"/>
+              </a:solidFill>
+              <a:effectLst/>
+              <a:uLnTx/>
+              <a:uFillTx/>
+              <a:latin typeface="Calibri" panose="020F0502020204030204"/>
+              <a:ea typeface="+mn-ea"/>
+              <a:cs typeface="+mn-cs"/>
+            </a:endParaRPr>
+          </a:p>
+        </p:txBody>
+      </p:sp>
+      <p:sp>
+        <p:nvSpPr>
+          <p:cNvPr id="2" name="Titre 1">
+            <a:extLst>
+              <a:ext uri="{FF2B5EF4-FFF2-40B4-BE49-F238E27FC236}">
+                <a16:creationId xmlns:a16="http://schemas.microsoft.com/office/drawing/2014/main" id="{EA949A30-61F8-4010-BA73-6A2B37D89D20}"/>
+              </a:ext>
+            </a:extLst>
+          </p:cNvPr>
+          <p:cNvSpPr>
+            <a:spLocks noGrp="1"/>
+          </p:cNvSpPr>
+          <p:nvPr>
+            <p:ph type="title"/>
+          </p:nvPr>
+        </p:nvSpPr>
+        <p:spPr>
+          <a:xfrm>
+            <a:off x="1060232" y="3801738"/>
+            <a:ext cx="10071536" cy="929750"/>
+          </a:xfrm>
+        </p:spPr>
+        <p:txBody>
+          <a:bodyPr vert="horz" lIns="91440" tIns="45720" rIns="91440" bIns="45720" rtlCol="0" anchor="b">
+            <a:normAutofit/>
+          </a:bodyPr>
+          <a:lstStyle/>
+          <a:p>
+            <a:pPr algn="ctr"/>
+            <a:r>
+              <a:rPr lang="en-US" sz="5200"/>
+              <a:t>Utilisation</a:t>
+            </a:r>
+          </a:p>
+        </p:txBody>
+      </p:sp>
+      <p:pic>
+        <p:nvPicPr>
+          <p:cNvPr id="13" name="Picture 2">
+            <a:extLst>
+              <a:ext uri="{FF2B5EF4-FFF2-40B4-BE49-F238E27FC236}">
+                <a16:creationId xmlns:a16="http://schemas.microsoft.com/office/drawing/2014/main" id="{A74801D0-5112-4440-A047-AB1B939DEEFF}"/>
+              </a:ext>
+            </a:extLst>
+          </p:cNvPr>
+          <p:cNvPicPr>
+            <a:picLocks noChangeAspect="1" noChangeArrowheads="1"/>
+          </p:cNvPicPr>
+          <p:nvPr/>
+        </p:nvPicPr>
+        <p:blipFill>
+          <a:blip r:embed="rId2">
+            <a:clrChange>
+              <a:clrFrom>
+                <a:srgbClr val="FFFFFF"/>
+              </a:clrFrom>
+              <a:clrTo>
+                <a:srgbClr val="FFFFFF">
+                  <a:alpha val="0"/>
+                </a:srgbClr>
+              </a:clrTo>
+            </a:clrChange>
+            <a:extLst>
+              <a:ext uri="{28A0092B-C50C-407E-A947-70E740481C1C}">
+                <a14:useLocalDpi xmlns:a14="http://schemas.microsoft.com/office/drawing/2010/main" val="0"/>
+              </a:ext>
+            </a:extLst>
+          </a:blip>
+          <a:srcRect/>
+          <a:stretch>
+            <a:fillRect/>
+          </a:stretch>
+        </p:blipFill>
+        <p:spPr bwMode="auto">
+          <a:xfrm>
+            <a:off x="838200" y="262647"/>
+            <a:ext cx="2957209" cy="2957209"/>
+          </a:xfrm>
+          <a:prstGeom prst="rect">
+            <a:avLst/>
+          </a:prstGeom>
+          <a:noFill/>
+          <a:extLst>
+            <a:ext uri="{909E8E84-426E-40DD-AFC4-6F175D3DCCD1}">
+              <a14:hiddenFill xmlns:a14="http://schemas.microsoft.com/office/drawing/2010/main">
+                <a:solidFill>
+                  <a:srgbClr val="FFFFFF"/>
+                </a:solidFill>
+              </a14:hiddenFill>
+            </a:ext>
+          </a:extLst>
+        </p:spPr>
+      </p:pic>
+      <p:pic>
+        <p:nvPicPr>
+          <p:cNvPr id="15" name="Picture 4">
+            <a:extLst>
+              <a:ext uri="{FF2B5EF4-FFF2-40B4-BE49-F238E27FC236}">
+                <a16:creationId xmlns:a16="http://schemas.microsoft.com/office/drawing/2014/main" id="{B89F0EB6-7D45-4089-AA6B-692A36678632}"/>
+              </a:ext>
+            </a:extLst>
+          </p:cNvPr>
+          <p:cNvPicPr>
+            <a:picLocks noChangeAspect="1" noChangeArrowheads="1"/>
+          </p:cNvPicPr>
+          <p:nvPr/>
+        </p:nvPicPr>
+        <p:blipFill>
+          <a:blip r:embed="rId3">
+            <a:extLst>
+              <a:ext uri="{28A0092B-C50C-407E-A947-70E740481C1C}">
+                <a14:useLocalDpi xmlns:a14="http://schemas.microsoft.com/office/drawing/2010/main" val="0"/>
+              </a:ext>
+            </a:extLst>
+          </a:blip>
+          <a:srcRect/>
+          <a:stretch>
+            <a:fillRect/>
+          </a:stretch>
+        </p:blipFill>
+        <p:spPr bwMode="auto">
+          <a:xfrm>
+            <a:off x="5134584" y="779835"/>
+            <a:ext cx="1922831" cy="1922831"/>
+          </a:xfrm>
+          <a:prstGeom prst="rect">
+            <a:avLst/>
+          </a:prstGeom>
+          <a:noFill/>
+          <a:extLst>
+            <a:ext uri="{909E8E84-426E-40DD-AFC4-6F175D3DCCD1}">
+              <a14:hiddenFill xmlns:a14="http://schemas.microsoft.com/office/drawing/2010/main">
+                <a:solidFill>
+                  <a:srgbClr val="FFFFFF"/>
+                </a:solidFill>
+              </a14:hiddenFill>
+            </a:ext>
+          </a:extLst>
+        </p:spPr>
+      </p:pic>
+      <p:pic>
+        <p:nvPicPr>
+          <p:cNvPr id="19" name="Picture 6">
+            <a:extLst>
+              <a:ext uri="{FF2B5EF4-FFF2-40B4-BE49-F238E27FC236}">
+                <a16:creationId xmlns:a16="http://schemas.microsoft.com/office/drawing/2014/main" id="{B22A2446-250B-42BC-8EAC-904BEA9C7EBE}"/>
+              </a:ext>
+            </a:extLst>
+          </p:cNvPr>
+          <p:cNvPicPr>
+            <a:picLocks noChangeAspect="1" noChangeArrowheads="1"/>
+          </p:cNvPicPr>
+          <p:nvPr/>
+        </p:nvPicPr>
+        <p:blipFill>
+          <a:blip r:embed="rId4">
+            <a:clrChange>
+              <a:clrFrom>
+                <a:srgbClr val="FFFFFF"/>
+              </a:clrFrom>
+              <a:clrTo>
+                <a:srgbClr val="FFFFFF">
+                  <a:alpha val="0"/>
+                </a:srgbClr>
+              </a:clrTo>
+            </a:clrChange>
+            <a:extLst>
+              <a:ext uri="{28A0092B-C50C-407E-A947-70E740481C1C}">
+                <a14:useLocalDpi xmlns:a14="http://schemas.microsoft.com/office/drawing/2010/main" val="0"/>
+              </a:ext>
+            </a:extLst>
+          </a:blip>
+          <a:srcRect/>
+          <a:stretch>
+            <a:fillRect/>
+          </a:stretch>
+        </p:blipFill>
+        <p:spPr bwMode="auto">
+          <a:xfrm>
+            <a:off x="6744888" y="312500"/>
+            <a:ext cx="6096000" cy="2857500"/>
+          </a:xfrm>
+          <a:prstGeom prst="rect">
+            <a:avLst/>
+          </a:prstGeom>
+          <a:noFill/>
+          <a:extLst>
+            <a:ext uri="{909E8E84-426E-40DD-AFC4-6F175D3DCCD1}">
+              <a14:hiddenFill xmlns:a14="http://schemas.microsoft.com/office/drawing/2010/main">
+                <a:solidFill>
+                  <a:srgbClr val="FFFFFF"/>
+                </a:solidFill>
+              </a14:hiddenFill>
+            </a:ext>
+          </a:extLst>
+        </p:spPr>
+      </p:pic>
+      <p:sp>
+        <p:nvSpPr>
+          <p:cNvPr id="6" name="Slide Number Placeholder 5">
+            <a:extLst>
+              <a:ext uri="{FF2B5EF4-FFF2-40B4-BE49-F238E27FC236}">
+                <a16:creationId xmlns:a16="http://schemas.microsoft.com/office/drawing/2014/main" id="{92CA8C37-5324-4B03-B361-5BC0341FF32D}"/>
+              </a:ext>
+            </a:extLst>
+          </p:cNvPr>
+          <p:cNvSpPr>
+            <a:spLocks noGrp="1"/>
+          </p:cNvSpPr>
+          <p:nvPr>
+            <p:ph type="sldNum" sz="quarter" idx="12"/>
+          </p:nvPr>
+        </p:nvSpPr>
+        <p:spPr/>
+        <p:txBody>
+          <a:bodyPr/>
+          <a:lstStyle/>
+          <a:p>
+            <a:fld id="{43B0AB4A-0575-400B-9EA0-B9BBCBE45FA9}" type="slidenum">
+              <a:rPr lang="fr-FR" smtClean="0"/>
+              <a:t>12</a:t>
+            </a:fld>
+            <a:endParaRPr lang="fr-FR"/>
+          </a:p>
+        </p:txBody>
+      </p:sp>
+    </p:spTree>
+    <p:extLst>
+      <p:ext uri="{BB962C8B-B14F-4D97-AF65-F5344CB8AC3E}">
+        <p14:creationId xmlns:p14="http://schemas.microsoft.com/office/powerpoint/2010/main" val="3259036311"/>
+      </p:ext>
+    </p:extLst>
+  </p:cSld>
+  <p:clrMapOvr>
+    <a:masterClrMapping/>
+  </p:clrMapOvr>
+</p:sld>
+</file>
+
+<file path=ppt/slides/slide13.xml><?xml version="1.0" encoding="utf-8"?>
+<p:sld xmlns:a="http://schemas.openxmlformats.org/drawingml/2006/main" xmlns:r="http://schemas.openxmlformats.org/officeDocument/2006/relationships" xmlns:p="http://schemas.openxmlformats.org/presentationml/2006/main">
+  <p:cSld>
+    <p:bg>
+      <p:bgPr>
+        <a:solidFill>
+          <a:schemeClr val="bg1"/>
+        </a:solidFill>
+        <a:effectLst/>
+      </p:bgPr>
+    </p:bg>
+    <p:spTree>
+      <p:nvGrpSpPr>
+        <p:cNvPr id="1" name=""/>
+        <p:cNvGrpSpPr/>
+        <p:nvPr/>
+      </p:nvGrpSpPr>
+      <p:grpSpPr>
+        <a:xfrm>
+          <a:off x="0" y="0"/>
+          <a:ext cx="0" cy="0"/>
+          <a:chOff x="0" y="0"/>
+          <a:chExt cx="0" cy="0"/>
+        </a:xfrm>
+      </p:grpSpPr>
+      <p:sp useBgFill="1">
+        <p:nvSpPr>
+          <p:cNvPr id="21" name="Rectangle 10">
+            <a:extLst>
+              <a:ext uri="{FF2B5EF4-FFF2-40B4-BE49-F238E27FC236}">
+                <a16:creationId xmlns:a16="http://schemas.microsoft.com/office/drawing/2014/main" id="{117AB3D3-3C9C-4DED-809A-78734805B895}"/>
+              </a:ext>
+              <a:ext uri="{C183D7F6-B498-43B3-948B-1728B52AA6E4}">
+                <adec:decorative xmlns:adec="http://schemas.microsoft.com/office/drawing/2017/decorative" val="1"/>
+              </a:ext>
+            </a:extLst>
+          </p:cNvPr>
+          <p:cNvSpPr>
+            <a:spLocks noGrp="1" noRot="1" noChangeAspect="1" noMove="1" noResize="1" noEditPoints="1" noAdjustHandles="1" noChangeArrowheads="1" noChangeShapeType="1" noTextEdit="1"/>
+          </p:cNvSpPr>
+          <p:nvPr>
+            <p:extLst>
+              <p:ext uri="{386F3935-93C4-4BCD-93E2-E3B085C9AB24}">
+                <p16:designElem xmlns:p16="http://schemas.microsoft.com/office/powerpoint/2015/main" val="1"/>
+              </p:ext>
+            </p:extLst>
+          </p:nvPr>
+        </p:nvSpPr>
+        <p:spPr>
+          <a:xfrm>
+            <a:off x="0" y="0"/>
+            <a:ext cx="12191999" cy="6857365"/>
+          </a:xfrm>
+          <a:prstGeom prst="rect">
+            <a:avLst/>
+          </a:prstGeom>
+          <a:ln>
+            <a:noFill/>
+          </a:ln>
+        </p:spPr>
+        <p:style>
+          <a:lnRef idx="2">
+            <a:schemeClr val="accent1">
+              <a:shade val="50000"/>
+            </a:schemeClr>
+          </a:lnRef>
+          <a:fillRef idx="1">
+            <a:schemeClr val="accent1"/>
+          </a:fillRef>
+          <a:effectRef idx="0">
+            <a:schemeClr val="accent1"/>
+          </a:effectRef>
+          <a:fontRef idx="minor">
+            <a:schemeClr val="lt1"/>
+          </a:fontRef>
+        </p:style>
+        <p:txBody>
+          <a:bodyPr rtlCol="0" anchor="ctr"/>
+          <a:lstStyle/>
+          <a:p>
+            <a:pPr marL="0" marR="0" lvl="0" indent="0" algn="ctr" defTabSz="914400" rtl="0" eaLnBrk="1" fontAlgn="auto" latinLnBrk="0" hangingPunct="1">
+              <a:lnSpc>
+                <a:spcPct val="100000"/>
+              </a:lnSpc>
+              <a:spcBef>
+                <a:spcPts val="0"/>
+              </a:spcBef>
+              <a:spcAft>
+                <a:spcPts val="0"/>
+              </a:spcAft>
+              <a:buClrTx/>
+              <a:buSzTx/>
+              <a:buFontTx/>
+              <a:buNone/>
+              <a:tabLst/>
+              <a:defRPr/>
+            </a:pPr>
+            <a:endParaRPr kumimoji="0" lang="en-US" sz="1800" b="0" i="0" u="none" strike="noStrike" kern="1200" cap="none" spc="0" normalizeH="0" baseline="0" noProof="0">
+              <a:ln>
+                <a:noFill/>
+              </a:ln>
+              <a:solidFill>
+                <a:prstClr val="white"/>
+              </a:solidFill>
+              <a:effectLst/>
+              <a:uLnTx/>
+              <a:uFillTx/>
+              <a:latin typeface="Calibri" panose="020F0502020204030204"/>
+              <a:ea typeface="+mn-ea"/>
+              <a:cs typeface="+mn-cs"/>
+            </a:endParaRPr>
+          </a:p>
+        </p:txBody>
+      </p:sp>
+      <p:sp>
+        <p:nvSpPr>
+          <p:cNvPr id="2" name="Titre 1">
+            <a:extLst>
+              <a:ext uri="{FF2B5EF4-FFF2-40B4-BE49-F238E27FC236}">
+                <a16:creationId xmlns:a16="http://schemas.microsoft.com/office/drawing/2014/main" id="{CA393FC2-0522-462A-80C8-E62EB1B92DA3}"/>
+              </a:ext>
+            </a:extLst>
+          </p:cNvPr>
+          <p:cNvSpPr>
+            <a:spLocks noGrp="1"/>
+          </p:cNvSpPr>
+          <p:nvPr>
+            <p:ph type="title"/>
+          </p:nvPr>
+        </p:nvSpPr>
+        <p:spPr>
+          <a:xfrm>
+            <a:off x="793662" y="386930"/>
+            <a:ext cx="10066122" cy="1298448"/>
+          </a:xfrm>
+        </p:spPr>
+        <p:txBody>
+          <a:bodyPr vert="horz" lIns="91440" tIns="45720" rIns="91440" bIns="45720" rtlCol="0" anchor="b">
+            <a:normAutofit/>
+          </a:bodyPr>
+          <a:lstStyle/>
+          <a:p>
+            <a:r>
+              <a:rPr lang="en-US" sz="4800" dirty="0"/>
+              <a:t>Principe de </a:t>
+            </a:r>
+            <a:r>
+              <a:rPr lang="en-US" sz="4800" dirty="0" err="1"/>
+              <a:t>fonctionnement</a:t>
+            </a:r>
+            <a:r>
+              <a:rPr lang="en-US" sz="4800" dirty="0"/>
+              <a:t> - </a:t>
+            </a:r>
+            <a:r>
+              <a:rPr lang="en-US" sz="4800" dirty="0" err="1"/>
+              <a:t>Capteur</a:t>
+            </a:r>
+            <a:endParaRPr lang="en-US" sz="4800" dirty="0"/>
+          </a:p>
+        </p:txBody>
+      </p:sp>
+      <p:sp>
+        <p:nvSpPr>
+          <p:cNvPr id="22" name="Rectangle 12">
+            <a:extLst>
+              <a:ext uri="{FF2B5EF4-FFF2-40B4-BE49-F238E27FC236}">
+                <a16:creationId xmlns:a16="http://schemas.microsoft.com/office/drawing/2014/main" id="{3A9A4357-BD1D-4622-A4FE-766E6AB8DE84}"/>
+              </a:ext>
+              <a:ext uri="{C183D7F6-B498-43B3-948B-1728B52AA6E4}">
+                <adec:decorative xmlns:adec="http://schemas.microsoft.com/office/drawing/2017/decorative" val="1"/>
+              </a:ext>
+            </a:extLst>
+          </p:cNvPr>
+          <p:cNvSpPr>
+            <a:spLocks noGrp="1" noRot="1" noChangeAspect="1" noMove="1" noResize="1" noEditPoints="1" noAdjustHandles="1" noChangeArrowheads="1" noChangeShapeType="1" noTextEdit="1"/>
+          </p:cNvSpPr>
+          <p:nvPr>
+            <p:extLst>
+              <p:ext uri="{386F3935-93C4-4BCD-93E2-E3B085C9AB24}">
+                <p16:designElem xmlns:p16="http://schemas.microsoft.com/office/powerpoint/2015/main" val="1"/>
+              </p:ext>
+            </p:extLst>
+          </p:nvPr>
+        </p:nvSpPr>
+        <p:spPr>
+          <a:xfrm flipH="1" flipV="1">
+            <a:off x="-2" y="1998845"/>
+            <a:ext cx="11454595" cy="781699"/>
+          </a:xfrm>
+          <a:prstGeom prst="rect">
+            <a:avLst/>
+          </a:prstGeom>
+          <a:solidFill>
+            <a:schemeClr val="accent4"/>
+          </a:solidFill>
+          <a:ln>
+            <a:noFill/>
+          </a:ln>
+        </p:spPr>
+        <p:style>
+          <a:lnRef idx="2">
+            <a:schemeClr val="accent1">
+              <a:shade val="50000"/>
+            </a:schemeClr>
+          </a:lnRef>
+          <a:fillRef idx="1">
+            <a:schemeClr val="accent1"/>
+          </a:fillRef>
+          <a:effectRef idx="0">
+            <a:schemeClr val="accent1"/>
+          </a:effectRef>
+          <a:fontRef idx="minor">
+            <a:schemeClr val="lt1"/>
+          </a:fontRef>
+        </p:style>
+        <p:txBody>
+          <a:bodyPr rtlCol="0" anchor="ctr"/>
+          <a:lstStyle/>
+          <a:p>
+            <a:pPr marL="0" marR="0" lvl="0" indent="0" algn="ctr" defTabSz="914400" rtl="0" eaLnBrk="1" fontAlgn="auto" latinLnBrk="0" hangingPunct="1">
+              <a:lnSpc>
+                <a:spcPct val="100000"/>
+              </a:lnSpc>
+              <a:spcBef>
+                <a:spcPts val="0"/>
+              </a:spcBef>
+              <a:spcAft>
+                <a:spcPts val="0"/>
+              </a:spcAft>
+              <a:buClrTx/>
+              <a:buSzTx/>
+              <a:buFontTx/>
+              <a:buNone/>
+              <a:tabLst/>
+              <a:defRPr/>
+            </a:pPr>
+            <a:endParaRPr kumimoji="0" lang="en-US" sz="1800" b="0" i="0" u="none" strike="noStrike" kern="1200" cap="none" spc="0" normalizeH="0" baseline="0" noProof="0">
+              <a:ln>
+                <a:noFill/>
+              </a:ln>
+              <a:solidFill>
+                <a:prstClr val="white"/>
+              </a:solidFill>
+              <a:effectLst/>
+              <a:uLnTx/>
+              <a:uFillTx/>
+              <a:latin typeface="Calibri" panose="020F0502020204030204"/>
+              <a:ea typeface="+mn-ea"/>
+              <a:cs typeface="+mn-cs"/>
+            </a:endParaRPr>
+          </a:p>
+        </p:txBody>
+      </p:sp>
+      <p:sp>
+        <p:nvSpPr>
+          <p:cNvPr id="23" name="Rectangle 14">
+            <a:extLst>
+              <a:ext uri="{FF2B5EF4-FFF2-40B4-BE49-F238E27FC236}">
+                <a16:creationId xmlns:a16="http://schemas.microsoft.com/office/drawing/2014/main" id="{E659831F-0D9A-4C63-9EBB-8435B85A440F}"/>
+              </a:ext>
+              <a:ext uri="{C183D7F6-B498-43B3-948B-1728B52AA6E4}">
+                <adec:decorative xmlns:adec="http://schemas.microsoft.com/office/drawing/2017/decorative" val="1"/>
+              </a:ext>
+            </a:extLst>
+          </p:cNvPr>
+          <p:cNvSpPr>
+            <a:spLocks noGrp="1" noRot="1" noChangeAspect="1" noMove="1" noResize="1" noEditPoints="1" noAdjustHandles="1" noChangeArrowheads="1" noChangeShapeType="1" noTextEdit="1"/>
+          </p:cNvSpPr>
+          <p:nvPr>
+            <p:extLst>
+              <p:ext uri="{386F3935-93C4-4BCD-93E2-E3B085C9AB24}">
+                <p16:designElem xmlns:p16="http://schemas.microsoft.com/office/powerpoint/2015/main" val="1"/>
+              </p:ext>
+            </p:extLst>
+          </p:nvPr>
+        </p:nvSpPr>
+        <p:spPr>
+          <a:xfrm>
+            <a:off x="0" y="2203079"/>
+            <a:ext cx="11383362" cy="4267991"/>
+          </a:xfrm>
+          <a:prstGeom prst="rect">
+            <a:avLst/>
+          </a:prstGeom>
+          <a:solidFill>
+            <a:schemeClr val="bg1"/>
+          </a:solidFill>
+          <a:ln>
+            <a:noFill/>
+          </a:ln>
+          <a:effectLst>
+            <a:outerShdw blurRad="139700" dist="127000" dir="5400000" algn="t" rotWithShape="0">
+              <a:prstClr val="black">
+                <a:alpha val="15000"/>
+              </a:prstClr>
+            </a:outerShdw>
+          </a:effectLst>
+        </p:spPr>
+        <p:style>
+          <a:lnRef idx="2">
+            <a:schemeClr val="accent1">
+              <a:shade val="50000"/>
+            </a:schemeClr>
+          </a:lnRef>
+          <a:fillRef idx="1">
+            <a:schemeClr val="accent1"/>
+          </a:fillRef>
+          <a:effectRef idx="0">
+            <a:schemeClr val="accent1"/>
+          </a:effectRef>
+          <a:fontRef idx="minor">
+            <a:schemeClr val="lt1"/>
+          </a:fontRef>
+        </p:style>
+        <p:txBody>
+          <a:bodyPr rtlCol="0" anchor="ctr"/>
+          <a:lstStyle/>
+          <a:p>
+            <a:pPr marL="0" marR="0" lvl="0" indent="0" algn="ctr" defTabSz="914400" rtl="0" eaLnBrk="1" fontAlgn="auto" latinLnBrk="0" hangingPunct="1">
+              <a:lnSpc>
+                <a:spcPct val="100000"/>
+              </a:lnSpc>
+              <a:spcBef>
+                <a:spcPts val="0"/>
+              </a:spcBef>
+              <a:spcAft>
+                <a:spcPts val="0"/>
+              </a:spcAft>
+              <a:buClrTx/>
+              <a:buSzTx/>
+              <a:buFontTx/>
+              <a:buNone/>
+              <a:tabLst/>
+              <a:defRPr/>
+            </a:pPr>
+            <a:endParaRPr kumimoji="0" lang="en-US" sz="1800" b="0" i="0" u="none" strike="noStrike" kern="1200" cap="none" spc="0" normalizeH="0" baseline="0" noProof="0">
+              <a:ln>
+                <a:noFill/>
+              </a:ln>
+              <a:solidFill>
+                <a:prstClr val="white"/>
+              </a:solidFill>
+              <a:effectLst/>
+              <a:uLnTx/>
+              <a:uFillTx/>
+              <a:latin typeface="Calibri" panose="020F0502020204030204"/>
+              <a:ea typeface="+mn-ea"/>
+              <a:cs typeface="+mn-cs"/>
+            </a:endParaRPr>
+          </a:p>
+        </p:txBody>
+      </p:sp>
+      <p:sp>
+        <p:nvSpPr>
+          <p:cNvPr id="24" name="Rectangle 16">
+            <a:extLst>
+              <a:ext uri="{FF2B5EF4-FFF2-40B4-BE49-F238E27FC236}">
+                <a16:creationId xmlns:a16="http://schemas.microsoft.com/office/drawing/2014/main" id="{E6995CE5-F890-4ABA-82A2-26507CE8D2A3}"/>
+              </a:ext>
+              <a:ext uri="{C183D7F6-B498-43B3-948B-1728B52AA6E4}">
+                <adec:decorative xmlns:adec="http://schemas.microsoft.com/office/drawing/2017/decorative" val="1"/>
+              </a:ext>
+            </a:extLst>
+          </p:cNvPr>
+          <p:cNvSpPr>
+            <a:spLocks noGrp="1" noRot="1" noChangeAspect="1" noMove="1" noResize="1" noEditPoints="1" noAdjustHandles="1" noChangeArrowheads="1" noChangeShapeType="1" noTextEdit="1"/>
+          </p:cNvSpPr>
+          <p:nvPr>
+            <p:extLst>
+              <p:ext uri="{386F3935-93C4-4BCD-93E2-E3B085C9AB24}">
+                <p16:designElem xmlns:p16="http://schemas.microsoft.com/office/powerpoint/2015/main" val="1"/>
+              </p:ext>
+            </p:extLst>
+          </p:nvPr>
+        </p:nvSpPr>
+        <p:spPr>
+          <a:xfrm rot="5400000">
+            <a:off x="11228040" y="2313027"/>
+            <a:ext cx="781700" cy="152382"/>
+          </a:xfrm>
+          <a:prstGeom prst="rect">
+            <a:avLst/>
+          </a:prstGeom>
+          <a:solidFill>
+            <a:schemeClr val="accent4"/>
+          </a:solidFill>
+          <a:ln>
+            <a:noFill/>
+          </a:ln>
+        </p:spPr>
+        <p:style>
+          <a:lnRef idx="2">
+            <a:schemeClr val="accent1">
+              <a:shade val="50000"/>
+            </a:schemeClr>
+          </a:lnRef>
+          <a:fillRef idx="1">
+            <a:schemeClr val="accent1"/>
+          </a:fillRef>
+          <a:effectRef idx="0">
+            <a:schemeClr val="accent1"/>
+          </a:effectRef>
+          <a:fontRef idx="minor">
+            <a:schemeClr val="lt1"/>
+          </a:fontRef>
+        </p:style>
+        <p:txBody>
+          <a:bodyPr rtlCol="0" anchor="ctr"/>
+          <a:lstStyle/>
+          <a:p>
+            <a:pPr marL="0" marR="0" lvl="0" indent="0" algn="ctr" defTabSz="914400" rtl="0" eaLnBrk="1" fontAlgn="auto" latinLnBrk="0" hangingPunct="1">
+              <a:lnSpc>
+                <a:spcPct val="100000"/>
+              </a:lnSpc>
+              <a:spcBef>
+                <a:spcPts val="0"/>
+              </a:spcBef>
+              <a:spcAft>
+                <a:spcPts val="0"/>
+              </a:spcAft>
+              <a:buClrTx/>
+              <a:buSzTx/>
+              <a:buFontTx/>
+              <a:buNone/>
+              <a:tabLst/>
+              <a:defRPr/>
+            </a:pPr>
+            <a:endParaRPr kumimoji="0" lang="en-US" sz="1800" b="0" i="0" u="none" strike="noStrike" kern="1200" cap="none" spc="0" normalizeH="0" baseline="0" noProof="0">
+              <a:ln>
+                <a:noFill/>
+              </a:ln>
+              <a:solidFill>
+                <a:prstClr val="white"/>
+              </a:solidFill>
+              <a:effectLst/>
+              <a:uLnTx/>
+              <a:uFillTx/>
+              <a:latin typeface="Calibri" panose="020F0502020204030204"/>
+              <a:ea typeface="+mn-ea"/>
+              <a:cs typeface="+mn-cs"/>
+            </a:endParaRPr>
+          </a:p>
+        </p:txBody>
+      </p:sp>
+      <p:sp>
+        <p:nvSpPr>
+          <p:cNvPr id="9" name="ZoneTexte 3">
+            <a:extLst>
+              <a:ext uri="{FF2B5EF4-FFF2-40B4-BE49-F238E27FC236}">
+                <a16:creationId xmlns:a16="http://schemas.microsoft.com/office/drawing/2014/main" id="{8CF6502A-D7FB-430B-A7E0-0E78915C50A9}"/>
+              </a:ext>
+            </a:extLst>
+          </p:cNvPr>
+          <p:cNvSpPr txBox="1"/>
+          <p:nvPr/>
+        </p:nvSpPr>
+        <p:spPr>
+          <a:xfrm>
+            <a:off x="793662" y="2203080"/>
+            <a:ext cx="3126585" cy="841678"/>
+          </a:xfrm>
+          <a:prstGeom prst="rect">
+            <a:avLst/>
+          </a:prstGeom>
+        </p:spPr>
+        <p:txBody>
+          <a:bodyPr vert="horz" lIns="91440" tIns="45720" rIns="91440" bIns="45720" rtlCol="0" anchor="ctr">
+            <a:normAutofit fontScale="85000" lnSpcReduction="10000"/>
+          </a:bodyPr>
+          <a:lstStyle/>
+          <a:p>
+            <a:pPr marL="285750" indent="-228600">
+              <a:lnSpc>
+                <a:spcPct val="250000"/>
+              </a:lnSpc>
+              <a:spcAft>
+                <a:spcPts val="600"/>
+              </a:spcAft>
+              <a:buFont typeface="Arial" panose="020B0604020202020204" pitchFamily="34" charset="0"/>
+              <a:buChar char="•"/>
+            </a:pPr>
+            <a:r>
+              <a:rPr lang="en-US" sz="2800" dirty="0" err="1"/>
+              <a:t>Effet</a:t>
+            </a:r>
+            <a:r>
+              <a:rPr lang="en-US" sz="2800" dirty="0"/>
+              <a:t> de Hall</a:t>
+            </a:r>
+          </a:p>
+        </p:txBody>
+      </p:sp>
+      <mc:AlternateContent xmlns:mc="http://schemas.openxmlformats.org/markup-compatibility/2006">
+        <mc:Choice xmlns:a14="http://schemas.microsoft.com/office/drawing/2010/main" Requires="a14">
+          <p:sp>
+            <p:nvSpPr>
+              <p:cNvPr id="10" name="TextBox 9">
+                <a:extLst>
+                  <a:ext uri="{FF2B5EF4-FFF2-40B4-BE49-F238E27FC236}">
+                    <a16:creationId xmlns:a16="http://schemas.microsoft.com/office/drawing/2014/main" id="{52173D5C-5F77-4EB7-BDC2-55041FC7CE3B}"/>
+                  </a:ext>
+                </a:extLst>
+              </p:cNvPr>
+              <p:cNvSpPr txBox="1"/>
+              <p:nvPr/>
+            </p:nvSpPr>
+            <p:spPr>
+              <a:xfrm>
+                <a:off x="793662" y="3932848"/>
+                <a:ext cx="2387128" cy="552331"/>
+              </a:xfrm>
+              <a:prstGeom prst="rect">
+                <a:avLst/>
+              </a:prstGeom>
+              <a:noFill/>
+            </p:spPr>
+            <p:txBody>
+              <a:bodyPr wrap="none" lIns="0" tIns="0" rIns="0" bIns="0" rtlCol="0">
+                <a:spAutoFit/>
+              </a:bodyPr>
+              <a:lstStyle/>
+              <a:p>
+                <a14:m>
+                  <m:oMathPara xmlns:m="http://schemas.openxmlformats.org/officeDocument/2006/math">
+                    <m:oMathParaPr>
+                      <m:jc m:val="centerGroup"/>
+                    </m:oMathParaPr>
+                    <m:oMath xmlns:m="http://schemas.openxmlformats.org/officeDocument/2006/math">
+                      <m:acc>
+                        <m:accPr>
+                          <m:chr m:val="⃗"/>
+                          <m:ctrlPr>
+                            <a:rPr lang="fr-FR" sz="3200" i="1" smtClean="0">
+                              <a:latin typeface="Cambria Math" panose="02040503050406030204" pitchFamily="18" charset="0"/>
+                            </a:rPr>
+                          </m:ctrlPr>
+                        </m:accPr>
+                        <m:e>
+                          <m:r>
+                            <a:rPr lang="en-US" sz="3200" b="0" i="1" smtClean="0">
+                              <a:latin typeface="Cambria Math" panose="02040503050406030204" pitchFamily="18" charset="0"/>
+                            </a:rPr>
+                            <m:t>𝐹</m:t>
+                          </m:r>
+                        </m:e>
+                      </m:acc>
+                      <m:r>
+                        <a:rPr lang="en-US" sz="3200" b="0" i="1" smtClean="0">
+                          <a:latin typeface="Cambria Math" panose="02040503050406030204" pitchFamily="18" charset="0"/>
+                        </a:rPr>
+                        <m:t>=</m:t>
+                      </m:r>
+                      <m:r>
+                        <a:rPr lang="en-US" sz="3200" b="0" i="1" smtClean="0">
+                          <a:latin typeface="Cambria Math" panose="02040503050406030204" pitchFamily="18" charset="0"/>
+                        </a:rPr>
+                        <m:t>𝑞</m:t>
+                      </m:r>
+                      <m:r>
+                        <a:rPr lang="en-US" sz="3200" b="0" i="1" smtClean="0">
+                          <a:latin typeface="Cambria Math" panose="02040503050406030204" pitchFamily="18" charset="0"/>
+                        </a:rPr>
+                        <m:t> </m:t>
+                      </m:r>
+                      <m:acc>
+                        <m:accPr>
+                          <m:chr m:val="⃗"/>
+                          <m:ctrlPr>
+                            <a:rPr lang="en-US" sz="3200" b="0" i="1" smtClean="0">
+                              <a:latin typeface="Cambria Math" panose="02040503050406030204" pitchFamily="18" charset="0"/>
+                            </a:rPr>
+                          </m:ctrlPr>
+                        </m:accPr>
+                        <m:e>
+                          <m:r>
+                            <a:rPr lang="en-US" sz="3200" b="0" i="1" smtClean="0">
+                              <a:latin typeface="Cambria Math" panose="02040503050406030204" pitchFamily="18" charset="0"/>
+                            </a:rPr>
+                            <m:t>𝑣</m:t>
+                          </m:r>
+                        </m:e>
+                      </m:acc>
+                      <m:r>
+                        <a:rPr lang="en-US" sz="3200" b="0" i="1" smtClean="0">
+                          <a:latin typeface="Cambria Math" panose="02040503050406030204" pitchFamily="18" charset="0"/>
+                        </a:rPr>
+                        <m:t> </m:t>
+                      </m:r>
+                      <m:r>
+                        <a:rPr lang="en-US" sz="3200" b="0" i="1" smtClean="0">
+                          <a:latin typeface="Cambria Math" panose="02040503050406030204" pitchFamily="18" charset="0"/>
+                          <a:ea typeface="Cambria Math" panose="02040503050406030204" pitchFamily="18" charset="0"/>
+                        </a:rPr>
+                        <m:t>× </m:t>
+                      </m:r>
+                      <m:acc>
+                        <m:accPr>
+                          <m:chr m:val="⃗"/>
+                          <m:ctrlPr>
+                            <a:rPr lang="en-US" sz="3200" b="0" i="1" smtClean="0">
+                              <a:latin typeface="Cambria Math" panose="02040503050406030204" pitchFamily="18" charset="0"/>
+                              <a:ea typeface="Cambria Math" panose="02040503050406030204" pitchFamily="18" charset="0"/>
+                            </a:rPr>
+                          </m:ctrlPr>
+                        </m:accPr>
+                        <m:e>
+                          <m:r>
+                            <a:rPr lang="en-US" sz="3200" b="0" i="1" smtClean="0">
+                              <a:latin typeface="Cambria Math" panose="02040503050406030204" pitchFamily="18" charset="0"/>
+                              <a:ea typeface="Cambria Math" panose="02040503050406030204" pitchFamily="18" charset="0"/>
+                            </a:rPr>
+                            <m:t>𝐵</m:t>
+                          </m:r>
+                        </m:e>
+                      </m:acc>
+                    </m:oMath>
+                  </m:oMathPara>
+                </a14:m>
+                <a:endParaRPr lang="fr-FR" sz="3200" dirty="0"/>
+              </a:p>
+            </p:txBody>
+          </p:sp>
+        </mc:Choice>
+        <mc:Fallback>
+          <p:sp>
+            <p:nvSpPr>
+              <p:cNvPr id="10" name="TextBox 9">
+                <a:extLst>
+                  <a:ext uri="{FF2B5EF4-FFF2-40B4-BE49-F238E27FC236}">
+                    <a16:creationId xmlns:a16="http://schemas.microsoft.com/office/drawing/2014/main" id="{52173D5C-5F77-4EB7-BDC2-55041FC7CE3B}"/>
+                  </a:ext>
+                </a:extLst>
+              </p:cNvPr>
+              <p:cNvSpPr txBox="1">
+                <a:spLocks noRot="1" noChangeAspect="1" noMove="1" noResize="1" noEditPoints="1" noAdjustHandles="1" noChangeArrowheads="1" noChangeShapeType="1" noTextEdit="1"/>
+              </p:cNvSpPr>
+              <p:nvPr/>
+            </p:nvSpPr>
+            <p:spPr>
+              <a:xfrm>
+                <a:off x="793662" y="3932848"/>
+                <a:ext cx="2387128" cy="552331"/>
+              </a:xfrm>
+              <a:prstGeom prst="rect">
+                <a:avLst/>
+              </a:prstGeom>
+              <a:blipFill>
+                <a:blip r:embed="rId2"/>
+                <a:stretch>
+                  <a:fillRect/>
+                </a:stretch>
+              </a:blipFill>
+            </p:spPr>
+            <p:txBody>
+              <a:bodyPr/>
+              <a:lstStyle/>
+              <a:p>
+                <a:r>
+                  <a:rPr lang="fr-FR">
+                    <a:noFill/>
+                  </a:rPr>
+                  <a:t> </a:t>
+                </a:r>
+              </a:p>
+            </p:txBody>
+          </p:sp>
+        </mc:Fallback>
+      </mc:AlternateContent>
+      <p:pic>
+        <p:nvPicPr>
+          <p:cNvPr id="11" name="Picture 2">
+            <a:extLst>
+              <a:ext uri="{FF2B5EF4-FFF2-40B4-BE49-F238E27FC236}">
+                <a16:creationId xmlns:a16="http://schemas.microsoft.com/office/drawing/2014/main" id="{A690F58C-9584-4B16-9975-434D08AA166B}"/>
+              </a:ext>
+            </a:extLst>
+          </p:cNvPr>
+          <p:cNvPicPr>
+            <a:picLocks noChangeAspect="1" noChangeArrowheads="1"/>
+          </p:cNvPicPr>
+          <p:nvPr/>
+        </p:nvPicPr>
+        <p:blipFill>
+          <a:blip r:embed="rId3">
+            <a:extLst>
+              <a:ext uri="{28A0092B-C50C-407E-A947-70E740481C1C}">
+                <a14:useLocalDpi xmlns:a14="http://schemas.microsoft.com/office/drawing/2010/main" val="0"/>
+              </a:ext>
+            </a:extLst>
+          </a:blip>
+          <a:srcRect/>
+          <a:stretch>
+            <a:fillRect/>
+          </a:stretch>
+        </p:blipFill>
+        <p:spPr bwMode="auto">
+          <a:xfrm>
+            <a:off x="4871744" y="2203080"/>
+            <a:ext cx="5988040" cy="3736537"/>
+          </a:xfrm>
+          <a:prstGeom prst="rect">
+            <a:avLst/>
+          </a:prstGeom>
+          <a:noFill/>
+          <a:extLst>
+            <a:ext uri="{909E8E84-426E-40DD-AFC4-6F175D3DCCD1}">
+              <a14:hiddenFill xmlns:a14="http://schemas.microsoft.com/office/drawing/2010/main">
+                <a:solidFill>
+                  <a:srgbClr val="FFFFFF"/>
+                </a:solidFill>
+              </a14:hiddenFill>
+            </a:ext>
+          </a:extLst>
+        </p:spPr>
+      </p:pic>
+      <p:sp>
+        <p:nvSpPr>
+          <p:cNvPr id="3" name="Slide Number Placeholder 2">
+            <a:extLst>
+              <a:ext uri="{FF2B5EF4-FFF2-40B4-BE49-F238E27FC236}">
+                <a16:creationId xmlns:a16="http://schemas.microsoft.com/office/drawing/2014/main" id="{47A7583B-4849-45B5-AC45-21FE4E5E059D}"/>
+              </a:ext>
+            </a:extLst>
+          </p:cNvPr>
+          <p:cNvSpPr>
+            <a:spLocks noGrp="1"/>
+          </p:cNvSpPr>
+          <p:nvPr>
+            <p:ph type="sldNum" sz="quarter" idx="12"/>
+          </p:nvPr>
+        </p:nvSpPr>
+        <p:spPr/>
+        <p:txBody>
+          <a:bodyPr/>
+          <a:lstStyle/>
+          <a:p>
+            <a:fld id="{43B0AB4A-0575-400B-9EA0-B9BBCBE45FA9}" type="slidenum">
+              <a:rPr lang="fr-FR" smtClean="0"/>
+              <a:t>13</a:t>
+            </a:fld>
+            <a:endParaRPr lang="fr-FR"/>
+          </a:p>
+        </p:txBody>
+      </p:sp>
+    </p:spTree>
+    <p:extLst>
+      <p:ext uri="{BB962C8B-B14F-4D97-AF65-F5344CB8AC3E}">
+        <p14:creationId xmlns:p14="http://schemas.microsoft.com/office/powerpoint/2010/main" val="2106660310"/>
+      </p:ext>
+    </p:extLst>
+  </p:cSld>
+  <p:clrMapOvr>
+    <a:masterClrMapping/>
+  </p:clrMapOvr>
+</p:sld>
+</file>
+
+<file path=ppt/slides/slide14.xml><?xml version="1.0" encoding="utf-8"?>
+<p:sld xmlns:a="http://schemas.openxmlformats.org/drawingml/2006/main" xmlns:r="http://schemas.openxmlformats.org/officeDocument/2006/relationships" xmlns:p="http://schemas.openxmlformats.org/presentationml/2006/main">
+  <p:cSld>
+    <p:bg>
+      <p:bgPr>
+        <a:solidFill>
+          <a:schemeClr val="bg1"/>
+        </a:solidFill>
+        <a:effectLst/>
+      </p:bgPr>
+    </p:bg>
+    <p:spTree>
+      <p:nvGrpSpPr>
+        <p:cNvPr id="1" name=""/>
+        <p:cNvGrpSpPr/>
+        <p:nvPr/>
+      </p:nvGrpSpPr>
+      <p:grpSpPr>
+        <a:xfrm>
+          <a:off x="0" y="0"/>
+          <a:ext cx="0" cy="0"/>
+          <a:chOff x="0" y="0"/>
+          <a:chExt cx="0" cy="0"/>
+        </a:xfrm>
+      </p:grpSpPr>
+      <p:sp useBgFill="1">
+        <p:nvSpPr>
+          <p:cNvPr id="21" name="Rectangle 10">
+            <a:extLst>
+              <a:ext uri="{FF2B5EF4-FFF2-40B4-BE49-F238E27FC236}">
+                <a16:creationId xmlns:a16="http://schemas.microsoft.com/office/drawing/2014/main" id="{117AB3D3-3C9C-4DED-809A-78734805B895}"/>
+              </a:ext>
+              <a:ext uri="{C183D7F6-B498-43B3-948B-1728B52AA6E4}">
+                <adec:decorative xmlns:adec="http://schemas.microsoft.com/office/drawing/2017/decorative" val="1"/>
+              </a:ext>
+            </a:extLst>
+          </p:cNvPr>
+          <p:cNvSpPr>
+            <a:spLocks noGrp="1" noRot="1" noChangeAspect="1" noMove="1" noResize="1" noEditPoints="1" noAdjustHandles="1" noChangeArrowheads="1" noChangeShapeType="1" noTextEdit="1"/>
+          </p:cNvSpPr>
+          <p:nvPr>
+            <p:extLst>
+              <p:ext uri="{386F3935-93C4-4BCD-93E2-E3B085C9AB24}">
+                <p16:designElem xmlns:p16="http://schemas.microsoft.com/office/powerpoint/2015/main" val="1"/>
+              </p:ext>
+            </p:extLst>
+          </p:nvPr>
+        </p:nvSpPr>
+        <p:spPr>
+          <a:xfrm>
+            <a:off x="0" y="0"/>
+            <a:ext cx="12191999" cy="6857365"/>
+          </a:xfrm>
+          <a:prstGeom prst="rect">
+            <a:avLst/>
+          </a:prstGeom>
+          <a:ln>
+            <a:noFill/>
+          </a:ln>
+        </p:spPr>
+        <p:style>
+          <a:lnRef idx="2">
+            <a:schemeClr val="accent1">
+              <a:shade val="50000"/>
+            </a:schemeClr>
+          </a:lnRef>
+          <a:fillRef idx="1">
+            <a:schemeClr val="accent1"/>
+          </a:fillRef>
+          <a:effectRef idx="0">
+            <a:schemeClr val="accent1"/>
+          </a:effectRef>
+          <a:fontRef idx="minor">
+            <a:schemeClr val="lt1"/>
+          </a:fontRef>
+        </p:style>
+        <p:txBody>
+          <a:bodyPr rtlCol="0" anchor="ctr"/>
+          <a:lstStyle/>
+          <a:p>
+            <a:pPr marL="0" marR="0" lvl="0" indent="0" algn="ctr" defTabSz="914400" rtl="0" eaLnBrk="1" fontAlgn="auto" latinLnBrk="0" hangingPunct="1">
+              <a:lnSpc>
+                <a:spcPct val="100000"/>
+              </a:lnSpc>
+              <a:spcBef>
+                <a:spcPts val="0"/>
+              </a:spcBef>
+              <a:spcAft>
+                <a:spcPts val="0"/>
+              </a:spcAft>
+              <a:buClrTx/>
+              <a:buSzTx/>
+              <a:buFontTx/>
+              <a:buNone/>
+              <a:tabLst/>
+              <a:defRPr/>
+            </a:pPr>
+            <a:endParaRPr kumimoji="0" lang="en-US" sz="1800" b="0" i="0" u="none" strike="noStrike" kern="1200" cap="none" spc="0" normalizeH="0" baseline="0" noProof="0">
+              <a:ln>
+                <a:noFill/>
+              </a:ln>
+              <a:solidFill>
+                <a:prstClr val="white"/>
+              </a:solidFill>
+              <a:effectLst/>
+              <a:uLnTx/>
+              <a:uFillTx/>
+              <a:latin typeface="Calibri" panose="020F0502020204030204"/>
+              <a:ea typeface="+mn-ea"/>
+              <a:cs typeface="+mn-cs"/>
+            </a:endParaRPr>
+          </a:p>
+        </p:txBody>
+      </p:sp>
+      <p:sp>
+        <p:nvSpPr>
+          <p:cNvPr id="2" name="Titre 1">
+            <a:extLst>
+              <a:ext uri="{FF2B5EF4-FFF2-40B4-BE49-F238E27FC236}">
+                <a16:creationId xmlns:a16="http://schemas.microsoft.com/office/drawing/2014/main" id="{CA393FC2-0522-462A-80C8-E62EB1B92DA3}"/>
+              </a:ext>
+            </a:extLst>
+          </p:cNvPr>
+          <p:cNvSpPr>
+            <a:spLocks noGrp="1"/>
+          </p:cNvSpPr>
+          <p:nvPr>
+            <p:ph type="title"/>
+          </p:nvPr>
+        </p:nvSpPr>
+        <p:spPr>
+          <a:xfrm>
+            <a:off x="793662" y="386930"/>
+            <a:ext cx="10066122" cy="1298448"/>
+          </a:xfrm>
+        </p:spPr>
+        <p:txBody>
+          <a:bodyPr vert="horz" lIns="91440" tIns="45720" rIns="91440" bIns="45720" rtlCol="0" anchor="b">
+            <a:normAutofit/>
+          </a:bodyPr>
+          <a:lstStyle/>
+          <a:p>
+            <a:r>
+              <a:rPr lang="en-US" sz="4800" dirty="0"/>
+              <a:t>Principe de </a:t>
+            </a:r>
+            <a:r>
+              <a:rPr lang="en-US" sz="4800" dirty="0" err="1"/>
+              <a:t>fonctionnement</a:t>
+            </a:r>
+            <a:r>
+              <a:rPr lang="en-US" sz="4800" dirty="0"/>
+              <a:t> - </a:t>
+            </a:r>
+            <a:r>
+              <a:rPr lang="en-US" sz="4800" dirty="0" err="1"/>
+              <a:t>Données</a:t>
+            </a:r>
+            <a:endParaRPr lang="en-US" sz="4800" dirty="0"/>
+          </a:p>
+        </p:txBody>
+      </p:sp>
+      <p:sp>
+        <p:nvSpPr>
+          <p:cNvPr id="22" name="Rectangle 12">
+            <a:extLst>
+              <a:ext uri="{FF2B5EF4-FFF2-40B4-BE49-F238E27FC236}">
+                <a16:creationId xmlns:a16="http://schemas.microsoft.com/office/drawing/2014/main" id="{3A9A4357-BD1D-4622-A4FE-766E6AB8DE84}"/>
+              </a:ext>
+              <a:ext uri="{C183D7F6-B498-43B3-948B-1728B52AA6E4}">
+                <adec:decorative xmlns:adec="http://schemas.microsoft.com/office/drawing/2017/decorative" val="1"/>
+              </a:ext>
+            </a:extLst>
+          </p:cNvPr>
+          <p:cNvSpPr>
+            <a:spLocks noGrp="1" noRot="1" noChangeAspect="1" noMove="1" noResize="1" noEditPoints="1" noAdjustHandles="1" noChangeArrowheads="1" noChangeShapeType="1" noTextEdit="1"/>
+          </p:cNvSpPr>
+          <p:nvPr>
+            <p:extLst>
+              <p:ext uri="{386F3935-93C4-4BCD-93E2-E3B085C9AB24}">
+                <p16:designElem xmlns:p16="http://schemas.microsoft.com/office/powerpoint/2015/main" val="1"/>
+              </p:ext>
+            </p:extLst>
+          </p:nvPr>
+        </p:nvSpPr>
+        <p:spPr>
+          <a:xfrm flipH="1" flipV="1">
+            <a:off x="-2" y="1998845"/>
+            <a:ext cx="11454595" cy="781699"/>
+          </a:xfrm>
+          <a:prstGeom prst="rect">
+            <a:avLst/>
+          </a:prstGeom>
+          <a:solidFill>
+            <a:schemeClr val="accent4"/>
+          </a:solidFill>
+          <a:ln>
+            <a:noFill/>
+          </a:ln>
+        </p:spPr>
+        <p:style>
+          <a:lnRef idx="2">
+            <a:schemeClr val="accent1">
+              <a:shade val="50000"/>
+            </a:schemeClr>
+          </a:lnRef>
+          <a:fillRef idx="1">
+            <a:schemeClr val="accent1"/>
+          </a:fillRef>
+          <a:effectRef idx="0">
+            <a:schemeClr val="accent1"/>
+          </a:effectRef>
+          <a:fontRef idx="minor">
+            <a:schemeClr val="lt1"/>
+          </a:fontRef>
+        </p:style>
+        <p:txBody>
+          <a:bodyPr rtlCol="0" anchor="ctr"/>
+          <a:lstStyle/>
+          <a:p>
+            <a:pPr marL="0" marR="0" lvl="0" indent="0" algn="ctr" defTabSz="914400" rtl="0" eaLnBrk="1" fontAlgn="auto" latinLnBrk="0" hangingPunct="1">
+              <a:lnSpc>
+                <a:spcPct val="100000"/>
+              </a:lnSpc>
+              <a:spcBef>
+                <a:spcPts val="0"/>
+              </a:spcBef>
+              <a:spcAft>
+                <a:spcPts val="0"/>
+              </a:spcAft>
+              <a:buClrTx/>
+              <a:buSzTx/>
+              <a:buFontTx/>
+              <a:buNone/>
+              <a:tabLst/>
+              <a:defRPr/>
+            </a:pPr>
+            <a:endParaRPr kumimoji="0" lang="en-US" sz="1800" b="0" i="0" u="none" strike="noStrike" kern="1200" cap="none" spc="0" normalizeH="0" baseline="0" noProof="0">
+              <a:ln>
+                <a:noFill/>
+              </a:ln>
+              <a:solidFill>
+                <a:prstClr val="white"/>
+              </a:solidFill>
+              <a:effectLst/>
+              <a:uLnTx/>
+              <a:uFillTx/>
+              <a:latin typeface="Calibri" panose="020F0502020204030204"/>
+              <a:ea typeface="+mn-ea"/>
+              <a:cs typeface="+mn-cs"/>
+            </a:endParaRPr>
+          </a:p>
+        </p:txBody>
+      </p:sp>
+      <p:sp>
+        <p:nvSpPr>
+          <p:cNvPr id="23" name="Rectangle 14">
+            <a:extLst>
+              <a:ext uri="{FF2B5EF4-FFF2-40B4-BE49-F238E27FC236}">
+                <a16:creationId xmlns:a16="http://schemas.microsoft.com/office/drawing/2014/main" id="{E659831F-0D9A-4C63-9EBB-8435B85A440F}"/>
+              </a:ext>
+              <a:ext uri="{C183D7F6-B498-43B3-948B-1728B52AA6E4}">
+                <adec:decorative xmlns:adec="http://schemas.microsoft.com/office/drawing/2017/decorative" val="1"/>
+              </a:ext>
+            </a:extLst>
+          </p:cNvPr>
+          <p:cNvSpPr>
+            <a:spLocks noGrp="1" noRot="1" noChangeAspect="1" noMove="1" noResize="1" noEditPoints="1" noAdjustHandles="1" noChangeArrowheads="1" noChangeShapeType="1" noTextEdit="1"/>
+          </p:cNvSpPr>
+          <p:nvPr>
+            <p:extLst>
+              <p:ext uri="{386F3935-93C4-4BCD-93E2-E3B085C9AB24}">
+                <p16:designElem xmlns:p16="http://schemas.microsoft.com/office/powerpoint/2015/main" val="1"/>
+              </p:ext>
+            </p:extLst>
+          </p:nvPr>
+        </p:nvSpPr>
+        <p:spPr>
+          <a:xfrm>
+            <a:off x="0" y="2203079"/>
+            <a:ext cx="11383362" cy="4267991"/>
+          </a:xfrm>
+          <a:prstGeom prst="rect">
+            <a:avLst/>
+          </a:prstGeom>
+          <a:solidFill>
+            <a:schemeClr val="bg1"/>
+          </a:solidFill>
+          <a:ln>
+            <a:noFill/>
+          </a:ln>
+          <a:effectLst>
+            <a:outerShdw blurRad="139700" dist="127000" dir="5400000" algn="t" rotWithShape="0">
+              <a:prstClr val="black">
+                <a:alpha val="15000"/>
+              </a:prstClr>
+            </a:outerShdw>
+          </a:effectLst>
+        </p:spPr>
+        <p:style>
+          <a:lnRef idx="2">
+            <a:schemeClr val="accent1">
+              <a:shade val="50000"/>
+            </a:schemeClr>
+          </a:lnRef>
+          <a:fillRef idx="1">
+            <a:schemeClr val="accent1"/>
+          </a:fillRef>
+          <a:effectRef idx="0">
+            <a:schemeClr val="accent1"/>
+          </a:effectRef>
+          <a:fontRef idx="minor">
+            <a:schemeClr val="lt1"/>
+          </a:fontRef>
+        </p:style>
+        <p:txBody>
+          <a:bodyPr rtlCol="0" anchor="ctr"/>
+          <a:lstStyle/>
+          <a:p>
+            <a:pPr marL="0" marR="0" lvl="0" indent="0" algn="ctr" defTabSz="914400" rtl="0" eaLnBrk="1" fontAlgn="auto" latinLnBrk="0" hangingPunct="1">
+              <a:lnSpc>
+                <a:spcPct val="100000"/>
+              </a:lnSpc>
+              <a:spcBef>
+                <a:spcPts val="0"/>
+              </a:spcBef>
+              <a:spcAft>
+                <a:spcPts val="0"/>
+              </a:spcAft>
+              <a:buClrTx/>
+              <a:buSzTx/>
+              <a:buFontTx/>
+              <a:buNone/>
+              <a:tabLst/>
+              <a:defRPr/>
+            </a:pPr>
+            <a:endParaRPr kumimoji="0" lang="en-US" sz="1800" b="0" i="0" u="none" strike="noStrike" kern="1200" cap="none" spc="0" normalizeH="0" baseline="0" noProof="0">
+              <a:ln>
+                <a:noFill/>
+              </a:ln>
+              <a:solidFill>
+                <a:prstClr val="white"/>
+              </a:solidFill>
+              <a:effectLst/>
+              <a:uLnTx/>
+              <a:uFillTx/>
+              <a:latin typeface="Calibri" panose="020F0502020204030204"/>
+              <a:ea typeface="+mn-ea"/>
+              <a:cs typeface="+mn-cs"/>
+            </a:endParaRPr>
+          </a:p>
+        </p:txBody>
+      </p:sp>
+      <p:sp>
+        <p:nvSpPr>
+          <p:cNvPr id="24" name="Rectangle 16">
+            <a:extLst>
+              <a:ext uri="{FF2B5EF4-FFF2-40B4-BE49-F238E27FC236}">
+                <a16:creationId xmlns:a16="http://schemas.microsoft.com/office/drawing/2014/main" id="{E6995CE5-F890-4ABA-82A2-26507CE8D2A3}"/>
+              </a:ext>
+              <a:ext uri="{C183D7F6-B498-43B3-948B-1728B52AA6E4}">
+                <adec:decorative xmlns:adec="http://schemas.microsoft.com/office/drawing/2017/decorative" val="1"/>
+              </a:ext>
+            </a:extLst>
+          </p:cNvPr>
+          <p:cNvSpPr>
+            <a:spLocks noGrp="1" noRot="1" noChangeAspect="1" noMove="1" noResize="1" noEditPoints="1" noAdjustHandles="1" noChangeArrowheads="1" noChangeShapeType="1" noTextEdit="1"/>
+          </p:cNvSpPr>
+          <p:nvPr>
+            <p:extLst>
+              <p:ext uri="{386F3935-93C4-4BCD-93E2-E3B085C9AB24}">
+                <p16:designElem xmlns:p16="http://schemas.microsoft.com/office/powerpoint/2015/main" val="1"/>
+              </p:ext>
+            </p:extLst>
+          </p:nvPr>
+        </p:nvSpPr>
+        <p:spPr>
+          <a:xfrm rot="5400000">
+            <a:off x="11228040" y="2313027"/>
+            <a:ext cx="781700" cy="152382"/>
+          </a:xfrm>
+          <a:prstGeom prst="rect">
+            <a:avLst/>
+          </a:prstGeom>
+          <a:solidFill>
+            <a:schemeClr val="accent4"/>
+          </a:solidFill>
+          <a:ln>
+            <a:noFill/>
+          </a:ln>
+        </p:spPr>
+        <p:style>
+          <a:lnRef idx="2">
+            <a:schemeClr val="accent1">
+              <a:shade val="50000"/>
+            </a:schemeClr>
+          </a:lnRef>
+          <a:fillRef idx="1">
+            <a:schemeClr val="accent1"/>
+          </a:fillRef>
+          <a:effectRef idx="0">
+            <a:schemeClr val="accent1"/>
+          </a:effectRef>
+          <a:fontRef idx="minor">
+            <a:schemeClr val="lt1"/>
+          </a:fontRef>
+        </p:style>
+        <p:txBody>
+          <a:bodyPr rtlCol="0" anchor="ctr"/>
+          <a:lstStyle/>
+          <a:p>
+            <a:pPr marL="0" marR="0" lvl="0" indent="0" algn="ctr" defTabSz="914400" rtl="0" eaLnBrk="1" fontAlgn="auto" latinLnBrk="0" hangingPunct="1">
+              <a:lnSpc>
+                <a:spcPct val="100000"/>
+              </a:lnSpc>
+              <a:spcBef>
+                <a:spcPts val="0"/>
+              </a:spcBef>
+              <a:spcAft>
+                <a:spcPts val="0"/>
+              </a:spcAft>
+              <a:buClrTx/>
+              <a:buSzTx/>
+              <a:buFontTx/>
+              <a:buNone/>
+              <a:tabLst/>
+              <a:defRPr/>
+            </a:pPr>
+            <a:endParaRPr kumimoji="0" lang="en-US" sz="1800" b="0" i="0" u="none" strike="noStrike" kern="1200" cap="none" spc="0" normalizeH="0" baseline="0" noProof="0">
+              <a:ln>
+                <a:noFill/>
+              </a:ln>
+              <a:solidFill>
+                <a:prstClr val="white"/>
+              </a:solidFill>
+              <a:effectLst/>
+              <a:uLnTx/>
+              <a:uFillTx/>
+              <a:latin typeface="Calibri" panose="020F0502020204030204"/>
+              <a:ea typeface="+mn-ea"/>
+              <a:cs typeface="+mn-cs"/>
+            </a:endParaRPr>
+          </a:p>
+        </p:txBody>
+      </p:sp>
+      <p:sp>
+        <p:nvSpPr>
+          <p:cNvPr id="12" name="ZoneTexte 3">
+            <a:extLst>
+              <a:ext uri="{FF2B5EF4-FFF2-40B4-BE49-F238E27FC236}">
+                <a16:creationId xmlns:a16="http://schemas.microsoft.com/office/drawing/2014/main" id="{AA48E197-BD45-4F06-B02C-BAA63F14AC76}"/>
+              </a:ext>
+            </a:extLst>
+          </p:cNvPr>
+          <p:cNvSpPr txBox="1"/>
+          <p:nvPr/>
+        </p:nvSpPr>
+        <p:spPr>
+          <a:xfrm>
+            <a:off x="793662" y="2203080"/>
+            <a:ext cx="4837117" cy="3219152"/>
+          </a:xfrm>
+          <a:prstGeom prst="rect">
+            <a:avLst/>
+          </a:prstGeom>
+        </p:spPr>
+        <p:txBody>
+          <a:bodyPr vert="horz" lIns="91440" tIns="45720" rIns="91440" bIns="45720" rtlCol="0" anchor="ctr">
+            <a:normAutofit lnSpcReduction="10000"/>
+          </a:bodyPr>
+          <a:lstStyle/>
+          <a:p>
+            <a:pPr marL="285750" indent="-228600">
+              <a:lnSpc>
+                <a:spcPct val="250000"/>
+              </a:lnSpc>
+              <a:spcAft>
+                <a:spcPts val="600"/>
+              </a:spcAft>
+              <a:buFont typeface="Arial" panose="020B0604020202020204" pitchFamily="34" charset="0"/>
+              <a:buChar char="•"/>
+            </a:pPr>
+            <a:r>
+              <a:rPr lang="fr-FR" sz="2800" dirty="0"/>
+              <a:t>3 axes de mesures</a:t>
+            </a:r>
+          </a:p>
+          <a:p>
+            <a:pPr marL="285750" indent="-228600">
+              <a:lnSpc>
+                <a:spcPct val="250000"/>
+              </a:lnSpc>
+              <a:spcAft>
+                <a:spcPts val="600"/>
+              </a:spcAft>
+              <a:buFont typeface="Arial" panose="020B0604020202020204" pitchFamily="34" charset="0"/>
+              <a:buChar char="•"/>
+            </a:pPr>
+            <a:r>
+              <a:rPr lang="fr-FR" sz="2800" dirty="0"/>
+              <a:t>16 bits pour chaque axe</a:t>
+            </a:r>
+          </a:p>
+          <a:p>
+            <a:pPr marL="285750" indent="-228600">
+              <a:lnSpc>
+                <a:spcPct val="250000"/>
+              </a:lnSpc>
+              <a:spcAft>
+                <a:spcPts val="600"/>
+              </a:spcAft>
+              <a:buFont typeface="Arial" panose="020B0604020202020204" pitchFamily="34" charset="0"/>
+              <a:buChar char="•"/>
+            </a:pPr>
+            <a:r>
+              <a:rPr lang="fr-FR" sz="2800" dirty="0"/>
+              <a:t>Bus I²C</a:t>
+            </a:r>
+          </a:p>
+        </p:txBody>
+      </p:sp>
+      <p:pic>
+        <p:nvPicPr>
+          <p:cNvPr id="13" name="Picture 12">
+            <a:extLst>
+              <a:ext uri="{FF2B5EF4-FFF2-40B4-BE49-F238E27FC236}">
+                <a16:creationId xmlns:a16="http://schemas.microsoft.com/office/drawing/2014/main" id="{9A837CC6-8384-47D8-B286-C61E05BEAFB2}"/>
+              </a:ext>
+            </a:extLst>
+          </p:cNvPr>
+          <p:cNvPicPr>
+            <a:picLocks noChangeAspect="1"/>
+          </p:cNvPicPr>
+          <p:nvPr/>
+        </p:nvPicPr>
+        <p:blipFill>
+          <a:blip r:embed="rId2"/>
+          <a:stretch>
+            <a:fillRect/>
+          </a:stretch>
+        </p:blipFill>
+        <p:spPr>
+          <a:xfrm>
+            <a:off x="7476642" y="2124340"/>
+            <a:ext cx="2743438" cy="4221846"/>
+          </a:xfrm>
+          <a:prstGeom prst="rect">
+            <a:avLst/>
+          </a:prstGeom>
+        </p:spPr>
+      </p:pic>
+      <p:sp>
+        <p:nvSpPr>
+          <p:cNvPr id="3" name="Slide Number Placeholder 2">
+            <a:extLst>
+              <a:ext uri="{FF2B5EF4-FFF2-40B4-BE49-F238E27FC236}">
+                <a16:creationId xmlns:a16="http://schemas.microsoft.com/office/drawing/2014/main" id="{6CD21FB1-6C0B-4C75-BE87-F27FB6DBFE67}"/>
+              </a:ext>
+            </a:extLst>
+          </p:cNvPr>
+          <p:cNvSpPr>
+            <a:spLocks noGrp="1"/>
+          </p:cNvSpPr>
+          <p:nvPr>
+            <p:ph type="sldNum" sz="quarter" idx="12"/>
+          </p:nvPr>
+        </p:nvSpPr>
+        <p:spPr/>
+        <p:txBody>
+          <a:bodyPr/>
+          <a:lstStyle/>
+          <a:p>
+            <a:fld id="{43B0AB4A-0575-400B-9EA0-B9BBCBE45FA9}" type="slidenum">
+              <a:rPr lang="fr-FR" smtClean="0"/>
+              <a:t>14</a:t>
+            </a:fld>
+            <a:endParaRPr lang="fr-FR"/>
+          </a:p>
+        </p:txBody>
+      </p:sp>
+    </p:spTree>
+    <p:extLst>
+      <p:ext uri="{BB962C8B-B14F-4D97-AF65-F5344CB8AC3E}">
+        <p14:creationId xmlns:p14="http://schemas.microsoft.com/office/powerpoint/2010/main" val="2957379150"/>
+      </p:ext>
+    </p:extLst>
+  </p:cSld>
+  <p:clrMapOvr>
+    <a:masterClrMapping/>
+  </p:clrMapOvr>
+</p:sld>
+</file>
+
+<file path=ppt/slides/slide15.xml><?xml version="1.0" encoding="utf-8"?>
+<p:sld xmlns:a="http://schemas.openxmlformats.org/drawingml/2006/main" xmlns:r="http://schemas.openxmlformats.org/officeDocument/2006/relationships" xmlns:p="http://schemas.openxmlformats.org/presentationml/2006/main">
+  <p:cSld>
+    <p:bg>
+      <p:bgPr>
+        <a:solidFill>
+          <a:schemeClr val="bg1"/>
+        </a:solidFill>
+        <a:effectLst/>
+      </p:bgPr>
+    </p:bg>
+    <p:spTree>
+      <p:nvGrpSpPr>
+        <p:cNvPr id="1" name=""/>
+        <p:cNvGrpSpPr/>
+        <p:nvPr/>
+      </p:nvGrpSpPr>
+      <p:grpSpPr>
+        <a:xfrm>
+          <a:off x="0" y="0"/>
+          <a:ext cx="0" cy="0"/>
+          <a:chOff x="0" y="0"/>
+          <a:chExt cx="0" cy="0"/>
+        </a:xfrm>
+      </p:grpSpPr>
+      <p:sp useBgFill="1">
+        <p:nvSpPr>
+          <p:cNvPr id="21" name="Rectangle 10">
+            <a:extLst>
+              <a:ext uri="{FF2B5EF4-FFF2-40B4-BE49-F238E27FC236}">
+                <a16:creationId xmlns:a16="http://schemas.microsoft.com/office/drawing/2014/main" id="{117AB3D3-3C9C-4DED-809A-78734805B895}"/>
+              </a:ext>
+              <a:ext uri="{C183D7F6-B498-43B3-948B-1728B52AA6E4}">
+                <adec:decorative xmlns:adec="http://schemas.microsoft.com/office/drawing/2017/decorative" val="1"/>
+              </a:ext>
+            </a:extLst>
+          </p:cNvPr>
+          <p:cNvSpPr>
+            <a:spLocks noGrp="1" noRot="1" noChangeAspect="1" noMove="1" noResize="1" noEditPoints="1" noAdjustHandles="1" noChangeArrowheads="1" noChangeShapeType="1" noTextEdit="1"/>
+          </p:cNvSpPr>
+          <p:nvPr>
+            <p:extLst>
+              <p:ext uri="{386F3935-93C4-4BCD-93E2-E3B085C9AB24}">
+                <p16:designElem xmlns:p16="http://schemas.microsoft.com/office/powerpoint/2015/main" val="1"/>
+              </p:ext>
+            </p:extLst>
+          </p:nvPr>
+        </p:nvSpPr>
+        <p:spPr>
+          <a:xfrm>
+            <a:off x="0" y="0"/>
+            <a:ext cx="12191999" cy="6857365"/>
+          </a:xfrm>
+          <a:prstGeom prst="rect">
+            <a:avLst/>
+          </a:prstGeom>
+          <a:ln>
+            <a:noFill/>
+          </a:ln>
+        </p:spPr>
+        <p:style>
+          <a:lnRef idx="2">
+            <a:schemeClr val="accent1">
+              <a:shade val="50000"/>
+            </a:schemeClr>
+          </a:lnRef>
+          <a:fillRef idx="1">
+            <a:schemeClr val="accent1"/>
+          </a:fillRef>
+          <a:effectRef idx="0">
+            <a:schemeClr val="accent1"/>
+          </a:effectRef>
+          <a:fontRef idx="minor">
+            <a:schemeClr val="lt1"/>
+          </a:fontRef>
+        </p:style>
+        <p:txBody>
+          <a:bodyPr rtlCol="0" anchor="ctr"/>
+          <a:lstStyle/>
+          <a:p>
+            <a:pPr algn="ctr"/>
+            <a:endParaRPr lang="en-US"/>
+          </a:p>
+        </p:txBody>
+      </p:sp>
+      <p:sp>
+        <p:nvSpPr>
+          <p:cNvPr id="2" name="Titre 1">
+            <a:extLst>
+              <a:ext uri="{FF2B5EF4-FFF2-40B4-BE49-F238E27FC236}">
+                <a16:creationId xmlns:a16="http://schemas.microsoft.com/office/drawing/2014/main" id="{CA393FC2-0522-462A-80C8-E62EB1B92DA3}"/>
+              </a:ext>
+            </a:extLst>
+          </p:cNvPr>
+          <p:cNvSpPr>
+            <a:spLocks noGrp="1"/>
+          </p:cNvSpPr>
+          <p:nvPr>
+            <p:ph type="title"/>
+          </p:nvPr>
+        </p:nvSpPr>
+        <p:spPr>
+          <a:xfrm>
+            <a:off x="793662" y="386930"/>
+            <a:ext cx="10066122" cy="1298448"/>
+          </a:xfrm>
+        </p:spPr>
+        <p:txBody>
+          <a:bodyPr vert="horz" lIns="91440" tIns="45720" rIns="91440" bIns="45720" rtlCol="0" anchor="b">
+            <a:normAutofit fontScale="90000"/>
+          </a:bodyPr>
+          <a:lstStyle/>
+          <a:p>
+            <a:r>
+              <a:rPr lang="en-US" sz="4800" dirty="0" err="1"/>
+              <a:t>Mesures</a:t>
+            </a:r>
+            <a:r>
+              <a:rPr lang="en-US" sz="4800" dirty="0"/>
+              <a:t> – Captures </a:t>
+            </a:r>
+            <a:r>
+              <a:rPr lang="en-US" sz="4800" dirty="0" err="1"/>
+              <a:t>d’écran</a:t>
+            </a:r>
+            <a:r>
+              <a:rPr lang="en-US" sz="4800" dirty="0"/>
+              <a:t> de </a:t>
+            </a:r>
+            <a:r>
+              <a:rPr lang="en-US" sz="4800" dirty="0" err="1"/>
+              <a:t>l’application</a:t>
+            </a:r>
+            <a:r>
+              <a:rPr lang="en-US" sz="4800" dirty="0"/>
+              <a:t> </a:t>
+            </a:r>
+            <a:r>
+              <a:rPr lang="en-US" sz="4800" dirty="0" err="1"/>
+              <a:t>SensorMultiTool</a:t>
+            </a:r>
+            <a:endParaRPr lang="en-US" sz="4800" dirty="0"/>
+          </a:p>
+        </p:txBody>
+      </p:sp>
+      <p:sp>
+        <p:nvSpPr>
+          <p:cNvPr id="22" name="Rectangle 12">
+            <a:extLst>
+              <a:ext uri="{FF2B5EF4-FFF2-40B4-BE49-F238E27FC236}">
+                <a16:creationId xmlns:a16="http://schemas.microsoft.com/office/drawing/2014/main" id="{3A9A4357-BD1D-4622-A4FE-766E6AB8DE84}"/>
+              </a:ext>
+              <a:ext uri="{C183D7F6-B498-43B3-948B-1728B52AA6E4}">
+                <adec:decorative xmlns:adec="http://schemas.microsoft.com/office/drawing/2017/decorative" val="1"/>
+              </a:ext>
+            </a:extLst>
+          </p:cNvPr>
+          <p:cNvSpPr>
+            <a:spLocks noGrp="1" noRot="1" noChangeAspect="1" noMove="1" noResize="1" noEditPoints="1" noAdjustHandles="1" noChangeArrowheads="1" noChangeShapeType="1" noTextEdit="1"/>
+          </p:cNvSpPr>
+          <p:nvPr>
+            <p:extLst>
+              <p:ext uri="{386F3935-93C4-4BCD-93E2-E3B085C9AB24}">
+                <p16:designElem xmlns:p16="http://schemas.microsoft.com/office/powerpoint/2015/main" val="1"/>
+              </p:ext>
+            </p:extLst>
+          </p:nvPr>
+        </p:nvSpPr>
+        <p:spPr>
+          <a:xfrm flipH="1" flipV="1">
+            <a:off x="-2" y="1998845"/>
+            <a:ext cx="11454595" cy="781699"/>
+          </a:xfrm>
+          <a:prstGeom prst="rect">
+            <a:avLst/>
+          </a:prstGeom>
+          <a:solidFill>
+            <a:schemeClr val="accent4"/>
+          </a:solidFill>
+          <a:ln>
+            <a:noFill/>
+          </a:ln>
+        </p:spPr>
+        <p:style>
+          <a:lnRef idx="2">
+            <a:schemeClr val="accent1">
+              <a:shade val="50000"/>
+            </a:schemeClr>
+          </a:lnRef>
+          <a:fillRef idx="1">
+            <a:schemeClr val="accent1"/>
+          </a:fillRef>
+          <a:effectRef idx="0">
+            <a:schemeClr val="accent1"/>
+          </a:effectRef>
+          <a:fontRef idx="minor">
+            <a:schemeClr val="lt1"/>
+          </a:fontRef>
+        </p:style>
+        <p:txBody>
+          <a:bodyPr rtlCol="0" anchor="ctr"/>
+          <a:lstStyle/>
+          <a:p>
+            <a:pPr algn="ctr"/>
+            <a:endParaRPr lang="en-US"/>
+          </a:p>
+        </p:txBody>
+      </p:sp>
+      <p:sp>
+        <p:nvSpPr>
+          <p:cNvPr id="23" name="Rectangle 14">
+            <a:extLst>
+              <a:ext uri="{FF2B5EF4-FFF2-40B4-BE49-F238E27FC236}">
+                <a16:creationId xmlns:a16="http://schemas.microsoft.com/office/drawing/2014/main" id="{E659831F-0D9A-4C63-9EBB-8435B85A440F}"/>
+              </a:ext>
+              <a:ext uri="{C183D7F6-B498-43B3-948B-1728B52AA6E4}">
+                <adec:decorative xmlns:adec="http://schemas.microsoft.com/office/drawing/2017/decorative" val="1"/>
+              </a:ext>
+            </a:extLst>
+          </p:cNvPr>
+          <p:cNvSpPr>
+            <a:spLocks noGrp="1" noRot="1" noChangeAspect="1" noMove="1" noResize="1" noEditPoints="1" noAdjustHandles="1" noChangeArrowheads="1" noChangeShapeType="1" noTextEdit="1"/>
+          </p:cNvSpPr>
+          <p:nvPr>
+            <p:extLst>
+              <p:ext uri="{386F3935-93C4-4BCD-93E2-E3B085C9AB24}">
+                <p16:designElem xmlns:p16="http://schemas.microsoft.com/office/powerpoint/2015/main" val="1"/>
+              </p:ext>
+            </p:extLst>
+          </p:nvPr>
+        </p:nvSpPr>
+        <p:spPr>
+          <a:xfrm>
+            <a:off x="0" y="2203079"/>
+            <a:ext cx="11383362" cy="4267991"/>
+          </a:xfrm>
+          <a:prstGeom prst="rect">
+            <a:avLst/>
+          </a:prstGeom>
+          <a:solidFill>
+            <a:schemeClr val="bg1"/>
+          </a:solidFill>
+          <a:ln>
+            <a:noFill/>
+          </a:ln>
+          <a:effectLst>
+            <a:outerShdw blurRad="139700" dist="127000" dir="5400000" algn="t" rotWithShape="0">
+              <a:prstClr val="black">
+                <a:alpha val="15000"/>
+              </a:prstClr>
+            </a:outerShdw>
+          </a:effectLst>
+        </p:spPr>
+        <p:style>
+          <a:lnRef idx="2">
+            <a:schemeClr val="accent1">
+              <a:shade val="50000"/>
+            </a:schemeClr>
+          </a:lnRef>
+          <a:fillRef idx="1">
+            <a:schemeClr val="accent1"/>
+          </a:fillRef>
+          <a:effectRef idx="0">
+            <a:schemeClr val="accent1"/>
+          </a:effectRef>
+          <a:fontRef idx="minor">
+            <a:schemeClr val="lt1"/>
+          </a:fontRef>
+        </p:style>
+        <p:txBody>
+          <a:bodyPr rtlCol="0" anchor="ctr"/>
+          <a:lstStyle/>
+          <a:p>
+            <a:pPr algn="ctr"/>
+            <a:endParaRPr lang="en-US"/>
+          </a:p>
+        </p:txBody>
+      </p:sp>
+      <p:sp>
+        <p:nvSpPr>
+          <p:cNvPr id="24" name="Rectangle 16">
+            <a:extLst>
+              <a:ext uri="{FF2B5EF4-FFF2-40B4-BE49-F238E27FC236}">
+                <a16:creationId xmlns:a16="http://schemas.microsoft.com/office/drawing/2014/main" id="{E6995CE5-F890-4ABA-82A2-26507CE8D2A3}"/>
+              </a:ext>
+              <a:ext uri="{C183D7F6-B498-43B3-948B-1728B52AA6E4}">
+                <adec:decorative xmlns:adec="http://schemas.microsoft.com/office/drawing/2017/decorative" val="1"/>
+              </a:ext>
+            </a:extLst>
+          </p:cNvPr>
+          <p:cNvSpPr>
+            <a:spLocks noGrp="1" noRot="1" noChangeAspect="1" noMove="1" noResize="1" noEditPoints="1" noAdjustHandles="1" noChangeArrowheads="1" noChangeShapeType="1" noTextEdit="1"/>
+          </p:cNvSpPr>
+          <p:nvPr>
+            <p:extLst>
+              <p:ext uri="{386F3935-93C4-4BCD-93E2-E3B085C9AB24}">
+                <p16:designElem xmlns:p16="http://schemas.microsoft.com/office/powerpoint/2015/main" val="1"/>
+              </p:ext>
+            </p:extLst>
+          </p:nvPr>
+        </p:nvSpPr>
+        <p:spPr>
+          <a:xfrm rot="5400000">
+            <a:off x="11228040" y="2313027"/>
+            <a:ext cx="781700" cy="152382"/>
+          </a:xfrm>
+          <a:prstGeom prst="rect">
+            <a:avLst/>
+          </a:prstGeom>
+          <a:solidFill>
+            <a:schemeClr val="accent4"/>
+          </a:solidFill>
+          <a:ln>
+            <a:noFill/>
+          </a:ln>
+        </p:spPr>
+        <p:style>
+          <a:lnRef idx="2">
+            <a:schemeClr val="accent1">
+              <a:shade val="50000"/>
+            </a:schemeClr>
+          </a:lnRef>
+          <a:fillRef idx="1">
+            <a:schemeClr val="accent1"/>
+          </a:fillRef>
+          <a:effectRef idx="0">
+            <a:schemeClr val="accent1"/>
+          </a:effectRef>
+          <a:fontRef idx="minor">
+            <a:schemeClr val="lt1"/>
+          </a:fontRef>
+        </p:style>
+        <p:txBody>
+          <a:bodyPr rtlCol="0" anchor="ctr"/>
+          <a:lstStyle/>
+          <a:p>
+            <a:pPr algn="ctr"/>
+            <a:endParaRPr lang="en-US"/>
+          </a:p>
+        </p:txBody>
+      </p:sp>
+      <p:pic>
+        <p:nvPicPr>
+          <p:cNvPr id="4098" name="Picture 2">
+            <a:extLst>
+              <a:ext uri="{FF2B5EF4-FFF2-40B4-BE49-F238E27FC236}">
+                <a16:creationId xmlns:a16="http://schemas.microsoft.com/office/drawing/2014/main" id="{86B8DCED-3B4C-4081-90CE-7052AA13A061}"/>
+              </a:ext>
+            </a:extLst>
+          </p:cNvPr>
+          <p:cNvPicPr>
+            <a:picLocks noChangeAspect="1" noChangeArrowheads="1"/>
+          </p:cNvPicPr>
+          <p:nvPr/>
+        </p:nvPicPr>
+        <p:blipFill rotWithShape="1">
+          <a:blip r:embed="rId2">
+            <a:extLst>
+              <a:ext uri="{28A0092B-C50C-407E-A947-70E740481C1C}">
+                <a14:useLocalDpi xmlns:a14="http://schemas.microsoft.com/office/drawing/2010/main" val="0"/>
+              </a:ext>
+            </a:extLst>
+          </a:blip>
+          <a:srcRect b="43017"/>
+          <a:stretch/>
+        </p:blipFill>
+        <p:spPr bwMode="auto">
+          <a:xfrm>
+            <a:off x="1420039" y="2249675"/>
+            <a:ext cx="3621087" cy="3907934"/>
+          </a:xfrm>
+          <a:prstGeom prst="rect">
+            <a:avLst/>
+          </a:prstGeom>
+          <a:noFill/>
+          <a:extLst>
+            <a:ext uri="{909E8E84-426E-40DD-AFC4-6F175D3DCCD1}">
+              <a14:hiddenFill xmlns:a14="http://schemas.microsoft.com/office/drawing/2010/main">
+                <a:solidFill>
+                  <a:srgbClr val="FFFFFF"/>
+                </a:solidFill>
+              </a14:hiddenFill>
+            </a:ext>
+          </a:extLst>
+        </p:spPr>
+      </p:pic>
+      <p:pic>
+        <p:nvPicPr>
+          <p:cNvPr id="9" name="Picture 2">
+            <a:extLst>
+              <a:ext uri="{FF2B5EF4-FFF2-40B4-BE49-F238E27FC236}">
+                <a16:creationId xmlns:a16="http://schemas.microsoft.com/office/drawing/2014/main" id="{F89B261A-23DE-4067-8D0B-0DE85E023A7A}"/>
+              </a:ext>
+            </a:extLst>
+          </p:cNvPr>
+          <p:cNvPicPr>
+            <a:picLocks noChangeAspect="1" noChangeArrowheads="1"/>
+          </p:cNvPicPr>
+          <p:nvPr/>
+        </p:nvPicPr>
+        <p:blipFill rotWithShape="1">
+          <a:blip r:embed="rId2">
+            <a:extLst>
+              <a:ext uri="{28A0092B-C50C-407E-A947-70E740481C1C}">
+                <a14:useLocalDpi xmlns:a14="http://schemas.microsoft.com/office/drawing/2010/main" val="0"/>
+              </a:ext>
+            </a:extLst>
+          </a:blip>
+          <a:srcRect t="58413"/>
+          <a:stretch/>
+        </p:blipFill>
+        <p:spPr bwMode="auto">
+          <a:xfrm>
+            <a:off x="6461165" y="2780067"/>
+            <a:ext cx="3621087" cy="2852011"/>
+          </a:xfrm>
+          <a:prstGeom prst="rect">
+            <a:avLst/>
+          </a:prstGeom>
+          <a:noFill/>
+          <a:extLst>
+            <a:ext uri="{909E8E84-426E-40DD-AFC4-6F175D3DCCD1}">
+              <a14:hiddenFill xmlns:a14="http://schemas.microsoft.com/office/drawing/2010/main">
+                <a:solidFill>
+                  <a:srgbClr val="FFFFFF"/>
+                </a:solidFill>
+              </a14:hiddenFill>
+            </a:ext>
+          </a:extLst>
+        </p:spPr>
+      </p:pic>
+      <p:sp>
+        <p:nvSpPr>
+          <p:cNvPr id="3" name="Slide Number Placeholder 2">
+            <a:extLst>
+              <a:ext uri="{FF2B5EF4-FFF2-40B4-BE49-F238E27FC236}">
+                <a16:creationId xmlns:a16="http://schemas.microsoft.com/office/drawing/2014/main" id="{8AB94101-63D1-43BF-84E6-52009C80F67F}"/>
+              </a:ext>
+            </a:extLst>
+          </p:cNvPr>
+          <p:cNvSpPr>
+            <a:spLocks noGrp="1"/>
+          </p:cNvSpPr>
+          <p:nvPr>
+            <p:ph type="sldNum" sz="quarter" idx="12"/>
+          </p:nvPr>
+        </p:nvSpPr>
+        <p:spPr/>
+        <p:txBody>
+          <a:bodyPr/>
+          <a:lstStyle/>
+          <a:p>
+            <a:fld id="{43B0AB4A-0575-400B-9EA0-B9BBCBE45FA9}" type="slidenum">
+              <a:rPr lang="fr-FR" smtClean="0"/>
+              <a:t>15</a:t>
+            </a:fld>
+            <a:endParaRPr lang="fr-FR"/>
+          </a:p>
+        </p:txBody>
+      </p:sp>
+    </p:spTree>
+    <p:extLst>
+      <p:ext uri="{BB962C8B-B14F-4D97-AF65-F5344CB8AC3E}">
+        <p14:creationId xmlns:p14="http://schemas.microsoft.com/office/powerpoint/2010/main" val="1169537002"/>
+      </p:ext>
+    </p:extLst>
+  </p:cSld>
+  <p:clrMapOvr>
+    <a:masterClrMapping/>
+  </p:clrMapOvr>
+</p:sld>
+</file>
+
+<file path=ppt/slides/slide16.xml><?xml version="1.0" encoding="utf-8"?>
+<p:sld xmlns:a="http://schemas.openxmlformats.org/drawingml/2006/main" xmlns:r="http://schemas.openxmlformats.org/officeDocument/2006/relationships" xmlns:p="http://schemas.openxmlformats.org/presentationml/2006/main">
+  <p:cSld>
+    <p:bg>
+      <p:bgPr>
+        <a:solidFill>
+          <a:schemeClr val="bg1"/>
+        </a:solidFill>
+        <a:effectLst/>
+      </p:bgPr>
+    </p:bg>
+    <p:spTree>
+      <p:nvGrpSpPr>
+        <p:cNvPr id="1" name=""/>
+        <p:cNvGrpSpPr/>
+        <p:nvPr/>
+      </p:nvGrpSpPr>
+      <p:grpSpPr>
+        <a:xfrm>
+          <a:off x="0" y="0"/>
+          <a:ext cx="0" cy="0"/>
+          <a:chOff x="0" y="0"/>
+          <a:chExt cx="0" cy="0"/>
+        </a:xfrm>
+      </p:grpSpPr>
+      <p:sp useBgFill="1">
+        <p:nvSpPr>
+          <p:cNvPr id="21" name="Rectangle 10">
+            <a:extLst>
+              <a:ext uri="{FF2B5EF4-FFF2-40B4-BE49-F238E27FC236}">
+                <a16:creationId xmlns:a16="http://schemas.microsoft.com/office/drawing/2014/main" id="{117AB3D3-3C9C-4DED-809A-78734805B895}"/>
+              </a:ext>
+              <a:ext uri="{C183D7F6-B498-43B3-948B-1728B52AA6E4}">
+                <adec:decorative xmlns:adec="http://schemas.microsoft.com/office/drawing/2017/decorative" val="1"/>
+              </a:ext>
+            </a:extLst>
+          </p:cNvPr>
+          <p:cNvSpPr>
+            <a:spLocks noGrp="1" noRot="1" noChangeAspect="1" noMove="1" noResize="1" noEditPoints="1" noAdjustHandles="1" noChangeArrowheads="1" noChangeShapeType="1" noTextEdit="1"/>
+          </p:cNvSpPr>
+          <p:nvPr>
+            <p:extLst>
+              <p:ext uri="{386F3935-93C4-4BCD-93E2-E3B085C9AB24}">
+                <p16:designElem xmlns:p16="http://schemas.microsoft.com/office/powerpoint/2015/main" val="1"/>
+              </p:ext>
+            </p:extLst>
+          </p:nvPr>
+        </p:nvSpPr>
+        <p:spPr>
+          <a:xfrm>
+            <a:off x="0" y="0"/>
+            <a:ext cx="12191999" cy="6857365"/>
+          </a:xfrm>
+          <a:prstGeom prst="rect">
+            <a:avLst/>
+          </a:prstGeom>
+          <a:ln>
+            <a:noFill/>
+          </a:ln>
+        </p:spPr>
+        <p:style>
+          <a:lnRef idx="2">
+            <a:schemeClr val="accent1">
+              <a:shade val="50000"/>
+            </a:schemeClr>
+          </a:lnRef>
+          <a:fillRef idx="1">
+            <a:schemeClr val="accent1"/>
+          </a:fillRef>
+          <a:effectRef idx="0">
+            <a:schemeClr val="accent1"/>
+          </a:effectRef>
+          <a:fontRef idx="minor">
+            <a:schemeClr val="lt1"/>
+          </a:fontRef>
+        </p:style>
+        <p:txBody>
+          <a:bodyPr rtlCol="0" anchor="ctr"/>
+          <a:lstStyle/>
+          <a:p>
+            <a:pPr algn="ctr"/>
+            <a:endParaRPr lang="en-US"/>
+          </a:p>
+        </p:txBody>
+      </p:sp>
+      <p:sp>
+        <p:nvSpPr>
+          <p:cNvPr id="2" name="Titre 1">
+            <a:extLst>
+              <a:ext uri="{FF2B5EF4-FFF2-40B4-BE49-F238E27FC236}">
+                <a16:creationId xmlns:a16="http://schemas.microsoft.com/office/drawing/2014/main" id="{CA393FC2-0522-462A-80C8-E62EB1B92DA3}"/>
+              </a:ext>
+            </a:extLst>
+          </p:cNvPr>
+          <p:cNvSpPr>
+            <a:spLocks noGrp="1"/>
+          </p:cNvSpPr>
+          <p:nvPr>
+            <p:ph type="title"/>
+          </p:nvPr>
+        </p:nvSpPr>
+        <p:spPr>
+          <a:xfrm>
+            <a:off x="793662" y="386930"/>
+            <a:ext cx="10066122" cy="1298448"/>
+          </a:xfrm>
+        </p:spPr>
+        <p:txBody>
+          <a:bodyPr vert="horz" lIns="91440" tIns="45720" rIns="91440" bIns="45720" rtlCol="0" anchor="b">
+            <a:normAutofit/>
+          </a:bodyPr>
+          <a:lstStyle/>
+          <a:p>
+            <a:r>
+              <a:rPr lang="en-US" sz="4800" dirty="0"/>
+              <a:t>Limites</a:t>
+            </a:r>
+          </a:p>
+        </p:txBody>
+      </p:sp>
+      <p:sp>
+        <p:nvSpPr>
+          <p:cNvPr id="22" name="Rectangle 12">
+            <a:extLst>
+              <a:ext uri="{FF2B5EF4-FFF2-40B4-BE49-F238E27FC236}">
+                <a16:creationId xmlns:a16="http://schemas.microsoft.com/office/drawing/2014/main" id="{3A9A4357-BD1D-4622-A4FE-766E6AB8DE84}"/>
+              </a:ext>
+              <a:ext uri="{C183D7F6-B498-43B3-948B-1728B52AA6E4}">
+                <adec:decorative xmlns:adec="http://schemas.microsoft.com/office/drawing/2017/decorative" val="1"/>
+              </a:ext>
+            </a:extLst>
+          </p:cNvPr>
+          <p:cNvSpPr>
+            <a:spLocks noGrp="1" noRot="1" noChangeAspect="1" noMove="1" noResize="1" noEditPoints="1" noAdjustHandles="1" noChangeArrowheads="1" noChangeShapeType="1" noTextEdit="1"/>
+          </p:cNvSpPr>
+          <p:nvPr>
+            <p:extLst>
+              <p:ext uri="{386F3935-93C4-4BCD-93E2-E3B085C9AB24}">
+                <p16:designElem xmlns:p16="http://schemas.microsoft.com/office/powerpoint/2015/main" val="1"/>
+              </p:ext>
+            </p:extLst>
+          </p:nvPr>
+        </p:nvSpPr>
+        <p:spPr>
+          <a:xfrm flipH="1" flipV="1">
+            <a:off x="-2" y="1998845"/>
+            <a:ext cx="11454595" cy="781699"/>
+          </a:xfrm>
+          <a:prstGeom prst="rect">
+            <a:avLst/>
+          </a:prstGeom>
+          <a:solidFill>
+            <a:schemeClr val="accent4"/>
+          </a:solidFill>
+          <a:ln>
+            <a:noFill/>
+          </a:ln>
+        </p:spPr>
+        <p:style>
+          <a:lnRef idx="2">
+            <a:schemeClr val="accent1">
+              <a:shade val="50000"/>
+            </a:schemeClr>
+          </a:lnRef>
+          <a:fillRef idx="1">
+            <a:schemeClr val="accent1"/>
+          </a:fillRef>
+          <a:effectRef idx="0">
+            <a:schemeClr val="accent1"/>
+          </a:effectRef>
+          <a:fontRef idx="minor">
+            <a:schemeClr val="lt1"/>
+          </a:fontRef>
+        </p:style>
+        <p:txBody>
+          <a:bodyPr rtlCol="0" anchor="ctr"/>
+          <a:lstStyle/>
+          <a:p>
+            <a:pPr algn="ctr"/>
+            <a:endParaRPr lang="en-US"/>
+          </a:p>
+        </p:txBody>
+      </p:sp>
+      <p:sp>
+        <p:nvSpPr>
+          <p:cNvPr id="23" name="Rectangle 14">
+            <a:extLst>
+              <a:ext uri="{FF2B5EF4-FFF2-40B4-BE49-F238E27FC236}">
+                <a16:creationId xmlns:a16="http://schemas.microsoft.com/office/drawing/2014/main" id="{E659831F-0D9A-4C63-9EBB-8435B85A440F}"/>
+              </a:ext>
+              <a:ext uri="{C183D7F6-B498-43B3-948B-1728B52AA6E4}">
+                <adec:decorative xmlns:adec="http://schemas.microsoft.com/office/drawing/2017/decorative" val="1"/>
+              </a:ext>
+            </a:extLst>
+          </p:cNvPr>
+          <p:cNvSpPr>
+            <a:spLocks noGrp="1" noRot="1" noChangeAspect="1" noMove="1" noResize="1" noEditPoints="1" noAdjustHandles="1" noChangeArrowheads="1" noChangeShapeType="1" noTextEdit="1"/>
+          </p:cNvSpPr>
+          <p:nvPr>
+            <p:extLst>
+              <p:ext uri="{386F3935-93C4-4BCD-93E2-E3B085C9AB24}">
+                <p16:designElem xmlns:p16="http://schemas.microsoft.com/office/powerpoint/2015/main" val="1"/>
+              </p:ext>
+            </p:extLst>
+          </p:nvPr>
+        </p:nvSpPr>
+        <p:spPr>
+          <a:xfrm>
+            <a:off x="0" y="2203079"/>
+            <a:ext cx="11383362" cy="4267991"/>
+          </a:xfrm>
+          <a:prstGeom prst="rect">
+            <a:avLst/>
+          </a:prstGeom>
+          <a:solidFill>
+            <a:schemeClr val="bg1"/>
+          </a:solidFill>
+          <a:ln>
+            <a:noFill/>
+          </a:ln>
+          <a:effectLst>
+            <a:outerShdw blurRad="139700" dist="127000" dir="5400000" algn="t" rotWithShape="0">
+              <a:prstClr val="black">
+                <a:alpha val="15000"/>
+              </a:prstClr>
+            </a:outerShdw>
+          </a:effectLst>
+        </p:spPr>
+        <p:style>
+          <a:lnRef idx="2">
+            <a:schemeClr val="accent1">
+              <a:shade val="50000"/>
+            </a:schemeClr>
+          </a:lnRef>
+          <a:fillRef idx="1">
+            <a:schemeClr val="accent1"/>
+          </a:fillRef>
+          <a:effectRef idx="0">
+            <a:schemeClr val="accent1"/>
+          </a:effectRef>
+          <a:fontRef idx="minor">
+            <a:schemeClr val="lt1"/>
+          </a:fontRef>
+        </p:style>
+        <p:txBody>
+          <a:bodyPr rtlCol="0" anchor="ctr"/>
+          <a:lstStyle/>
+          <a:p>
+            <a:pPr algn="ctr"/>
+            <a:endParaRPr lang="en-US"/>
+          </a:p>
+        </p:txBody>
+      </p:sp>
+      <p:sp>
+        <p:nvSpPr>
+          <p:cNvPr id="4" name="ZoneTexte 3">
+            <a:extLst>
+              <a:ext uri="{FF2B5EF4-FFF2-40B4-BE49-F238E27FC236}">
+                <a16:creationId xmlns:a16="http://schemas.microsoft.com/office/drawing/2014/main" id="{04C66DE6-AD86-4EF2-AE66-BF1155152507}"/>
+              </a:ext>
+            </a:extLst>
+          </p:cNvPr>
+          <p:cNvSpPr txBox="1"/>
+          <p:nvPr/>
+        </p:nvSpPr>
+        <p:spPr>
+          <a:xfrm>
+            <a:off x="793662" y="2203079"/>
+            <a:ext cx="9396818" cy="3922479"/>
+          </a:xfrm>
+          <a:prstGeom prst="rect">
+            <a:avLst/>
+          </a:prstGeom>
+        </p:spPr>
+        <p:txBody>
+          <a:bodyPr vert="horz" lIns="91440" tIns="45720" rIns="91440" bIns="45720" rtlCol="0" anchor="ctr">
+            <a:normAutofit/>
+          </a:bodyPr>
+          <a:lstStyle/>
+          <a:p>
+            <a:pPr marL="285750" indent="-228600">
+              <a:lnSpc>
+                <a:spcPct val="250000"/>
+              </a:lnSpc>
+              <a:spcAft>
+                <a:spcPts val="600"/>
+              </a:spcAft>
+              <a:buFont typeface="Arial" panose="020B0604020202020204" pitchFamily="34" charset="0"/>
+              <a:buChar char="•"/>
+            </a:pPr>
+            <a:r>
+              <a:rPr lang="en-US" sz="2800" dirty="0" err="1"/>
+              <a:t>Température</a:t>
+            </a:r>
+            <a:r>
+              <a:rPr lang="en-US" sz="2800" dirty="0"/>
+              <a:t> </a:t>
+            </a:r>
+            <a:r>
+              <a:rPr lang="en-US" sz="2800" dirty="0" err="1"/>
+              <a:t>d’utilisation</a:t>
+            </a:r>
+            <a:r>
+              <a:rPr lang="en-US" sz="2800" dirty="0"/>
+              <a:t> : -30°C à +85°C</a:t>
+            </a:r>
+          </a:p>
+          <a:p>
+            <a:pPr marL="285750" indent="-228600">
+              <a:lnSpc>
+                <a:spcPct val="250000"/>
+              </a:lnSpc>
+              <a:spcAft>
+                <a:spcPts val="600"/>
+              </a:spcAft>
+              <a:buFont typeface="Arial" panose="020B0604020202020204" pitchFamily="34" charset="0"/>
+              <a:buChar char="•"/>
+            </a:pPr>
+            <a:r>
+              <a:rPr lang="en-US" sz="2800" dirty="0" err="1"/>
+              <a:t>Température</a:t>
+            </a:r>
+            <a:r>
+              <a:rPr lang="en-US" sz="2800" dirty="0"/>
+              <a:t> sans alim : -40°C à +125°C</a:t>
+            </a:r>
+          </a:p>
+          <a:p>
+            <a:pPr marL="285750" indent="-228600">
+              <a:lnSpc>
+                <a:spcPct val="250000"/>
+              </a:lnSpc>
+              <a:spcAft>
+                <a:spcPts val="600"/>
+              </a:spcAft>
+              <a:buFont typeface="Arial" panose="020B0604020202020204" pitchFamily="34" charset="0"/>
+              <a:buChar char="•"/>
+            </a:pPr>
+            <a:r>
+              <a:rPr lang="en-US" sz="2800" dirty="0"/>
+              <a:t>Tension </a:t>
+            </a:r>
+            <a:r>
+              <a:rPr lang="en-US" sz="2800" dirty="0" err="1"/>
+              <a:t>d’utilisation</a:t>
+            </a:r>
+            <a:r>
+              <a:rPr lang="en-US" sz="2800" dirty="0"/>
+              <a:t> : +1,65 V à +1,95 V</a:t>
+            </a:r>
+          </a:p>
+        </p:txBody>
+      </p:sp>
+      <p:sp>
+        <p:nvSpPr>
+          <p:cNvPr id="24" name="Rectangle 16">
+            <a:extLst>
+              <a:ext uri="{FF2B5EF4-FFF2-40B4-BE49-F238E27FC236}">
+                <a16:creationId xmlns:a16="http://schemas.microsoft.com/office/drawing/2014/main" id="{E6995CE5-F890-4ABA-82A2-26507CE8D2A3}"/>
+              </a:ext>
+              <a:ext uri="{C183D7F6-B498-43B3-948B-1728B52AA6E4}">
+                <adec:decorative xmlns:adec="http://schemas.microsoft.com/office/drawing/2017/decorative" val="1"/>
+              </a:ext>
+            </a:extLst>
+          </p:cNvPr>
+          <p:cNvSpPr>
+            <a:spLocks noGrp="1" noRot="1" noChangeAspect="1" noMove="1" noResize="1" noEditPoints="1" noAdjustHandles="1" noChangeArrowheads="1" noChangeShapeType="1" noTextEdit="1"/>
+          </p:cNvSpPr>
+          <p:nvPr>
+            <p:extLst>
+              <p:ext uri="{386F3935-93C4-4BCD-93E2-E3B085C9AB24}">
+                <p16:designElem xmlns:p16="http://schemas.microsoft.com/office/powerpoint/2015/main" val="1"/>
+              </p:ext>
+            </p:extLst>
+          </p:nvPr>
+        </p:nvSpPr>
+        <p:spPr>
+          <a:xfrm rot="5400000">
+            <a:off x="11228040" y="2313027"/>
+            <a:ext cx="781700" cy="152382"/>
+          </a:xfrm>
+          <a:prstGeom prst="rect">
+            <a:avLst/>
+          </a:prstGeom>
+          <a:solidFill>
+            <a:schemeClr val="accent4"/>
+          </a:solidFill>
+          <a:ln>
+            <a:noFill/>
+          </a:ln>
+        </p:spPr>
+        <p:style>
+          <a:lnRef idx="2">
+            <a:schemeClr val="accent1">
+              <a:shade val="50000"/>
+            </a:schemeClr>
+          </a:lnRef>
+          <a:fillRef idx="1">
+            <a:schemeClr val="accent1"/>
+          </a:fillRef>
+          <a:effectRef idx="0">
+            <a:schemeClr val="accent1"/>
+          </a:effectRef>
+          <a:fontRef idx="minor">
+            <a:schemeClr val="lt1"/>
+          </a:fontRef>
+        </p:style>
+        <p:txBody>
+          <a:bodyPr rtlCol="0" anchor="ctr"/>
+          <a:lstStyle/>
+          <a:p>
+            <a:pPr algn="ctr"/>
+            <a:endParaRPr lang="en-US"/>
+          </a:p>
+        </p:txBody>
+      </p:sp>
+      <p:sp>
+        <p:nvSpPr>
+          <p:cNvPr id="3" name="Slide Number Placeholder 2">
+            <a:extLst>
+              <a:ext uri="{FF2B5EF4-FFF2-40B4-BE49-F238E27FC236}">
+                <a16:creationId xmlns:a16="http://schemas.microsoft.com/office/drawing/2014/main" id="{BF50EF48-5413-451E-9E8B-EEED25010639}"/>
+              </a:ext>
+            </a:extLst>
+          </p:cNvPr>
+          <p:cNvSpPr>
+            <a:spLocks noGrp="1"/>
+          </p:cNvSpPr>
+          <p:nvPr>
+            <p:ph type="sldNum" sz="quarter" idx="12"/>
+          </p:nvPr>
+        </p:nvSpPr>
+        <p:spPr/>
+        <p:txBody>
+          <a:bodyPr/>
+          <a:lstStyle/>
+          <a:p>
+            <a:fld id="{43B0AB4A-0575-400B-9EA0-B9BBCBE45FA9}" type="slidenum">
+              <a:rPr lang="fr-FR" smtClean="0"/>
+              <a:t>16</a:t>
+            </a:fld>
+            <a:endParaRPr lang="fr-FR"/>
+          </a:p>
+        </p:txBody>
+      </p:sp>
+    </p:spTree>
+    <p:extLst>
+      <p:ext uri="{BB962C8B-B14F-4D97-AF65-F5344CB8AC3E}">
+        <p14:creationId xmlns:p14="http://schemas.microsoft.com/office/powerpoint/2010/main" val="222704175"/>
+      </p:ext>
+    </p:extLst>
+  </p:cSld>
+  <p:clrMapOvr>
+    <a:masterClrMapping/>
+  </p:clrMapOvr>
+</p:sld>
+</file>
+
+<file path=ppt/slides/slide17.xml><?xml version="1.0" encoding="utf-8"?>
+<p:sld xmlns:a="http://schemas.openxmlformats.org/drawingml/2006/main" xmlns:r="http://schemas.openxmlformats.org/officeDocument/2006/relationships" xmlns:p="http://schemas.openxmlformats.org/presentationml/2006/main">
+  <p:cSld>
+    <p:bg>
+      <p:bgPr>
+        <a:solidFill>
+          <a:schemeClr val="bg1"/>
+        </a:solidFill>
+        <a:effectLst/>
+      </p:bgPr>
+    </p:bg>
+    <p:spTree>
+      <p:nvGrpSpPr>
+        <p:cNvPr id="1" name=""/>
+        <p:cNvGrpSpPr/>
+        <p:nvPr/>
+      </p:nvGrpSpPr>
+      <p:grpSpPr>
+        <a:xfrm>
+          <a:off x="0" y="0"/>
+          <a:ext cx="0" cy="0"/>
+          <a:chOff x="0" y="0"/>
+          <a:chExt cx="0" cy="0"/>
+        </a:xfrm>
+      </p:grpSpPr>
+      <p:sp useBgFill="1">
+        <p:nvSpPr>
+          <p:cNvPr id="8" name="Rectangle 7">
+            <a:extLst>
+              <a:ext uri="{FF2B5EF4-FFF2-40B4-BE49-F238E27FC236}">
+                <a16:creationId xmlns:a16="http://schemas.microsoft.com/office/drawing/2014/main" id="{4522B21E-B2B9-4C72-9A71-C87EFD137480}"/>
+              </a:ext>
+              <a:ext uri="{C183D7F6-B498-43B3-948B-1728B52AA6E4}">
+                <adec:decorative xmlns:adec="http://schemas.microsoft.com/office/drawing/2017/decorative" val="1"/>
+              </a:ext>
+            </a:extLst>
+          </p:cNvPr>
+          <p:cNvSpPr>
+            <a:spLocks noGrp="1" noRot="1" noChangeAspect="1" noMove="1" noResize="1" noEditPoints="1" noAdjustHandles="1" noChangeArrowheads="1" noChangeShapeType="1" noTextEdit="1"/>
+          </p:cNvSpPr>
+          <p:nvPr>
+            <p:extLst>
+              <p:ext uri="{386F3935-93C4-4BCD-93E2-E3B085C9AB24}">
+                <p16:designElem xmlns:p16="http://schemas.microsoft.com/office/powerpoint/2015/main" val="1"/>
+              </p:ext>
+            </p:extLst>
+          </p:nvPr>
+        </p:nvSpPr>
+        <p:spPr>
+          <a:xfrm>
+            <a:off x="0" y="0"/>
+            <a:ext cx="12191999" cy="6857365"/>
+          </a:xfrm>
+          <a:prstGeom prst="rect">
+            <a:avLst/>
+          </a:prstGeom>
+          <a:ln>
+            <a:noFill/>
+          </a:ln>
+        </p:spPr>
+        <p:style>
+          <a:lnRef idx="2">
+            <a:schemeClr val="accent1">
+              <a:shade val="50000"/>
+            </a:schemeClr>
+          </a:lnRef>
+          <a:fillRef idx="1">
+            <a:schemeClr val="accent1"/>
+          </a:fillRef>
+          <a:effectRef idx="0">
+            <a:schemeClr val="accent1"/>
+          </a:effectRef>
+          <a:fontRef idx="minor">
+            <a:schemeClr val="lt1"/>
+          </a:fontRef>
+        </p:style>
+        <p:txBody>
+          <a:bodyPr rtlCol="0" anchor="ctr"/>
+          <a:lstStyle/>
+          <a:p>
+            <a:pPr algn="ctr"/>
+            <a:endParaRPr lang="en-US"/>
+          </a:p>
+        </p:txBody>
+      </p:sp>
+      <p:sp>
+        <p:nvSpPr>
+          <p:cNvPr id="10" name="Rectangle 9">
+            <a:extLst>
+              <a:ext uri="{FF2B5EF4-FFF2-40B4-BE49-F238E27FC236}">
+                <a16:creationId xmlns:a16="http://schemas.microsoft.com/office/drawing/2014/main" id="{5EB7D2A2-F448-44D4-938C-DC84CBCB3B1E}"/>
+              </a:ext>
+              <a:ext uri="{C183D7F6-B498-43B3-948B-1728B52AA6E4}">
+                <adec:decorative xmlns:adec="http://schemas.microsoft.com/office/drawing/2017/decorative" val="1"/>
+              </a:ext>
+            </a:extLst>
+          </p:cNvPr>
+          <p:cNvSpPr>
+            <a:spLocks noGrp="1" noRot="1" noChangeAspect="1" noMove="1" noResize="1" noEditPoints="1" noAdjustHandles="1" noChangeArrowheads="1" noChangeShapeType="1" noTextEdit="1"/>
+          </p:cNvSpPr>
+          <p:nvPr>
+            <p:extLst>
+              <p:ext uri="{386F3935-93C4-4BCD-93E2-E3B085C9AB24}">
+                <p16:designElem xmlns:p16="http://schemas.microsoft.com/office/powerpoint/2015/main" val="1"/>
+              </p:ext>
+            </p:extLst>
+          </p:nvPr>
+        </p:nvSpPr>
+        <p:spPr>
+          <a:xfrm>
+            <a:off x="0" y="2"/>
+            <a:ext cx="12192000" cy="4412583"/>
+          </a:xfrm>
+          <a:prstGeom prst="rect">
+            <a:avLst/>
+          </a:prstGeom>
+          <a:solidFill>
+            <a:schemeClr val="accent4"/>
+          </a:solidFill>
+          <a:ln>
+            <a:noFill/>
+          </a:ln>
+        </p:spPr>
+        <p:style>
+          <a:lnRef idx="2">
+            <a:schemeClr val="accent1">
+              <a:shade val="50000"/>
+            </a:schemeClr>
+          </a:lnRef>
+          <a:fillRef idx="1">
+            <a:schemeClr val="accent1"/>
+          </a:fillRef>
+          <a:effectRef idx="0">
+            <a:schemeClr val="accent1"/>
+          </a:effectRef>
+          <a:fontRef idx="minor">
+            <a:schemeClr val="lt1"/>
+          </a:fontRef>
+        </p:style>
+        <p:txBody>
+          <a:bodyPr rtlCol="0" anchor="ctr"/>
+          <a:lstStyle/>
+          <a:p>
+            <a:pPr algn="ctr"/>
+            <a:endParaRPr lang="en-US" dirty="0"/>
+          </a:p>
+        </p:txBody>
+      </p:sp>
+      <p:sp>
+        <p:nvSpPr>
+          <p:cNvPr id="12" name="Rectangle 11">
+            <a:extLst>
+              <a:ext uri="{FF2B5EF4-FFF2-40B4-BE49-F238E27FC236}">
+                <a16:creationId xmlns:a16="http://schemas.microsoft.com/office/drawing/2014/main" id="{871AEA07-1E14-44B4-8E55-64EF049CD66F}"/>
+              </a:ext>
+              <a:ext uri="{C183D7F6-B498-43B3-948B-1728B52AA6E4}">
+                <adec:decorative xmlns:adec="http://schemas.microsoft.com/office/drawing/2017/decorative" val="1"/>
+              </a:ext>
+            </a:extLst>
+          </p:cNvPr>
+          <p:cNvSpPr>
+            <a:spLocks noGrp="1" noRot="1" noChangeAspect="1" noMove="1" noResize="1" noEditPoints="1" noAdjustHandles="1" noChangeArrowheads="1" noChangeShapeType="1" noTextEdit="1"/>
+          </p:cNvSpPr>
+          <p:nvPr>
+            <p:extLst>
+              <p:ext uri="{386F3935-93C4-4BCD-93E2-E3B085C9AB24}">
+                <p16:designElem xmlns:p16="http://schemas.microsoft.com/office/powerpoint/2015/main" val="1"/>
+              </p:ext>
+            </p:extLst>
+          </p:nvPr>
+        </p:nvSpPr>
+        <p:spPr>
+          <a:xfrm>
+            <a:off x="596464" y="551962"/>
+            <a:ext cx="10999072" cy="4618549"/>
+          </a:xfrm>
+          <a:prstGeom prst="rect">
+            <a:avLst/>
+          </a:prstGeom>
+          <a:solidFill>
+            <a:schemeClr val="bg1"/>
+          </a:solidFill>
+          <a:ln>
+            <a:noFill/>
+          </a:ln>
+          <a:effectLst>
+            <a:outerShdw blurRad="139700" dist="127000" dir="5400000" algn="t" rotWithShape="0">
+              <a:prstClr val="black">
+                <a:alpha val="15000"/>
+              </a:prstClr>
+            </a:outerShdw>
+          </a:effectLst>
+        </p:spPr>
+        <p:style>
+          <a:lnRef idx="2">
+            <a:schemeClr val="accent1">
+              <a:shade val="50000"/>
+            </a:schemeClr>
+          </a:lnRef>
+          <a:fillRef idx="1">
+            <a:schemeClr val="accent1"/>
+          </a:fillRef>
+          <a:effectRef idx="0">
+            <a:schemeClr val="accent1"/>
+          </a:effectRef>
+          <a:fontRef idx="minor">
+            <a:schemeClr val="lt1"/>
+          </a:fontRef>
+        </p:style>
+        <p:txBody>
+          <a:bodyPr rtlCol="0" anchor="ctr"/>
+          <a:lstStyle/>
+          <a:p>
+            <a:pPr algn="ctr"/>
+            <a:endParaRPr lang="en-US"/>
+          </a:p>
+        </p:txBody>
+      </p:sp>
+      <p:sp>
+        <p:nvSpPr>
+          <p:cNvPr id="2" name="Titre 1">
+            <a:extLst>
+              <a:ext uri="{FF2B5EF4-FFF2-40B4-BE49-F238E27FC236}">
+                <a16:creationId xmlns:a16="http://schemas.microsoft.com/office/drawing/2014/main" id="{0644F7B3-4E46-4EF4-988A-72F59B7E1FF7}"/>
+              </a:ext>
+            </a:extLst>
+          </p:cNvPr>
+          <p:cNvSpPr>
+            <a:spLocks noGrp="1"/>
+          </p:cNvSpPr>
+          <p:nvPr>
+            <p:ph type="title"/>
+          </p:nvPr>
+        </p:nvSpPr>
+        <p:spPr>
+          <a:xfrm>
+            <a:off x="1524000" y="1293338"/>
+            <a:ext cx="9144000" cy="3274592"/>
+          </a:xfrm>
+          <a:ln w="57150">
+            <a:solidFill>
+              <a:schemeClr val="tx1"/>
+            </a:solidFill>
+          </a:ln>
+        </p:spPr>
+        <p:txBody>
+          <a:bodyPr vert="horz" lIns="91440" tIns="45720" rIns="91440" bIns="45720" rtlCol="0" anchor="ctr">
+            <a:normAutofit/>
+          </a:bodyPr>
+          <a:lstStyle/>
+          <a:p>
+            <a:pPr algn="ctr"/>
+            <a:r>
+              <a:rPr lang="en-US" sz="13800" b="1" kern="1200" dirty="0">
+                <a:ln w="9525">
+                  <a:solidFill>
+                    <a:schemeClr val="bg1"/>
+                  </a:solidFill>
+                  <a:prstDash val="solid"/>
+                </a:ln>
+                <a:effectLst>
+                  <a:outerShdw blurRad="12700" dist="38100" dir="2700000" algn="tl" rotWithShape="0">
+                    <a:schemeClr val="bg1">
+                      <a:lumMod val="50000"/>
+                    </a:schemeClr>
+                  </a:outerShdw>
+                </a:effectLst>
+                <a:latin typeface="+mj-lt"/>
+                <a:ea typeface="+mj-ea"/>
+                <a:cs typeface="+mj-cs"/>
+              </a:rPr>
+              <a:t>DEMO</a:t>
+            </a:r>
+          </a:p>
+        </p:txBody>
+      </p:sp>
+      <p:cxnSp>
+        <p:nvCxnSpPr>
+          <p:cNvPr id="14" name="Straight Connector 13">
+            <a:extLst>
+              <a:ext uri="{FF2B5EF4-FFF2-40B4-BE49-F238E27FC236}">
+                <a16:creationId xmlns:a16="http://schemas.microsoft.com/office/drawing/2014/main" id="{F7C8EA93-3210-4C62-99E9-153C275E3A87}"/>
+              </a:ext>
+              <a:ext uri="{C183D7F6-B498-43B3-948B-1728B52AA6E4}">
+                <adec:decorative xmlns:adec="http://schemas.microsoft.com/office/drawing/2017/decorative" val="1"/>
+              </a:ext>
+            </a:extLst>
+          </p:cNvPr>
+          <p:cNvCxnSpPr>
+            <a:cxnSpLocks noGrp="1" noRot="1" noChangeAspect="1" noMove="1" noResize="1" noEditPoints="1" noAdjustHandles="1" noChangeArrowheads="1" noChangeShapeType="1"/>
+          </p:cNvCxnSpPr>
+          <p:nvPr>
+            <p:extLst>
+              <p:ext uri="{386F3935-93C4-4BCD-93E2-E3B085C9AB24}">
+                <p16:designElem xmlns:p16="http://schemas.microsoft.com/office/powerpoint/2015/main" val="1"/>
+              </p:ext>
+            </p:extLst>
+          </p:nvPr>
+        </p:nvCxnSpPr>
+        <p:spPr>
+          <a:xfrm flipH="1">
+            <a:off x="596464" y="6354708"/>
+            <a:ext cx="11000232" cy="0"/>
+          </a:xfrm>
+          <a:prstGeom prst="line">
+            <a:avLst/>
+          </a:prstGeom>
+          <a:ln w="101600">
+            <a:solidFill>
+              <a:schemeClr val="accent4"/>
+            </a:solidFill>
+          </a:ln>
+        </p:spPr>
+        <p:style>
+          <a:lnRef idx="1">
+            <a:schemeClr val="accent1"/>
+          </a:lnRef>
+          <a:fillRef idx="0">
+            <a:schemeClr val="accent1"/>
+          </a:fillRef>
+          <a:effectRef idx="0">
+            <a:schemeClr val="accent1"/>
+          </a:effectRef>
+          <a:fontRef idx="minor">
+            <a:schemeClr val="tx1"/>
+          </a:fontRef>
+        </p:style>
+      </p:cxnSp>
+      <p:sp>
+        <p:nvSpPr>
+          <p:cNvPr id="3" name="Slide Number Placeholder 2">
+            <a:extLst>
+              <a:ext uri="{FF2B5EF4-FFF2-40B4-BE49-F238E27FC236}">
+                <a16:creationId xmlns:a16="http://schemas.microsoft.com/office/drawing/2014/main" id="{31914597-5E77-43C4-9814-24923E33FD74}"/>
+              </a:ext>
+            </a:extLst>
+          </p:cNvPr>
+          <p:cNvSpPr>
+            <a:spLocks noGrp="1"/>
+          </p:cNvSpPr>
+          <p:nvPr>
+            <p:ph type="sldNum" sz="quarter" idx="12"/>
+          </p:nvPr>
+        </p:nvSpPr>
+        <p:spPr/>
+        <p:txBody>
+          <a:bodyPr/>
+          <a:lstStyle/>
+          <a:p>
+            <a:fld id="{43B0AB4A-0575-400B-9EA0-B9BBCBE45FA9}" type="slidenum">
+              <a:rPr lang="fr-FR" smtClean="0"/>
+              <a:t>17</a:t>
+            </a:fld>
+            <a:endParaRPr lang="fr-FR"/>
+          </a:p>
+        </p:txBody>
+      </p:sp>
+    </p:spTree>
+    <p:extLst>
+      <p:ext uri="{BB962C8B-B14F-4D97-AF65-F5344CB8AC3E}">
+        <p14:creationId xmlns:p14="http://schemas.microsoft.com/office/powerpoint/2010/main" val="700235139"/>
+      </p:ext>
+    </p:extLst>
+  </p:cSld>
+  <p:clrMapOvr>
+    <a:masterClrMapping/>
+  </p:clrMapOvr>
+</p:sld>
+</file>
+
+<file path=ppt/slides/slide2.xml><?xml version="1.0" encoding="utf-8"?>
 <p:sld xmlns:a="http://schemas.openxmlformats.org/drawingml/2006/main" xmlns:r="http://schemas.openxmlformats.org/officeDocument/2006/relationships" xmlns:p="http://schemas.openxmlformats.org/presentationml/2006/main">
   <p:cSld>
     <p:bg>
@@ -4783,8 +8483,8 @@
         </p:nvSpPr>
         <p:spPr>
           <a:xfrm>
-            <a:off x="590718" y="2330505"/>
-            <a:ext cx="4763601" cy="3979585"/>
+            <a:off x="590719" y="2330505"/>
+            <a:ext cx="4559425" cy="3979585"/>
           </a:xfrm>
         </p:spPr>
         <p:txBody>
@@ -4969,6 +8669,719 @@
       </p:sp>
       <p:pic>
         <p:nvPicPr>
+          <p:cNvPr id="7" name="Image 6" descr="Une image contenant équipement électronique, circuit&#10;&#10;Description générée automatiquement">
+            <a:extLst>
+              <a:ext uri="{FF2B5EF4-FFF2-40B4-BE49-F238E27FC236}">
+                <a16:creationId xmlns:a16="http://schemas.microsoft.com/office/drawing/2014/main" id="{590AA8F6-DC5F-46D5-ABBD-68FCF030D12E}"/>
+              </a:ext>
+            </a:extLst>
+          </p:cNvPr>
+          <p:cNvPicPr>
+            <a:picLocks noChangeAspect="1"/>
+          </p:cNvPicPr>
+          <p:nvPr/>
+        </p:nvPicPr>
+        <p:blipFill rotWithShape="1">
+          <a:blip r:embed="rId2">
+            <a:extLst>
+              <a:ext uri="{28A0092B-C50C-407E-A947-70E740481C1C}">
+                <a14:useLocalDpi xmlns:a14="http://schemas.microsoft.com/office/drawing/2010/main" val="0"/>
+              </a:ext>
+            </a:extLst>
+          </a:blip>
+          <a:srcRect l="20747" t="18207" r="24295" b="18050"/>
+          <a:stretch/>
+        </p:blipFill>
+        <p:spPr>
+          <a:xfrm>
+            <a:off x="6057853" y="898545"/>
+            <a:ext cx="5386982" cy="4686072"/>
+          </a:xfrm>
+          <a:prstGeom prst="rect">
+            <a:avLst/>
+          </a:prstGeom>
+        </p:spPr>
+      </p:pic>
+      <p:sp>
+        <p:nvSpPr>
+          <p:cNvPr id="13" name="Ellipse 12">
+            <a:extLst>
+              <a:ext uri="{FF2B5EF4-FFF2-40B4-BE49-F238E27FC236}">
+                <a16:creationId xmlns:a16="http://schemas.microsoft.com/office/drawing/2014/main" id="{CAF502F5-3A1F-4B9E-B22D-0D30AB927F44}"/>
+              </a:ext>
+            </a:extLst>
+          </p:cNvPr>
+          <p:cNvSpPr/>
+          <p:nvPr/>
+        </p:nvSpPr>
+        <p:spPr>
+          <a:xfrm>
+            <a:off x="7393709" y="3973342"/>
+            <a:ext cx="518474" cy="518474"/>
+          </a:xfrm>
+          <a:prstGeom prst="ellipse">
+            <a:avLst/>
+          </a:prstGeom>
+          <a:noFill/>
+          <a:ln w="57150">
+            <a:solidFill>
+              <a:srgbClr val="FF0000"/>
+            </a:solidFill>
+          </a:ln>
+        </p:spPr>
+        <p:style>
+          <a:lnRef idx="2">
+            <a:schemeClr val="accent1">
+              <a:shade val="50000"/>
+            </a:schemeClr>
+          </a:lnRef>
+          <a:fillRef idx="1">
+            <a:schemeClr val="accent1"/>
+          </a:fillRef>
+          <a:effectRef idx="0">
+            <a:schemeClr val="accent1"/>
+          </a:effectRef>
+          <a:fontRef idx="minor">
+            <a:schemeClr val="lt1"/>
+          </a:fontRef>
+        </p:style>
+        <p:txBody>
+          <a:bodyPr rtlCol="0" anchor="ctr"/>
+          <a:lstStyle/>
+          <a:p>
+            <a:pPr algn="ctr"/>
+            <a:endParaRPr lang="fr-FR"/>
+          </a:p>
+        </p:txBody>
+      </p:sp>
+      <p:cxnSp>
+        <p:nvCxnSpPr>
+          <p:cNvPr id="8" name="Connecteur droit avec flèche 7">
+            <a:extLst>
+              <a:ext uri="{FF2B5EF4-FFF2-40B4-BE49-F238E27FC236}">
+                <a16:creationId xmlns:a16="http://schemas.microsoft.com/office/drawing/2014/main" id="{15D62D52-E748-4B08-8CA9-FE2A60519319}"/>
+              </a:ext>
+            </a:extLst>
+          </p:cNvPr>
+          <p:cNvCxnSpPr>
+            <a:cxnSpLocks/>
+          </p:cNvCxnSpPr>
+          <p:nvPr/>
+        </p:nvCxnSpPr>
+        <p:spPr>
+          <a:xfrm flipH="1">
+            <a:off x="6381213" y="4444901"/>
+            <a:ext cx="1079731" cy="1168730"/>
+          </a:xfrm>
+          <a:prstGeom prst="straightConnector1">
+            <a:avLst/>
+          </a:prstGeom>
+          <a:ln w="57150">
+            <a:solidFill>
+              <a:srgbClr val="FF0000"/>
+            </a:solidFill>
+            <a:headEnd type="arrow" w="med" len="med"/>
+            <a:tailEnd type="none" w="med" len="med"/>
+          </a:ln>
+        </p:spPr>
+        <p:style>
+          <a:lnRef idx="1">
+            <a:schemeClr val="accent1"/>
+          </a:lnRef>
+          <a:fillRef idx="0">
+            <a:schemeClr val="accent1"/>
+          </a:fillRef>
+          <a:effectRef idx="0">
+            <a:schemeClr val="accent1"/>
+          </a:effectRef>
+          <a:fontRef idx="minor">
+            <a:schemeClr val="tx1"/>
+          </a:fontRef>
+        </p:style>
+      </p:cxnSp>
+      <p:sp>
+        <p:nvSpPr>
+          <p:cNvPr id="2" name="Slide Number Placeholder 1">
+            <a:extLst>
+              <a:ext uri="{FF2B5EF4-FFF2-40B4-BE49-F238E27FC236}">
+                <a16:creationId xmlns:a16="http://schemas.microsoft.com/office/drawing/2014/main" id="{286DD8A2-37EA-4704-A86E-AE412F1DE704}"/>
+              </a:ext>
+            </a:extLst>
+          </p:cNvPr>
+          <p:cNvSpPr>
+            <a:spLocks noGrp="1"/>
+          </p:cNvSpPr>
+          <p:nvPr>
+            <p:ph type="sldNum" sz="quarter" idx="12"/>
+          </p:nvPr>
+        </p:nvSpPr>
+        <p:spPr/>
+        <p:txBody>
+          <a:bodyPr/>
+          <a:lstStyle/>
+          <a:p>
+            <a:fld id="{43B0AB4A-0575-400B-9EA0-B9BBCBE45FA9}" type="slidenum">
+              <a:rPr lang="fr-FR" smtClean="0"/>
+              <a:t>2</a:t>
+            </a:fld>
+            <a:endParaRPr lang="fr-FR"/>
+          </a:p>
+        </p:txBody>
+      </p:sp>
+    </p:spTree>
+    <p:extLst>
+      <p:ext uri="{BB962C8B-B14F-4D97-AF65-F5344CB8AC3E}">
+        <p14:creationId xmlns:p14="http://schemas.microsoft.com/office/powerpoint/2010/main" val="3783857438"/>
+      </p:ext>
+    </p:extLst>
+  </p:cSld>
+  <p:clrMapOvr>
+    <a:masterClrMapping/>
+  </p:clrMapOvr>
+</p:sld>
+</file>
+
+<file path=ppt/slides/slide3.xml><?xml version="1.0" encoding="utf-8"?>
+<p:sld xmlns:a="http://schemas.openxmlformats.org/drawingml/2006/main" xmlns:r="http://schemas.openxmlformats.org/officeDocument/2006/relationships" xmlns:p="http://schemas.openxmlformats.org/presentationml/2006/main">
+  <p:cSld>
+    <p:bg>
+      <p:bgPr>
+        <a:solidFill>
+          <a:schemeClr val="bg1"/>
+        </a:solidFill>
+        <a:effectLst/>
+      </p:bgPr>
+    </p:bg>
+    <p:spTree>
+      <p:nvGrpSpPr>
+        <p:cNvPr id="1" name=""/>
+        <p:cNvGrpSpPr/>
+        <p:nvPr/>
+      </p:nvGrpSpPr>
+      <p:grpSpPr>
+        <a:xfrm>
+          <a:off x="0" y="0"/>
+          <a:ext cx="0" cy="0"/>
+          <a:chOff x="0" y="0"/>
+          <a:chExt cx="0" cy="0"/>
+        </a:xfrm>
+      </p:grpSpPr>
+      <p:sp useBgFill="1">
+        <p:nvSpPr>
+          <p:cNvPr id="12" name="Rectangle 11">
+            <a:extLst>
+              <a:ext uri="{FF2B5EF4-FFF2-40B4-BE49-F238E27FC236}">
+                <a16:creationId xmlns:a16="http://schemas.microsoft.com/office/drawing/2014/main" id="{201CC55D-ED54-4C5C-95E6-10947BD1103B}"/>
+              </a:ext>
+              <a:ext uri="{C183D7F6-B498-43B3-948B-1728B52AA6E4}">
+                <adec:decorative xmlns:adec="http://schemas.microsoft.com/office/drawing/2017/decorative" val="1"/>
+              </a:ext>
+            </a:extLst>
+          </p:cNvPr>
+          <p:cNvSpPr>
+            <a:spLocks noGrp="1" noRot="1" noChangeAspect="1" noMove="1" noResize="1" noEditPoints="1" noAdjustHandles="1" noChangeArrowheads="1" noChangeShapeType="1" noTextEdit="1"/>
+          </p:cNvSpPr>
+          <p:nvPr>
+            <p:extLst>
+              <p:ext uri="{386F3935-93C4-4BCD-93E2-E3B085C9AB24}">
+                <p16:designElem xmlns:p16="http://schemas.microsoft.com/office/powerpoint/2015/main" val="1"/>
+              </p:ext>
+            </p:extLst>
+          </p:nvPr>
+        </p:nvSpPr>
+        <p:spPr>
+          <a:xfrm>
+            <a:off x="0" y="0"/>
+            <a:ext cx="12191999" cy="6857365"/>
+          </a:xfrm>
+          <a:prstGeom prst="rect">
+            <a:avLst/>
+          </a:prstGeom>
+          <a:ln>
+            <a:noFill/>
+          </a:ln>
+        </p:spPr>
+        <p:style>
+          <a:lnRef idx="2">
+            <a:schemeClr val="accent1">
+              <a:shade val="50000"/>
+            </a:schemeClr>
+          </a:lnRef>
+          <a:fillRef idx="1">
+            <a:schemeClr val="accent1"/>
+          </a:fillRef>
+          <a:effectRef idx="0">
+            <a:schemeClr val="accent1"/>
+          </a:effectRef>
+          <a:fontRef idx="minor">
+            <a:schemeClr val="lt1"/>
+          </a:fontRef>
+        </p:style>
+        <p:txBody>
+          <a:bodyPr rtlCol="0" anchor="ctr"/>
+          <a:lstStyle/>
+          <a:p>
+            <a:pPr algn="ctr"/>
+            <a:endParaRPr lang="en-US"/>
+          </a:p>
+        </p:txBody>
+      </p:sp>
+      <p:sp>
+        <p:nvSpPr>
+          <p:cNvPr id="4" name="Titre 3">
+            <a:extLst>
+              <a:ext uri="{FF2B5EF4-FFF2-40B4-BE49-F238E27FC236}">
+                <a16:creationId xmlns:a16="http://schemas.microsoft.com/office/drawing/2014/main" id="{489898FB-4C9F-4E30-B320-2895B2D7E4E4}"/>
+              </a:ext>
+            </a:extLst>
+          </p:cNvPr>
+          <p:cNvSpPr>
+            <a:spLocks noGrp="1"/>
+          </p:cNvSpPr>
+          <p:nvPr>
+            <p:ph type="title"/>
+          </p:nvPr>
+        </p:nvSpPr>
+        <p:spPr>
+          <a:xfrm>
+            <a:off x="589560" y="856180"/>
+            <a:ext cx="4560584" cy="1128068"/>
+          </a:xfrm>
+        </p:spPr>
+        <p:txBody>
+          <a:bodyPr anchor="ctr">
+            <a:normAutofit/>
+          </a:bodyPr>
+          <a:lstStyle/>
+          <a:p>
+            <a:r>
+              <a:rPr lang="fr-FR" sz="3700" dirty="0"/>
+              <a:t>Capteur de pression – Baromètre – BMP280</a:t>
+            </a:r>
+          </a:p>
+        </p:txBody>
+      </p:sp>
+      <p:grpSp>
+        <p:nvGrpSpPr>
+          <p:cNvPr id="14" name="Group 13">
+            <a:extLst>
+              <a:ext uri="{FF2B5EF4-FFF2-40B4-BE49-F238E27FC236}">
+                <a16:creationId xmlns:a16="http://schemas.microsoft.com/office/drawing/2014/main" id="{1DE889C7-FAD6-4397-98E2-05D503484459}"/>
+              </a:ext>
+              <a:ext uri="{C183D7F6-B498-43B3-948B-1728B52AA6E4}">
+                <adec:decorative xmlns:adec="http://schemas.microsoft.com/office/drawing/2017/decorative" val="1"/>
+              </a:ext>
+            </a:extLst>
+          </p:cNvPr>
+          <p:cNvGrpSpPr>
+            <a:grpSpLocks noGrp="1" noUngrp="1" noRot="1" noChangeAspect="1" noMove="1" noResize="1"/>
+          </p:cNvGrpSpPr>
+          <p:nvPr>
+            <p:extLst>
+              <p:ext uri="{386F3935-93C4-4BCD-93E2-E3B085C9AB24}">
+                <p16:designElem xmlns:p16="http://schemas.microsoft.com/office/powerpoint/2015/main" val="1"/>
+              </p:ext>
+            </p:extLst>
+          </p:nvPr>
+        </p:nvGrpSpPr>
+        <p:grpSpPr>
+          <a:xfrm>
+            <a:off x="0" y="1083484"/>
+            <a:ext cx="355196" cy="673460"/>
+            <a:chOff x="0" y="823811"/>
+            <a:chExt cx="355196" cy="673460"/>
+          </a:xfrm>
+        </p:grpSpPr>
+        <p:sp>
+          <p:nvSpPr>
+            <p:cNvPr id="15" name="Rectangle 14">
+              <a:extLst>
+                <a:ext uri="{FF2B5EF4-FFF2-40B4-BE49-F238E27FC236}">
+                  <a16:creationId xmlns:a16="http://schemas.microsoft.com/office/drawing/2014/main" id="{F399A70F-F8CD-4992-9EF5-6CF15472E73F}"/>
+                </a:ext>
+                <a:ext uri="{C183D7F6-B498-43B3-948B-1728B52AA6E4}">
+                  <adec:decorative xmlns:adec="http://schemas.microsoft.com/office/drawing/2017/decorative" val="1"/>
+                </a:ext>
+              </a:extLst>
+            </p:cNvPr>
+            <p:cNvSpPr/>
+            <p:nvPr>
+              <p:extLst>
+                <p:ext uri="{386F3935-93C4-4BCD-93E2-E3B085C9AB24}">
+                  <p16:designElem xmlns:p16="http://schemas.microsoft.com/office/powerpoint/2015/main" val="1"/>
+                </p:ext>
+              </p:extLst>
+            </p:nvPr>
+          </p:nvSpPr>
+          <p:spPr>
+            <a:xfrm>
+              <a:off x="0" y="823811"/>
+              <a:ext cx="87363" cy="673460"/>
+            </a:xfrm>
+            <a:prstGeom prst="rect">
+              <a:avLst/>
+            </a:prstGeom>
+            <a:solidFill>
+              <a:schemeClr val="accent4"/>
+            </a:solidFill>
+            <a:ln>
+              <a:noFill/>
+            </a:ln>
+          </p:spPr>
+          <p:style>
+            <a:lnRef idx="2">
+              <a:schemeClr val="accent1">
+                <a:shade val="50000"/>
+              </a:schemeClr>
+            </a:lnRef>
+            <a:fillRef idx="1">
+              <a:schemeClr val="accent1"/>
+            </a:fillRef>
+            <a:effectRef idx="0">
+              <a:schemeClr val="accent1"/>
+            </a:effectRef>
+            <a:fontRef idx="minor">
+              <a:schemeClr val="lt1"/>
+            </a:fontRef>
+          </p:style>
+          <p:txBody>
+            <a:bodyPr rtlCol="0" anchor="ctr"/>
+            <a:lstStyle/>
+            <a:p>
+              <a:pPr algn="ctr"/>
+              <a:endParaRPr lang="en-US"/>
+            </a:p>
+          </p:txBody>
+        </p:sp>
+        <p:sp>
+          <p:nvSpPr>
+            <p:cNvPr id="16" name="Rectangle 15">
+              <a:extLst>
+                <a:ext uri="{FF2B5EF4-FFF2-40B4-BE49-F238E27FC236}">
+                  <a16:creationId xmlns:a16="http://schemas.microsoft.com/office/drawing/2014/main" id="{48F4FEDC-6D80-458C-A665-075D9B9500FD}"/>
+                </a:ext>
+                <a:ext uri="{C183D7F6-B498-43B3-948B-1728B52AA6E4}">
+                  <adec:decorative xmlns:adec="http://schemas.microsoft.com/office/drawing/2017/decorative" val="1"/>
+                </a:ext>
+              </a:extLst>
+            </p:cNvPr>
+            <p:cNvSpPr/>
+            <p:nvPr>
+              <p:extLst>
+                <p:ext uri="{386F3935-93C4-4BCD-93E2-E3B085C9AB24}">
+                  <p16:designElem xmlns:p16="http://schemas.microsoft.com/office/powerpoint/2015/main" val="1"/>
+                </p:ext>
+              </p:extLst>
+            </p:nvPr>
+          </p:nvSpPr>
+          <p:spPr>
+            <a:xfrm>
+              <a:off x="159341" y="823811"/>
+              <a:ext cx="195855" cy="673460"/>
+            </a:xfrm>
+            <a:prstGeom prst="rect">
+              <a:avLst/>
+            </a:prstGeom>
+            <a:solidFill>
+              <a:schemeClr val="accent4"/>
+            </a:solidFill>
+            <a:ln>
+              <a:noFill/>
+            </a:ln>
+          </p:spPr>
+          <p:style>
+            <a:lnRef idx="2">
+              <a:schemeClr val="accent1">
+                <a:shade val="50000"/>
+              </a:schemeClr>
+            </a:lnRef>
+            <a:fillRef idx="1">
+              <a:schemeClr val="accent1"/>
+            </a:fillRef>
+            <a:effectRef idx="0">
+              <a:schemeClr val="accent1"/>
+            </a:effectRef>
+            <a:fontRef idx="minor">
+              <a:schemeClr val="lt1"/>
+            </a:fontRef>
+          </p:style>
+          <p:txBody>
+            <a:bodyPr rtlCol="0" anchor="ctr"/>
+            <a:lstStyle/>
+            <a:p>
+              <a:pPr algn="ctr"/>
+              <a:endParaRPr lang="en-US"/>
+            </a:p>
+          </p:txBody>
+        </p:sp>
+      </p:grpSp>
+      <p:sp>
+        <p:nvSpPr>
+          <p:cNvPr id="18" name="Rectangle 17">
+            <a:extLst>
+              <a:ext uri="{FF2B5EF4-FFF2-40B4-BE49-F238E27FC236}">
+                <a16:creationId xmlns:a16="http://schemas.microsoft.com/office/drawing/2014/main" id="{3873B707-463F-40B0-8227-E8CC6C67EB25}"/>
+              </a:ext>
+              <a:ext uri="{C183D7F6-B498-43B3-948B-1728B52AA6E4}">
+                <adec:decorative xmlns:adec="http://schemas.microsoft.com/office/drawing/2017/decorative" val="1"/>
+              </a:ext>
+            </a:extLst>
+          </p:cNvPr>
+          <p:cNvSpPr>
+            <a:spLocks noGrp="1" noRot="1" noChangeAspect="1" noMove="1" noResize="1" noEditPoints="1" noAdjustHandles="1" noChangeArrowheads="1" noChangeShapeType="1" noTextEdit="1"/>
+          </p:cNvSpPr>
+          <p:nvPr>
+            <p:extLst>
+              <p:ext uri="{386F3935-93C4-4BCD-93E2-E3B085C9AB24}">
+                <p16:designElem xmlns:p16="http://schemas.microsoft.com/office/powerpoint/2015/main" val="1"/>
+              </p:ext>
+            </p:extLst>
+          </p:nvPr>
+        </p:nvSpPr>
+        <p:spPr>
+          <a:xfrm flipH="1">
+            <a:off x="665085" y="2090569"/>
+            <a:ext cx="4297680" cy="27432"/>
+          </a:xfrm>
+          <a:prstGeom prst="rect">
+            <a:avLst/>
+          </a:prstGeom>
+          <a:solidFill>
+            <a:schemeClr val="accent4"/>
+          </a:solidFill>
+          <a:ln>
+            <a:noFill/>
+          </a:ln>
+        </p:spPr>
+        <p:style>
+          <a:lnRef idx="2">
+            <a:schemeClr val="accent1">
+              <a:shade val="50000"/>
+            </a:schemeClr>
+          </a:lnRef>
+          <a:fillRef idx="1">
+            <a:schemeClr val="accent1"/>
+          </a:fillRef>
+          <a:effectRef idx="0">
+            <a:schemeClr val="accent1"/>
+          </a:effectRef>
+          <a:fontRef idx="minor">
+            <a:schemeClr val="lt1"/>
+          </a:fontRef>
+        </p:style>
+        <p:txBody>
+          <a:bodyPr rtlCol="0" anchor="ctr"/>
+          <a:lstStyle/>
+          <a:p>
+            <a:pPr algn="ctr"/>
+            <a:endParaRPr lang="en-US"/>
+          </a:p>
+        </p:txBody>
+      </p:sp>
+      <p:sp>
+        <p:nvSpPr>
+          <p:cNvPr id="5" name="Espace réservé du contenu 4">
+            <a:extLst>
+              <a:ext uri="{FF2B5EF4-FFF2-40B4-BE49-F238E27FC236}">
+                <a16:creationId xmlns:a16="http://schemas.microsoft.com/office/drawing/2014/main" id="{C0EA7C15-453D-4245-AA97-8E180221059B}"/>
+              </a:ext>
+            </a:extLst>
+          </p:cNvPr>
+          <p:cNvSpPr>
+            <a:spLocks noGrp="1"/>
+          </p:cNvSpPr>
+          <p:nvPr>
+            <p:ph idx="1"/>
+          </p:nvPr>
+        </p:nvSpPr>
+        <p:spPr>
+          <a:xfrm>
+            <a:off x="590718" y="2330505"/>
+            <a:ext cx="4763601" cy="3979585"/>
+          </a:xfrm>
+        </p:spPr>
+        <p:txBody>
+          <a:bodyPr anchor="ctr">
+            <a:normAutofit/>
+          </a:bodyPr>
+          <a:lstStyle/>
+          <a:p>
+            <a:pPr marL="514350" indent="-514350">
+              <a:buFont typeface="+mj-lt"/>
+              <a:buAutoNum type="arabicPeriod"/>
+            </a:pPr>
+            <a:r>
+              <a:rPr lang="fr-FR" dirty="0"/>
+              <a:t>Utilisation</a:t>
+            </a:r>
+          </a:p>
+          <a:p>
+            <a:pPr marL="514350" indent="-514350">
+              <a:buFont typeface="+mj-lt"/>
+              <a:buAutoNum type="arabicPeriod"/>
+            </a:pPr>
+            <a:r>
+              <a:rPr lang="fr-FR" dirty="0"/>
+              <a:t>Principe</a:t>
+            </a:r>
+          </a:p>
+          <a:p>
+            <a:pPr marL="514350" indent="-514350">
+              <a:buFont typeface="+mj-lt"/>
+              <a:buAutoNum type="arabicPeriod"/>
+            </a:pPr>
+            <a:r>
+              <a:rPr lang="fr-FR" dirty="0"/>
+              <a:t>Limites</a:t>
+            </a:r>
+          </a:p>
+          <a:p>
+            <a:pPr marL="514350" indent="-514350">
+              <a:buFont typeface="+mj-lt"/>
+              <a:buAutoNum type="arabicPeriod"/>
+            </a:pPr>
+            <a:r>
+              <a:rPr lang="fr-FR" dirty="0"/>
+              <a:t>Démo</a:t>
+            </a:r>
+          </a:p>
+        </p:txBody>
+      </p:sp>
+      <p:sp>
+        <p:nvSpPr>
+          <p:cNvPr id="20" name="Rectangle 19">
+            <a:extLst>
+              <a:ext uri="{FF2B5EF4-FFF2-40B4-BE49-F238E27FC236}">
+                <a16:creationId xmlns:a16="http://schemas.microsoft.com/office/drawing/2014/main" id="{C13237C8-E62C-4F0D-A318-BD6FB6C2D138}"/>
+              </a:ext>
+              <a:ext uri="{C183D7F6-B498-43B3-948B-1728B52AA6E4}">
+                <adec:decorative xmlns:adec="http://schemas.microsoft.com/office/drawing/2017/decorative" val="1"/>
+              </a:ext>
+            </a:extLst>
+          </p:cNvPr>
+          <p:cNvSpPr>
+            <a:spLocks noGrp="1" noRot="1" noChangeAspect="1" noMove="1" noResize="1" noEditPoints="1" noAdjustHandles="1" noChangeArrowheads="1" noChangeShapeType="1" noTextEdit="1"/>
+          </p:cNvSpPr>
+          <p:nvPr>
+            <p:extLst>
+              <p:ext uri="{386F3935-93C4-4BCD-93E2-E3B085C9AB24}">
+                <p16:designElem xmlns:p16="http://schemas.microsoft.com/office/powerpoint/2015/main" val="1"/>
+              </p:ext>
+            </p:extLst>
+          </p:nvPr>
+        </p:nvSpPr>
+        <p:spPr>
+          <a:xfrm flipH="1">
+            <a:off x="10697670" y="0"/>
+            <a:ext cx="1494330" cy="6858000"/>
+          </a:xfrm>
+          <a:prstGeom prst="rect">
+            <a:avLst/>
+          </a:prstGeom>
+          <a:solidFill>
+            <a:schemeClr val="accent4"/>
+          </a:solidFill>
+          <a:ln>
+            <a:noFill/>
+          </a:ln>
+        </p:spPr>
+        <p:style>
+          <a:lnRef idx="2">
+            <a:schemeClr val="accent1">
+              <a:shade val="50000"/>
+            </a:schemeClr>
+          </a:lnRef>
+          <a:fillRef idx="1">
+            <a:schemeClr val="accent1"/>
+          </a:fillRef>
+          <a:effectRef idx="0">
+            <a:schemeClr val="accent1"/>
+          </a:effectRef>
+          <a:fontRef idx="minor">
+            <a:schemeClr val="lt1"/>
+          </a:fontRef>
+        </p:style>
+        <p:txBody>
+          <a:bodyPr rtlCol="0" anchor="ctr"/>
+          <a:lstStyle/>
+          <a:p>
+            <a:pPr algn="ctr"/>
+            <a:endParaRPr lang="en-US"/>
+          </a:p>
+        </p:txBody>
+      </p:sp>
+      <p:sp>
+        <p:nvSpPr>
+          <p:cNvPr id="22" name="Rectangle 21">
+            <a:extLst>
+              <a:ext uri="{FF2B5EF4-FFF2-40B4-BE49-F238E27FC236}">
+                <a16:creationId xmlns:a16="http://schemas.microsoft.com/office/drawing/2014/main" id="{19C9EAEA-39D0-4B0E-A0EB-51E7B26740B1}"/>
+              </a:ext>
+              <a:ext uri="{C183D7F6-B498-43B3-948B-1728B52AA6E4}">
+                <adec:decorative xmlns:adec="http://schemas.microsoft.com/office/drawing/2017/decorative" val="1"/>
+              </a:ext>
+            </a:extLst>
+          </p:cNvPr>
+          <p:cNvSpPr>
+            <a:spLocks noGrp="1" noRot="1" noChangeAspect="1" noMove="1" noResize="1" noEditPoints="1" noAdjustHandles="1" noChangeArrowheads="1" noChangeShapeType="1" noTextEdit="1"/>
+          </p:cNvSpPr>
+          <p:nvPr>
+            <p:extLst>
+              <p:ext uri="{386F3935-93C4-4BCD-93E2-E3B085C9AB24}">
+                <p16:designElem xmlns:p16="http://schemas.microsoft.com/office/powerpoint/2015/main" val="1"/>
+              </p:ext>
+            </p:extLst>
+          </p:nvPr>
+        </p:nvSpPr>
+        <p:spPr>
+          <a:xfrm>
+            <a:off x="5685810" y="513853"/>
+            <a:ext cx="6009366" cy="5834577"/>
+          </a:xfrm>
+          <a:prstGeom prst="rect">
+            <a:avLst/>
+          </a:prstGeom>
+          <a:solidFill>
+            <a:schemeClr val="bg1"/>
+          </a:solidFill>
+          <a:ln>
+            <a:noFill/>
+          </a:ln>
+          <a:effectLst>
+            <a:outerShdw blurRad="139700" dist="127000" dir="5400000" algn="t" rotWithShape="0">
+              <a:prstClr val="black">
+                <a:alpha val="15000"/>
+              </a:prstClr>
+            </a:outerShdw>
+          </a:effectLst>
+        </p:spPr>
+        <p:style>
+          <a:lnRef idx="2">
+            <a:schemeClr val="accent1">
+              <a:shade val="50000"/>
+            </a:schemeClr>
+          </a:lnRef>
+          <a:fillRef idx="1">
+            <a:schemeClr val="accent1"/>
+          </a:fillRef>
+          <a:effectRef idx="0">
+            <a:schemeClr val="accent1"/>
+          </a:effectRef>
+          <a:fontRef idx="minor">
+            <a:schemeClr val="lt1"/>
+          </a:fontRef>
+        </p:style>
+        <p:txBody>
+          <a:bodyPr rtlCol="0" anchor="ctr"/>
+          <a:lstStyle/>
+          <a:p>
+            <a:pPr algn="ctr"/>
+            <a:endParaRPr lang="en-US"/>
+          </a:p>
+        </p:txBody>
+      </p:sp>
+      <p:pic>
+        <p:nvPicPr>
           <p:cNvPr id="3" name="Image 2">
             <a:extLst>
               <a:ext uri="{FF2B5EF4-FFF2-40B4-BE49-F238E27FC236}">
@@ -4997,6 +9410,35 @@
           </a:prstGeom>
         </p:spPr>
       </p:pic>
+      <p:sp>
+        <p:nvSpPr>
+          <p:cNvPr id="2" name="Slide Number Placeholder 1">
+            <a:extLst>
+              <a:ext uri="{FF2B5EF4-FFF2-40B4-BE49-F238E27FC236}">
+                <a16:creationId xmlns:a16="http://schemas.microsoft.com/office/drawing/2014/main" id="{63F64229-31E4-4B42-AC3F-6A6142391885}"/>
+              </a:ext>
+            </a:extLst>
+          </p:cNvPr>
+          <p:cNvSpPr>
+            <a:spLocks noGrp="1"/>
+          </p:cNvSpPr>
+          <p:nvPr>
+            <p:ph type="sldNum" sz="quarter" idx="12"/>
+          </p:nvPr>
+        </p:nvSpPr>
+        <p:spPr/>
+        <p:txBody>
+          <a:bodyPr/>
+          <a:lstStyle/>
+          <a:p>
+            <a:fld id="{43B0AB4A-0575-400B-9EA0-B9BBCBE45FA9}" type="slidenum">
+              <a:rPr lang="fr-FR" smtClean="0"/>
+              <a:t>3</a:t>
+            </a:fld>
+            <a:endParaRPr lang="fr-FR"/>
+          </a:p>
+        </p:txBody>
+      </p:sp>
     </p:spTree>
     <p:extLst>
       <p:ext uri="{BB962C8B-B14F-4D97-AF65-F5344CB8AC3E}">
@@ -5456,6 +9898,35 @@
           </a:prstGeom>
         </p:spPr>
       </p:pic>
+      <p:sp>
+        <p:nvSpPr>
+          <p:cNvPr id="3" name="Slide Number Placeholder 2">
+            <a:extLst>
+              <a:ext uri="{FF2B5EF4-FFF2-40B4-BE49-F238E27FC236}">
+                <a16:creationId xmlns:a16="http://schemas.microsoft.com/office/drawing/2014/main" id="{EDBB4454-A55A-49B7-B341-7169BC18BFC7}"/>
+              </a:ext>
+            </a:extLst>
+          </p:cNvPr>
+          <p:cNvSpPr>
+            <a:spLocks noGrp="1"/>
+          </p:cNvSpPr>
+          <p:nvPr>
+            <p:ph type="sldNum" sz="quarter" idx="12"/>
+          </p:nvPr>
+        </p:nvSpPr>
+        <p:spPr/>
+        <p:txBody>
+          <a:bodyPr/>
+          <a:lstStyle/>
+          <a:p>
+            <a:fld id="{43B0AB4A-0575-400B-9EA0-B9BBCBE45FA9}" type="slidenum">
+              <a:rPr lang="fr-FR" smtClean="0"/>
+              <a:t>4</a:t>
+            </a:fld>
+            <a:endParaRPr lang="fr-FR"/>
+          </a:p>
+        </p:txBody>
+      </p:sp>
     </p:spTree>
     <p:extLst>
       <p:ext uri="{BB962C8B-B14F-4D97-AF65-F5344CB8AC3E}">
@@ -5877,6 +10348,35 @@
           </a:p>
         </p:txBody>
       </p:sp>
+      <p:sp>
+        <p:nvSpPr>
+          <p:cNvPr id="3" name="Slide Number Placeholder 2">
+            <a:extLst>
+              <a:ext uri="{FF2B5EF4-FFF2-40B4-BE49-F238E27FC236}">
+                <a16:creationId xmlns:a16="http://schemas.microsoft.com/office/drawing/2014/main" id="{CB5D5445-1FE5-4030-BADC-CA4408427B97}"/>
+              </a:ext>
+            </a:extLst>
+          </p:cNvPr>
+          <p:cNvSpPr>
+            <a:spLocks noGrp="1"/>
+          </p:cNvSpPr>
+          <p:nvPr>
+            <p:ph type="sldNum" sz="quarter" idx="12"/>
+          </p:nvPr>
+        </p:nvSpPr>
+        <p:spPr/>
+        <p:txBody>
+          <a:bodyPr/>
+          <a:lstStyle/>
+          <a:p>
+            <a:fld id="{43B0AB4A-0575-400B-9EA0-B9BBCBE45FA9}" type="slidenum">
+              <a:rPr lang="fr-FR" smtClean="0"/>
+              <a:t>5</a:t>
+            </a:fld>
+            <a:endParaRPr lang="fr-FR"/>
+          </a:p>
+        </p:txBody>
+      </p:sp>
     </p:spTree>
     <p:extLst>
       <p:ext uri="{BB962C8B-B14F-4D97-AF65-F5344CB8AC3E}">
@@ -6338,6 +10838,35 @@
           </a:prstGeom>
         </p:spPr>
       </p:pic>
+      <p:sp>
+        <p:nvSpPr>
+          <p:cNvPr id="3" name="Slide Number Placeholder 2">
+            <a:extLst>
+              <a:ext uri="{FF2B5EF4-FFF2-40B4-BE49-F238E27FC236}">
+                <a16:creationId xmlns:a16="http://schemas.microsoft.com/office/drawing/2014/main" id="{4696BC18-8C81-4D15-BA1F-B422F6A0F208}"/>
+              </a:ext>
+            </a:extLst>
+          </p:cNvPr>
+          <p:cNvSpPr>
+            <a:spLocks noGrp="1"/>
+          </p:cNvSpPr>
+          <p:nvPr>
+            <p:ph type="sldNum" sz="quarter" idx="12"/>
+          </p:nvPr>
+        </p:nvSpPr>
+        <p:spPr/>
+        <p:txBody>
+          <a:bodyPr/>
+          <a:lstStyle/>
+          <a:p>
+            <a:fld id="{43B0AB4A-0575-400B-9EA0-B9BBCBE45FA9}" type="slidenum">
+              <a:rPr lang="fr-FR" smtClean="0"/>
+              <a:t>6</a:t>
+            </a:fld>
+            <a:endParaRPr lang="fr-FR"/>
+          </a:p>
+        </p:txBody>
+      </p:sp>
     </p:spTree>
     <p:extLst>
       <p:ext uri="{BB962C8B-B14F-4D97-AF65-F5344CB8AC3E}">
@@ -8555,6 +13084,35 @@
           </a:fontRef>
         </p:style>
       </p:cxnSp>
+      <p:sp>
+        <p:nvSpPr>
+          <p:cNvPr id="3" name="Slide Number Placeholder 2">
+            <a:extLst>
+              <a:ext uri="{FF2B5EF4-FFF2-40B4-BE49-F238E27FC236}">
+                <a16:creationId xmlns:a16="http://schemas.microsoft.com/office/drawing/2014/main" id="{41B94BA9-1AB0-4BBD-B6FF-DBF38B0FFEE4}"/>
+              </a:ext>
+            </a:extLst>
+          </p:cNvPr>
+          <p:cNvSpPr>
+            <a:spLocks noGrp="1"/>
+          </p:cNvSpPr>
+          <p:nvPr>
+            <p:ph type="sldNum" sz="quarter" idx="12"/>
+          </p:nvPr>
+        </p:nvSpPr>
+        <p:spPr/>
+        <p:txBody>
+          <a:bodyPr/>
+          <a:lstStyle/>
+          <a:p>
+            <a:fld id="{43B0AB4A-0575-400B-9EA0-B9BBCBE45FA9}" type="slidenum">
+              <a:rPr lang="fr-FR" smtClean="0"/>
+              <a:t>7</a:t>
+            </a:fld>
+            <a:endParaRPr lang="fr-FR"/>
+          </a:p>
+        </p:txBody>
+      </p:sp>
     </p:spTree>
     <p:extLst>
       <p:ext uri="{BB962C8B-B14F-4D97-AF65-F5344CB8AC3E}">
@@ -9616,6 +14174,35 @@
           </a:p>
         </p:txBody>
       </p:sp>
+      <p:sp>
+        <p:nvSpPr>
+          <p:cNvPr id="3" name="Slide Number Placeholder 2">
+            <a:extLst>
+              <a:ext uri="{FF2B5EF4-FFF2-40B4-BE49-F238E27FC236}">
+                <a16:creationId xmlns:a16="http://schemas.microsoft.com/office/drawing/2014/main" id="{B362930A-915A-422C-9671-847788DA3EB1}"/>
+              </a:ext>
+            </a:extLst>
+          </p:cNvPr>
+          <p:cNvSpPr>
+            <a:spLocks noGrp="1"/>
+          </p:cNvSpPr>
+          <p:nvPr>
+            <p:ph type="sldNum" sz="quarter" idx="12"/>
+          </p:nvPr>
+        </p:nvSpPr>
+        <p:spPr/>
+        <p:txBody>
+          <a:bodyPr/>
+          <a:lstStyle/>
+          <a:p>
+            <a:fld id="{43B0AB4A-0575-400B-9EA0-B9BBCBE45FA9}" type="slidenum">
+              <a:rPr lang="fr-FR" smtClean="0"/>
+              <a:t>8</a:t>
+            </a:fld>
+            <a:endParaRPr lang="fr-FR"/>
+          </a:p>
+        </p:txBody>
+      </p:sp>
     </p:spTree>
     <p:extLst>
       <p:ext uri="{BB962C8B-B14F-4D97-AF65-F5344CB8AC3E}">
@@ -10005,10 +14592,39 @@
           </a:p>
         </p:txBody>
       </p:sp>
+      <p:sp>
+        <p:nvSpPr>
+          <p:cNvPr id="3" name="Slide Number Placeholder 2">
+            <a:extLst>
+              <a:ext uri="{FF2B5EF4-FFF2-40B4-BE49-F238E27FC236}">
+                <a16:creationId xmlns:a16="http://schemas.microsoft.com/office/drawing/2014/main" id="{CB1CE5BC-4909-41DF-B6A1-67D55355EF37}"/>
+              </a:ext>
+            </a:extLst>
+          </p:cNvPr>
+          <p:cNvSpPr>
+            <a:spLocks noGrp="1"/>
+          </p:cNvSpPr>
+          <p:nvPr>
+            <p:ph type="sldNum" sz="quarter" idx="12"/>
+          </p:nvPr>
+        </p:nvSpPr>
+        <p:spPr/>
+        <p:txBody>
+          <a:bodyPr/>
+          <a:lstStyle/>
+          <a:p>
+            <a:fld id="{43B0AB4A-0575-400B-9EA0-B9BBCBE45FA9}" type="slidenum">
+              <a:rPr lang="fr-FR" smtClean="0"/>
+              <a:t>9</a:t>
+            </a:fld>
+            <a:endParaRPr lang="fr-FR"/>
+          </a:p>
+        </p:txBody>
+      </p:sp>
     </p:spTree>
     <p:extLst>
       <p:ext uri="{BB962C8B-B14F-4D97-AF65-F5344CB8AC3E}">
-        <p14:creationId xmlns:p14="http://schemas.microsoft.com/office/powerpoint/2010/main" val="3801418973"/>
+        <p14:creationId xmlns:p14="http://schemas.microsoft.com/office/powerpoint/2010/main" val="730149844"/>
       </p:ext>
     </p:extLst>
   </p:cSld>
@@ -10311,4 +14927,299 @@
     </a:ext>
   </a:extLst>
 </a:theme>
+</file>
+
+<file path=ppt/theme/theme2.xml><?xml version="1.0" encoding="utf-8"?>
+<a:theme xmlns:a="http://schemas.openxmlformats.org/drawingml/2006/main" name="Office Theme">
+  <a:themeElements>
+    <a:clrScheme name="Office">
+      <a:dk1>
+        <a:sysClr val="windowText" lastClr="000000"/>
+      </a:dk1>
+      <a:lt1>
+        <a:sysClr val="window" lastClr="FFFFFF"/>
+      </a:lt1>
+      <a:dk2>
+        <a:srgbClr val="44546A"/>
+      </a:dk2>
+      <a:lt2>
+        <a:srgbClr val="E7E6E6"/>
+      </a:lt2>
+      <a:accent1>
+        <a:srgbClr val="4472C4"/>
+      </a:accent1>
+      <a:accent2>
+        <a:srgbClr val="ED7D31"/>
+      </a:accent2>
+      <a:accent3>
+        <a:srgbClr val="A5A5A5"/>
+      </a:accent3>
+      <a:accent4>
+        <a:srgbClr val="FFC000"/>
+      </a:accent4>
+      <a:accent5>
+        <a:srgbClr val="5B9BD5"/>
+      </a:accent5>
+      <a:accent6>
+        <a:srgbClr val="70AD47"/>
+      </a:accent6>
+      <a:hlink>
+        <a:srgbClr val="0563C1"/>
+      </a:hlink>
+      <a:folHlink>
+        <a:srgbClr val="954F72"/>
+      </a:folHlink>
+    </a:clrScheme>
+    <a:fontScheme name="Office">
+      <a:majorFont>
+        <a:latin typeface="Calibri Light" panose="020F0302020204030204"/>
+        <a:ea typeface=""/>
+        <a:cs typeface=""/>
+        <a:font script="Jpan" typeface="游ゴシック Light"/>
+        <a:font script="Hang" typeface="맑은 고딕"/>
+        <a:font script="Hans" typeface="等线 Light"/>
+        <a:font script="Hant" typeface="新細明體"/>
+        <a:font script="Arab" typeface="Times New Roman"/>
+        <a:font script="Hebr" typeface="Times New Roman"/>
+        <a:font script="Thai" typeface="Angsana New"/>
+        <a:font script="Ethi" typeface="Nyala"/>
+        <a:font script="Beng" typeface="Vrinda"/>
+        <a:font script="Gujr" typeface="Shruti"/>
+        <a:font script="Khmr" typeface="MoolBoran"/>
+        <a:font script="Knda" typeface="Tunga"/>
+        <a:font script="Guru" typeface="Raavi"/>
+        <a:font script="Cans" typeface="Euphemia"/>
+        <a:font script="Cher" typeface="Plantagenet Cherokee"/>
+        <a:font script="Yiii" typeface="Microsoft Yi Baiti"/>
+        <a:font script="Tibt" typeface="Microsoft Himalaya"/>
+        <a:font script="Thaa" typeface="MV Boli"/>
+        <a:font script="Deva" typeface="Mangal"/>
+        <a:font script="Telu" typeface="Gautami"/>
+        <a:font script="Taml" typeface="Latha"/>
+        <a:font script="Syrc" typeface="Estrangelo Edessa"/>
+        <a:font script="Orya" typeface="Kalinga"/>
+        <a:font script="Mlym" typeface="Kartika"/>
+        <a:font script="Laoo" typeface="DokChampa"/>
+        <a:font script="Sinh" typeface="Iskoola Pota"/>
+        <a:font script="Mong" typeface="Mongolian Baiti"/>
+        <a:font script="Viet" typeface="Times New Roman"/>
+        <a:font script="Uigh" typeface="Microsoft Uighur"/>
+        <a:font script="Geor" typeface="Sylfaen"/>
+        <a:font script="Armn" typeface="Arial"/>
+        <a:font script="Bugi" typeface="Leelawadee UI"/>
+        <a:font script="Bopo" typeface="Microsoft JhengHei"/>
+        <a:font script="Java" typeface="Javanese Text"/>
+        <a:font script="Lisu" typeface="Segoe UI"/>
+        <a:font script="Mymr" typeface="Myanmar Text"/>
+        <a:font script="Nkoo" typeface="Ebrima"/>
+        <a:font script="Olck" typeface="Nirmala UI"/>
+        <a:font script="Osma" typeface="Ebrima"/>
+        <a:font script="Phag" typeface="Phagspa"/>
+        <a:font script="Syrn" typeface="Estrangelo Edessa"/>
+        <a:font script="Syrj" typeface="Estrangelo Edessa"/>
+        <a:font script="Syre" typeface="Estrangelo Edessa"/>
+        <a:font script="Sora" typeface="Nirmala UI"/>
+        <a:font script="Tale" typeface="Microsoft Tai Le"/>
+        <a:font script="Talu" typeface="Microsoft New Tai Lue"/>
+        <a:font script="Tfng" typeface="Ebrima"/>
+      </a:majorFont>
+      <a:minorFont>
+        <a:latin typeface="Calibri" panose="020F0502020204030204"/>
+        <a:ea typeface=""/>
+        <a:cs typeface=""/>
+        <a:font script="Jpan" typeface="游ゴシック"/>
+        <a:font script="Hang" typeface="맑은 고딕"/>
+        <a:font script="Hans" typeface="等线"/>
+        <a:font script="Hant" typeface="新細明體"/>
+        <a:font script="Arab" typeface="Arial"/>
+        <a:font script="Hebr" typeface="Arial"/>
+        <a:font script="Thai" typeface="Cordia New"/>
+        <a:font script="Ethi" typeface="Nyala"/>
+        <a:font script="Beng" typeface="Vrinda"/>
+        <a:font script="Gujr" typeface="Shruti"/>
+        <a:font script="Khmr" typeface="DaunPenh"/>
+        <a:font script="Knda" typeface="Tunga"/>
+        <a:font script="Guru" typeface="Raavi"/>
+        <a:font script="Cans" typeface="Euphemia"/>
+        <a:font script="Cher" typeface="Plantagenet Cherokee"/>
+        <a:font script="Yiii" typeface="Microsoft Yi Baiti"/>
+        <a:font script="Tibt" typeface="Microsoft Himalaya"/>
+        <a:font script="Thaa" typeface="MV Boli"/>
+        <a:font script="Deva" typeface="Mangal"/>
+        <a:font script="Telu" typeface="Gautami"/>
+        <a:font script="Taml" typeface="Latha"/>
+        <a:font script="Syrc" typeface="Estrangelo Edessa"/>
+        <a:font script="Orya" typeface="Kalinga"/>
+        <a:font script="Mlym" typeface="Kartika"/>
+        <a:font script="Laoo" typeface="DokChampa"/>
+        <a:font script="Sinh" typeface="Iskoola Pota"/>
+        <a:font script="Mong" typeface="Mongolian Baiti"/>
+        <a:font script="Viet" typeface="Arial"/>
+        <a:font script="Uigh" typeface="Microsoft Uighur"/>
+        <a:font script="Geor" typeface="Sylfaen"/>
+        <a:font script="Armn" typeface="Arial"/>
+        <a:font script="Bugi" typeface="Leelawadee UI"/>
+        <a:font script="Bopo" typeface="Microsoft JhengHei"/>
+        <a:font script="Java" typeface="Javanese Text"/>
+        <a:font script="Lisu" typeface="Segoe UI"/>
+        <a:font script="Mymr" typeface="Myanmar Text"/>
+        <a:font script="Nkoo" typeface="Ebrima"/>
+        <a:font script="Olck" typeface="Nirmala UI"/>
+        <a:font script="Osma" typeface="Ebrima"/>
+        <a:font script="Phag" typeface="Phagspa"/>
+        <a:font script="Syrn" typeface="Estrangelo Edessa"/>
+        <a:font script="Syrj" typeface="Estrangelo Edessa"/>
+        <a:font script="Syre" typeface="Estrangelo Edessa"/>
+        <a:font script="Sora" typeface="Nirmala UI"/>
+        <a:font script="Tale" typeface="Microsoft Tai Le"/>
+        <a:font script="Talu" typeface="Microsoft New Tai Lue"/>
+        <a:font script="Tfng" typeface="Ebrima"/>
+      </a:minorFont>
+    </a:fontScheme>
+    <a:fmtScheme name="Office">
+      <a:fillStyleLst>
+        <a:solidFill>
+          <a:schemeClr val="phClr"/>
+        </a:solidFill>
+        <a:gradFill rotWithShape="1">
+          <a:gsLst>
+            <a:gs pos="0">
+              <a:schemeClr val="phClr">
+                <a:lumMod val="110000"/>
+                <a:satMod val="105000"/>
+                <a:tint val="67000"/>
+              </a:schemeClr>
+            </a:gs>
+            <a:gs pos="50000">
+              <a:schemeClr val="phClr">
+                <a:lumMod val="105000"/>
+                <a:satMod val="103000"/>
+                <a:tint val="73000"/>
+              </a:schemeClr>
+            </a:gs>
+            <a:gs pos="100000">
+              <a:schemeClr val="phClr">
+                <a:lumMod val="105000"/>
+                <a:satMod val="109000"/>
+                <a:tint val="81000"/>
+              </a:schemeClr>
+            </a:gs>
+          </a:gsLst>
+          <a:lin ang="5400000" scaled="0"/>
+        </a:gradFill>
+        <a:gradFill rotWithShape="1">
+          <a:gsLst>
+            <a:gs pos="0">
+              <a:schemeClr val="phClr">
+                <a:satMod val="103000"/>
+                <a:lumMod val="102000"/>
+                <a:tint val="94000"/>
+              </a:schemeClr>
+            </a:gs>
+            <a:gs pos="50000">
+              <a:schemeClr val="phClr">
+                <a:satMod val="110000"/>
+                <a:lumMod val="100000"/>
+                <a:shade val="100000"/>
+              </a:schemeClr>
+            </a:gs>
+            <a:gs pos="100000">
+              <a:schemeClr val="phClr">
+                <a:lumMod val="99000"/>
+                <a:satMod val="120000"/>
+                <a:shade val="78000"/>
+              </a:schemeClr>
+            </a:gs>
+          </a:gsLst>
+          <a:lin ang="5400000" scaled="0"/>
+        </a:gradFill>
+      </a:fillStyleLst>
+      <a:lnStyleLst>
+        <a:ln w="6350" cap="flat" cmpd="sng" algn="ctr">
+          <a:solidFill>
+            <a:schemeClr val="phClr"/>
+          </a:solidFill>
+          <a:prstDash val="solid"/>
+          <a:miter lim="800000"/>
+        </a:ln>
+        <a:ln w="12700" cap="flat" cmpd="sng" algn="ctr">
+          <a:solidFill>
+            <a:schemeClr val="phClr"/>
+          </a:solidFill>
+          <a:prstDash val="solid"/>
+          <a:miter lim="800000"/>
+        </a:ln>
+        <a:ln w="19050" cap="flat" cmpd="sng" algn="ctr">
+          <a:solidFill>
+            <a:schemeClr val="phClr"/>
+          </a:solidFill>
+          <a:prstDash val="solid"/>
+          <a:miter lim="800000"/>
+        </a:ln>
+      </a:lnStyleLst>
+      <a:effectStyleLst>
+        <a:effectStyle>
+          <a:effectLst/>
+        </a:effectStyle>
+        <a:effectStyle>
+          <a:effectLst/>
+        </a:effectStyle>
+        <a:effectStyle>
+          <a:effectLst>
+            <a:outerShdw blurRad="57150" dist="19050" dir="5400000" algn="ctr" rotWithShape="0">
+              <a:srgbClr val="000000">
+                <a:alpha val="63000"/>
+              </a:srgbClr>
+            </a:outerShdw>
+          </a:effectLst>
+        </a:effectStyle>
+      </a:effectStyleLst>
+      <a:bgFillStyleLst>
+        <a:solidFill>
+          <a:schemeClr val="phClr"/>
+        </a:solidFill>
+        <a:solidFill>
+          <a:schemeClr val="phClr">
+            <a:tint val="95000"/>
+            <a:satMod val="170000"/>
+          </a:schemeClr>
+        </a:solidFill>
+        <a:gradFill rotWithShape="1">
+          <a:gsLst>
+            <a:gs pos="0">
+              <a:schemeClr val="phClr">
+                <a:tint val="93000"/>
+                <a:satMod val="150000"/>
+                <a:shade val="98000"/>
+                <a:lumMod val="102000"/>
+              </a:schemeClr>
+            </a:gs>
+            <a:gs pos="50000">
+              <a:schemeClr val="phClr">
+                <a:tint val="98000"/>
+                <a:satMod val="130000"/>
+                <a:shade val="90000"/>
+                <a:lumMod val="103000"/>
+              </a:schemeClr>
+            </a:gs>
+            <a:gs pos="100000">
+              <a:schemeClr val="phClr">
+                <a:shade val="63000"/>
+                <a:satMod val="120000"/>
+              </a:schemeClr>
+            </a:gs>
+          </a:gsLst>
+          <a:lin ang="5400000" scaled="0"/>
+        </a:gradFill>
+      </a:bgFillStyleLst>
+    </a:fmtScheme>
+  </a:themeElements>
+  <a:objectDefaults/>
+  <a:extraClrSchemeLst/>
+  <a:extLst>
+    <a:ext uri="{05A4C25C-085E-4340-85A3-A5531E510DB2}">
+      <thm15:themeFamily xmlns:thm15="http://schemas.microsoft.com/office/thememl/2012/main" name="Office Theme" id="{62F939B6-93AF-4DB8-9C6B-D6C7DFDC589F}" vid="{4A3C46E8-61CC-4603-A589-7422A47A8E4A}"/>
+    </a:ext>
+  </a:extLst>
+</a:theme>
 </file>
--- a/Presentation/Presentation_Capteurs_BMP280.pptx
+++ b/Presentation/Presentation_Capteurs_BMP280.pptx
@@ -5963,9 +5963,10 @@
               <a:t>Effet</a:t>
             </a:r>
             <a:r>
-              <a:rPr lang="en-US" sz="2800" dirty="0"/>
-              <a:t> de Hall</a:t>
-            </a:r>
+              <a:rPr lang="en-US" sz="2800"/>
+              <a:t> Hall</a:t>
+            </a:r>
+            <a:endParaRPr lang="en-US" sz="2800" dirty="0"/>
           </a:p>
         </p:txBody>
       </p:sp>
@@ -6777,7 +6778,7 @@
         </p:blipFill>
         <p:spPr>
           <a:xfrm>
-            <a:off x="7476642" y="2124340"/>
+            <a:off x="7476642" y="2133218"/>
             <a:ext cx="2743438" cy="4221846"/>
           </a:xfrm>
           <a:prstGeom prst="rect">
